--- a/Sleep_Tracker_AI/presentation/Отчёт.pptx
+++ b/Sleep_Tracker_AI/presentation/Отчёт.pptx
@@ -1,31 +1,32 @@
 
 <file path=ppt/presentation.xml><?xml version="1.0" encoding="utf-8"?>
-<p:presentation xmlns:a="http://schemas.openxmlformats.org/drawingml/2006/main" xmlns:r="http://schemas.openxmlformats.org/officeDocument/2006/relationships" xmlns:p="http://schemas.openxmlformats.org/presentationml/2006/main" strictFirstAndLastChars="0" saveSubsetFonts="1" autoCompressPictures="0">
+<p:presentation xmlns:a="http://schemas.openxmlformats.org/drawingml/2006/main" xmlns:r="http://schemas.openxmlformats.org/officeDocument/2006/relationships" xmlns:p="http://schemas.openxmlformats.org/presentationml/2006/main" strictFirstAndLastChars="0">
   <p:sldMasterIdLst>
-    <p:sldMasterId id="2147483659" r:id="rId1"/>
+    <p:sldMasterId id="2147483648" r:id="rId1"/>
   </p:sldMasterIdLst>
   <p:notesMasterIdLst>
-    <p:notesMasterId r:id="rId15"/>
+    <p:notesMasterId r:id="rId2"/>
   </p:notesMasterIdLst>
   <p:sldIdLst>
-    <p:sldId id="256" r:id="rId2"/>
-    <p:sldId id="257" r:id="rId3"/>
-    <p:sldId id="258" r:id="rId4"/>
-    <p:sldId id="259" r:id="rId5"/>
-    <p:sldId id="260" r:id="rId6"/>
-    <p:sldId id="263" r:id="rId7"/>
-    <p:sldId id="262" r:id="rId8"/>
-    <p:sldId id="261" r:id="rId9"/>
-    <p:sldId id="266" r:id="rId10"/>
-    <p:sldId id="267" r:id="rId11"/>
-    <p:sldId id="268" r:id="rId12"/>
-    <p:sldId id="269" r:id="rId13"/>
-    <p:sldId id="270" r:id="rId14"/>
+    <p:sldId id="256" r:id="rId3"/>
+    <p:sldId id="257" r:id="rId4"/>
+    <p:sldId id="258" r:id="rId5"/>
+    <p:sldId id="259" r:id="rId6"/>
+    <p:sldId id="260" r:id="rId7"/>
+    <p:sldId id="271" r:id="rId8"/>
+    <p:sldId id="263" r:id="rId9"/>
+    <p:sldId id="262" r:id="rId10"/>
+    <p:sldId id="261" r:id="rId11"/>
+    <p:sldId id="266" r:id="rId12"/>
+    <p:sldId id="267" r:id="rId13"/>
+    <p:sldId id="268" r:id="rId14"/>
+    <p:sldId id="269" r:id="rId15"/>
+    <p:sldId id="270" r:id="rId16"/>
   </p:sldIdLst>
   <p:sldSz cx="9144000" cy="5143500" type="screen16x9"/>
   <p:notesSz cx="6858000" cy="9144000"/>
   <p:defaultTextStyle>
-    <a:defPPr marR="0" lvl="0" algn="l" rtl="0">
+    <a:defPPr marR="0" algn="l" rtl="0">
       <a:lnSpc>
         <a:spcPct val="100000"/>
       </a:lnSpc>
@@ -36,7 +37,7 @@
         <a:spcPts val="0"/>
       </a:spcAft>
     </a:defPPr>
-    <a:lvl1pPr marR="0" lvl="0" algn="l" rtl="0">
+    <a:lvl1pPr marR="0" algn="l" rtl="0">
       <a:lnSpc>
         <a:spcPct val="100000"/>
       </a:lnSpc>
@@ -60,7 +61,7 @@
         <a:sym typeface="Arial"/>
       </a:defRPr>
     </a:lvl1pPr>
-    <a:lvl2pPr marR="0" lvl="1" algn="l" rtl="0">
+    <a:lvl2pPr marR="0" algn="l" rtl="0">
       <a:lnSpc>
         <a:spcPct val="100000"/>
       </a:lnSpc>
@@ -84,7 +85,7 @@
         <a:sym typeface="Arial"/>
       </a:defRPr>
     </a:lvl2pPr>
-    <a:lvl3pPr marR="0" lvl="2" algn="l" rtl="0">
+    <a:lvl3pPr marR="0" algn="l" rtl="0">
       <a:lnSpc>
         <a:spcPct val="100000"/>
       </a:lnSpc>
@@ -108,7 +109,7 @@
         <a:sym typeface="Arial"/>
       </a:defRPr>
     </a:lvl3pPr>
-    <a:lvl4pPr marR="0" lvl="3" algn="l" rtl="0">
+    <a:lvl4pPr marR="0" algn="l" rtl="0">
       <a:lnSpc>
         <a:spcPct val="100000"/>
       </a:lnSpc>
@@ -132,7 +133,7 @@
         <a:sym typeface="Arial"/>
       </a:defRPr>
     </a:lvl4pPr>
-    <a:lvl5pPr marR="0" lvl="4" algn="l" rtl="0">
+    <a:lvl5pPr marR="0" algn="l" rtl="0">
       <a:lnSpc>
         <a:spcPct val="100000"/>
       </a:lnSpc>
@@ -156,7 +157,7 @@
         <a:sym typeface="Arial"/>
       </a:defRPr>
     </a:lvl5pPr>
-    <a:lvl6pPr marR="0" lvl="5" algn="l" rtl="0">
+    <a:lvl6pPr marR="0" algn="l" rtl="0">
       <a:lnSpc>
         <a:spcPct val="100000"/>
       </a:lnSpc>
@@ -180,7 +181,7 @@
         <a:sym typeface="Arial"/>
       </a:defRPr>
     </a:lvl6pPr>
-    <a:lvl7pPr marR="0" lvl="6" algn="l" rtl="0">
+    <a:lvl7pPr marR="0" algn="l" rtl="0">
       <a:lnSpc>
         <a:spcPct val="100000"/>
       </a:lnSpc>
@@ -204,7 +205,7 @@
         <a:sym typeface="Arial"/>
       </a:defRPr>
     </a:lvl7pPr>
-    <a:lvl8pPr marR="0" lvl="7" algn="l" rtl="0">
+    <a:lvl8pPr marR="0" algn="l" rtl="0">
       <a:lnSpc>
         <a:spcPct val="100000"/>
       </a:lnSpc>
@@ -228,7 +229,7 @@
         <a:sym typeface="Arial"/>
       </a:defRPr>
     </a:lvl8pPr>
-    <a:lvl9pPr marR="0" lvl="8" algn="l" rtl="0">
+    <a:lvl9pPr marR="0" algn="l" rtl="0">
       <a:lnSpc>
         <a:spcPct val="100000"/>
       </a:lnSpc>
@@ -282,7 +283,7 @@
     </p:bg>
     <p:spTree>
       <p:nvGrpSpPr>
-        <p:cNvPr id="1" name="Shape 2"/>
+        <p:cNvPr id="1" name=""/>
         <p:cNvGrpSpPr/>
         <p:nvPr/>
       </p:nvGrpSpPr>
@@ -298,7 +299,7 @@
         <p:nvSpPr>
           <p:cNvPr id="3" name="Google Shape;3;n"/>
           <p:cNvSpPr>
-            <a:spLocks noGrp="1" noRot="1" noChangeAspect="1"/>
+            <a:spLocks noGrp="1" noRot="1" noChangeAspect="1" noEditPoints="1"/>
           </p:cNvSpPr>
           <p:nvPr>
             <p:ph type="sldImg" idx="2"/>
@@ -311,12 +312,9 @@
           </a:xfrm>
           <a:custGeom>
             <a:avLst/>
-            <a:gdLst/>
-            <a:ahLst/>
-            <a:cxnLst/>
             <a:rect l="l" t="t" r="r" b="b"/>
             <a:pathLst>
-              <a:path w="120000" h="120000" extrusionOk="0">
+              <a:path w="120000" h="120000">
                 <a:moveTo>
                   <a:pt x="0" y="0"/>
                 </a:moveTo>
@@ -328,6 +326,9 @@
                 </a:lnTo>
                 <a:lnTo>
                   <a:pt x="0" y="120000"/>
+                </a:lnTo>
+                <a:lnTo>
+                  <a:pt x="0" y="0"/>
                 </a:lnTo>
                 <a:close/>
               </a:path>
@@ -344,12 +345,17 @@
             <a:tailEnd type="none" w="sm" len="sm"/>
           </a:ln>
         </p:spPr>
+        <p:txBody>
+          <a:bodyPr/>
+          <a:lstStyle/>
+          <a:p/>
+        </p:txBody>
       </p:sp>
       <p:sp>
         <p:nvSpPr>
           <p:cNvPr id="4" name="Google Shape;4;n"/>
-          <p:cNvSpPr txBox="1">
-            <a:spLocks noGrp="1"/>
+          <p:cNvSpPr>
+            <a:spLocks noGrp="1" noEditPoints="1"/>
           </p:cNvSpPr>
           <p:nvPr>
             <p:ph type="body" idx="1"/>
@@ -369,11 +375,11 @@
           </a:ln>
         </p:spPr>
         <p:txBody>
-          <a:bodyPr spcFirstLastPara="1" wrap="square" lIns="91425" tIns="91425" rIns="91425" bIns="91425" anchor="t" anchorCtr="0">
+          <a:bodyPr wrap="square" lIns="91425" tIns="91425" rIns="91425" bIns="91425" anchor="t">
             <a:noAutofit/>
           </a:bodyPr>
           <a:lstStyle>
-            <a:lvl1pPr marL="457200" lvl="0" indent="-298450">
+            <a:lvl1pPr marL="457200" indent="-298450">
               <a:spcBef>
                 <a:spcPts val="0"/>
               </a:spcBef>
@@ -474,26 +480,16 @@
             </a:lvl9pPr>
           </a:lstStyle>
           <a:p>
-            <a:endParaRPr/>
+            <a:pPr lvl="0"/>
           </a:p>
         </p:txBody>
       </p:sp>
     </p:spTree>
   </p:cSld>
   <p:clrMap bg1="lt1" tx1="dk1" bg2="dk2" tx2="lt2" accent1="accent1" accent2="accent2" accent3="accent3" accent4="accent4" accent5="accent5" accent6="accent6" hlink="hlink" folHlink="folHlink"/>
+  <p:hf dt="0" sldNum="0" hdr="0" ftr="0"/>
   <p:notesStyle>
-    <a:defPPr marR="0" lvl="0" algn="l" rtl="0">
-      <a:lnSpc>
-        <a:spcPct val="100000"/>
-      </a:lnSpc>
-      <a:spcBef>
-        <a:spcPts val="0"/>
-      </a:spcBef>
-      <a:spcAft>
-        <a:spcPts val="0"/>
-      </a:spcAft>
-    </a:defPPr>
-    <a:lvl1pPr marR="0" lvl="0" algn="l" rtl="0">
+    <a:lvl1pPr marR="0" algn="l" rtl="0">
       <a:lnSpc>
         <a:spcPct val="100000"/>
       </a:lnSpc>
@@ -517,7 +513,7 @@
         <a:sym typeface="Arial"/>
       </a:defRPr>
     </a:lvl1pPr>
-    <a:lvl2pPr marR="0" lvl="1" algn="l" rtl="0">
+    <a:lvl2pPr marR="0" algn="l" rtl="0">
       <a:lnSpc>
         <a:spcPct val="100000"/>
       </a:lnSpc>
@@ -541,7 +537,7 @@
         <a:sym typeface="Arial"/>
       </a:defRPr>
     </a:lvl2pPr>
-    <a:lvl3pPr marR="0" lvl="2" algn="l" rtl="0">
+    <a:lvl3pPr marR="0" algn="l" rtl="0">
       <a:lnSpc>
         <a:spcPct val="100000"/>
       </a:lnSpc>
@@ -565,7 +561,7 @@
         <a:sym typeface="Arial"/>
       </a:defRPr>
     </a:lvl3pPr>
-    <a:lvl4pPr marR="0" lvl="3" algn="l" rtl="0">
+    <a:lvl4pPr marR="0" algn="l" rtl="0">
       <a:lnSpc>
         <a:spcPct val="100000"/>
       </a:lnSpc>
@@ -589,7 +585,7 @@
         <a:sym typeface="Arial"/>
       </a:defRPr>
     </a:lvl4pPr>
-    <a:lvl5pPr marR="0" lvl="4" algn="l" rtl="0">
+    <a:lvl5pPr marR="0" algn="l" rtl="0">
       <a:lnSpc>
         <a:spcPct val="100000"/>
       </a:lnSpc>
@@ -613,7 +609,7 @@
         <a:sym typeface="Arial"/>
       </a:defRPr>
     </a:lvl5pPr>
-    <a:lvl6pPr marR="0" lvl="5" algn="l" rtl="0">
+    <a:lvl6pPr marR="0" algn="l" rtl="0">
       <a:lnSpc>
         <a:spcPct val="100000"/>
       </a:lnSpc>
@@ -637,7 +633,7 @@
         <a:sym typeface="Arial"/>
       </a:defRPr>
     </a:lvl6pPr>
-    <a:lvl7pPr marR="0" lvl="6" algn="l" rtl="0">
+    <a:lvl7pPr marR="0" algn="l" rtl="0">
       <a:lnSpc>
         <a:spcPct val="100000"/>
       </a:lnSpc>
@@ -661,7 +657,7 @@
         <a:sym typeface="Arial"/>
       </a:defRPr>
     </a:lvl7pPr>
-    <a:lvl8pPr marR="0" lvl="7" algn="l" rtl="0">
+    <a:lvl8pPr marR="0" algn="l" rtl="0">
       <a:lnSpc>
         <a:spcPct val="100000"/>
       </a:lnSpc>
@@ -685,7 +681,7 @@
         <a:sym typeface="Arial"/>
       </a:defRPr>
     </a:lvl8pPr>
-    <a:lvl9pPr marR="0" lvl="8" algn="l" rtl="0">
+    <a:lvl9pPr marR="0" algn="l" rtl="0">
       <a:lnSpc>
         <a:spcPct val="100000"/>
       </a:lnSpc>
@@ -714,11 +710,11 @@
 </file>
 
 <file path=ppt/notesSlides/notesSlide1.xml><?xml version="1.0" encoding="utf-8"?>
-<p:notes xmlns:a="http://schemas.openxmlformats.org/drawingml/2006/main" xmlns:r="http://schemas.openxmlformats.org/officeDocument/2006/relationships" xmlns:p="http://schemas.openxmlformats.org/presentationml/2006/main" showMasterSp="0" showMasterPhAnim="0">
+<p:notes xmlns:a="http://schemas.openxmlformats.org/drawingml/2006/main" xmlns:r="http://schemas.openxmlformats.org/officeDocument/2006/relationships" xmlns:p="http://schemas.openxmlformats.org/presentationml/2006/main" showMasterSp="0">
   <p:cSld>
     <p:spTree>
       <p:nvGrpSpPr>
-        <p:cNvPr id="1" name="Shape 50"/>
+        <p:cNvPr id="1" name=""/>
         <p:cNvGrpSpPr/>
         <p:nvPr/>
       </p:nvGrpSpPr>
@@ -734,7 +730,7 @@
         <p:nvSpPr>
           <p:cNvPr id="51" name="Google Shape;51;p:notes"/>
           <p:cNvSpPr>
-            <a:spLocks noGrp="1" noRot="1" noChangeAspect="1"/>
+            <a:spLocks noGrp="1" noRot="1" noChangeAspect="1" noEditPoints="1"/>
           </p:cNvSpPr>
           <p:nvPr>
             <p:ph type="sldImg" idx="2"/>
@@ -747,12 +743,9 @@
           </a:xfrm>
           <a:custGeom>
             <a:avLst/>
-            <a:gdLst/>
-            <a:ahLst/>
-            <a:cxnLst/>
             <a:rect l="l" t="t" r="r" b="b"/>
             <a:pathLst>
-              <a:path w="120000" h="120000" extrusionOk="0">
+              <a:path w="120000" h="120000">
                 <a:moveTo>
                   <a:pt x="0" y="0"/>
                 </a:moveTo>
@@ -765,17 +758,25 @@
                 <a:lnTo>
                   <a:pt x="0" y="120000"/>
                 </a:lnTo>
+                <a:lnTo>
+                  <a:pt x="0" y="0"/>
+                </a:lnTo>
                 <a:close/>
               </a:path>
             </a:pathLst>
           </a:custGeom>
         </p:spPr>
+        <p:txBody>
+          <a:bodyPr/>
+          <a:lstStyle/>
+          <a:p/>
+        </p:txBody>
       </p:sp>
       <p:sp>
         <p:nvSpPr>
           <p:cNvPr id="52" name="Google Shape;52;p:notes"/>
-          <p:cNvSpPr txBox="1">
-            <a:spLocks noGrp="1"/>
+          <p:cNvSpPr>
+            <a:spLocks noGrp="1" noEditPoints="1"/>
           </p:cNvSpPr>
           <p:nvPr>
             <p:ph type="body" idx="1"/>
@@ -791,12 +792,12 @@
           </a:prstGeom>
         </p:spPr>
         <p:txBody>
-          <a:bodyPr spcFirstLastPara="1" wrap="square" lIns="91425" tIns="91425" rIns="91425" bIns="91425" anchor="t" anchorCtr="0">
+          <a:bodyPr wrap="square" lIns="91425" tIns="91425" rIns="91425" bIns="91425" anchor="t">
             <a:noAutofit/>
           </a:bodyPr>
           <a:lstStyle/>
           <a:p>
-            <a:pPr marL="0" lvl="0" indent="0" algn="l" rtl="0">
+            <a:pPr marL="0" indent="0" algn="l" rtl="0">
               <a:spcBef>
                 <a:spcPts val="0"/>
               </a:spcBef>
@@ -805,7 +806,298 @@
               </a:spcAft>
               <a:buNone/>
             </a:pPr>
-            <a:endParaRPr/>
+          </a:p>
+        </p:txBody>
+      </p:sp>
+    </p:spTree>
+  </p:cSld>
+  <p:clrMapOvr>
+    <a:masterClrMapping/>
+  </p:clrMapOvr>
+</p:notes>
+</file>
+
+<file path=ppt/notesSlides/notesSlide10.xml><?xml version="1.0" encoding="utf-8"?>
+<p:notes xmlns:a="http://schemas.openxmlformats.org/drawingml/2006/main" xmlns:r="http://schemas.openxmlformats.org/officeDocument/2006/relationships" xmlns:p="http://schemas.openxmlformats.org/presentationml/2006/main">
+  <p:cSld>
+    <p:spTree>
+      <p:nvGrpSpPr>
+        <p:cNvPr id="1" name=""/>
+        <p:cNvGrpSpPr/>
+        <p:nvPr/>
+      </p:nvGrpSpPr>
+      <p:grpSpPr>
+        <a:xfrm>
+          <a:off x="0" y="0"/>
+          <a:ext cx="0" cy="0"/>
+          <a:chOff x="0" y="0"/>
+          <a:chExt cx="0" cy="0"/>
+        </a:xfrm>
+      </p:grpSpPr>
+      <p:sp>
+        <p:nvSpPr>
+          <p:cNvPr id="2" name="Заполнитель изображения слайда 1"/>
+          <p:cNvSpPr>
+            <a:spLocks noGrp="1" noRot="1" noChangeAspect="1" noEditPoints="1"/>
+          </p:cNvSpPr>
+          <p:nvPr>
+            <p:ph type="sldImg"/>
+          </p:nvPr>
+        </p:nvSpPr>
+        <p:spPr>
+          <a:xfrm>
+            <a:off x="381337" y="685800"/>
+            <a:ext cx="6096000" cy="3429000"/>
+          </a:xfrm>
+          <a:prstGeom prst="rect">
+            <a:avLst/>
+          </a:prstGeom>
+        </p:spPr>
+        <p:txBody>
+          <a:bodyPr/>
+          <a:lstStyle/>
+          <a:p/>
+        </p:txBody>
+      </p:sp>
+      <p:sp>
+        <p:nvSpPr>
+          <p:cNvPr id="3" name="Заполнитель текста 2"/>
+          <p:cNvSpPr>
+            <a:spLocks noGrp="1" noEditPoints="1"/>
+          </p:cNvSpPr>
+          <p:nvPr>
+            <p:ph type="body" idx="1"/>
+          </p:nvPr>
+        </p:nvSpPr>
+        <p:spPr>
+          <a:prstGeom prst="rect">
+            <a:avLst/>
+          </a:prstGeom>
+        </p:spPr>
+        <p:txBody>
+          <a:bodyPr/>
+          <a:lstStyle/>
+          <a:p>
+            <a:endParaRPr lang="en-US"/>
+          </a:p>
+        </p:txBody>
+      </p:sp>
+    </p:spTree>
+  </p:cSld>
+  <p:clrMapOvr>
+    <a:masterClrMapping/>
+  </p:clrMapOvr>
+</p:notes>
+</file>
+
+<file path=ppt/notesSlides/notesSlide11.xml><?xml version="1.0" encoding="utf-8"?>
+<p:notes xmlns:a="http://schemas.openxmlformats.org/drawingml/2006/main" xmlns:r="http://schemas.openxmlformats.org/officeDocument/2006/relationships" xmlns:p="http://schemas.openxmlformats.org/presentationml/2006/main">
+  <p:cSld>
+    <p:spTree>
+      <p:nvGrpSpPr>
+        <p:cNvPr id="1" name=""/>
+        <p:cNvGrpSpPr/>
+        <p:nvPr/>
+      </p:nvGrpSpPr>
+      <p:grpSpPr>
+        <a:xfrm>
+          <a:off x="0" y="0"/>
+          <a:ext cx="0" cy="0"/>
+          <a:chOff x="0" y="0"/>
+          <a:chExt cx="0" cy="0"/>
+        </a:xfrm>
+      </p:grpSpPr>
+      <p:sp>
+        <p:nvSpPr>
+          <p:cNvPr id="2" name="Заполнитель изображения слайда 1"/>
+          <p:cNvSpPr>
+            <a:spLocks noGrp="1" noRot="1" noChangeAspect="1" noEditPoints="1"/>
+          </p:cNvSpPr>
+          <p:nvPr>
+            <p:ph type="sldImg"/>
+          </p:nvPr>
+        </p:nvSpPr>
+        <p:spPr>
+          <a:xfrm>
+            <a:off x="381337" y="685800"/>
+            <a:ext cx="6096000" cy="3429000"/>
+          </a:xfrm>
+          <a:prstGeom prst="rect">
+            <a:avLst/>
+          </a:prstGeom>
+        </p:spPr>
+        <p:txBody>
+          <a:bodyPr/>
+          <a:lstStyle/>
+          <a:p/>
+        </p:txBody>
+      </p:sp>
+      <p:sp>
+        <p:nvSpPr>
+          <p:cNvPr id="3" name="Заполнитель текста 2"/>
+          <p:cNvSpPr>
+            <a:spLocks noGrp="1" noEditPoints="1"/>
+          </p:cNvSpPr>
+          <p:nvPr>
+            <p:ph type="body" idx="1"/>
+          </p:nvPr>
+        </p:nvSpPr>
+        <p:spPr>
+          <a:prstGeom prst="rect">
+            <a:avLst/>
+          </a:prstGeom>
+        </p:spPr>
+        <p:txBody>
+          <a:bodyPr/>
+          <a:lstStyle/>
+          <a:p>
+            <a:endParaRPr lang="en-US"/>
+          </a:p>
+        </p:txBody>
+      </p:sp>
+    </p:spTree>
+  </p:cSld>
+  <p:clrMapOvr>
+    <a:masterClrMapping/>
+  </p:clrMapOvr>
+</p:notes>
+</file>
+
+<file path=ppt/notesSlides/notesSlide12.xml><?xml version="1.0" encoding="utf-8"?>
+<p:notes xmlns:a="http://schemas.openxmlformats.org/drawingml/2006/main" xmlns:r="http://schemas.openxmlformats.org/officeDocument/2006/relationships" xmlns:p="http://schemas.openxmlformats.org/presentationml/2006/main">
+  <p:cSld>
+    <p:spTree>
+      <p:nvGrpSpPr>
+        <p:cNvPr id="1" name=""/>
+        <p:cNvGrpSpPr/>
+        <p:nvPr/>
+      </p:nvGrpSpPr>
+      <p:grpSpPr>
+        <a:xfrm>
+          <a:off x="0" y="0"/>
+          <a:ext cx="0" cy="0"/>
+          <a:chOff x="0" y="0"/>
+          <a:chExt cx="0" cy="0"/>
+        </a:xfrm>
+      </p:grpSpPr>
+      <p:sp>
+        <p:nvSpPr>
+          <p:cNvPr id="2" name="Заполнитель изображения слайда 1"/>
+          <p:cNvSpPr>
+            <a:spLocks noGrp="1" noRot="1" noChangeAspect="1" noEditPoints="1"/>
+          </p:cNvSpPr>
+          <p:nvPr>
+            <p:ph type="sldImg"/>
+          </p:nvPr>
+        </p:nvSpPr>
+        <p:spPr>
+          <a:xfrm>
+            <a:off x="381337" y="685800"/>
+            <a:ext cx="6096000" cy="3429000"/>
+          </a:xfrm>
+          <a:prstGeom prst="rect">
+            <a:avLst/>
+          </a:prstGeom>
+        </p:spPr>
+        <p:txBody>
+          <a:bodyPr/>
+          <a:lstStyle/>
+          <a:p/>
+        </p:txBody>
+      </p:sp>
+      <p:sp>
+        <p:nvSpPr>
+          <p:cNvPr id="3" name="Заполнитель текста 2"/>
+          <p:cNvSpPr>
+            <a:spLocks noGrp="1" noEditPoints="1"/>
+          </p:cNvSpPr>
+          <p:nvPr>
+            <p:ph type="body" idx="1"/>
+          </p:nvPr>
+        </p:nvSpPr>
+        <p:spPr>
+          <a:prstGeom prst="rect">
+            <a:avLst/>
+          </a:prstGeom>
+        </p:spPr>
+        <p:txBody>
+          <a:bodyPr/>
+          <a:lstStyle/>
+          <a:p>
+            <a:endParaRPr lang="en-US"/>
+          </a:p>
+        </p:txBody>
+      </p:sp>
+    </p:spTree>
+  </p:cSld>
+  <p:clrMapOvr>
+    <a:masterClrMapping/>
+  </p:clrMapOvr>
+</p:notes>
+</file>
+
+<file path=ppt/notesSlides/notesSlide13.xml><?xml version="1.0" encoding="utf-8"?>
+<p:notes xmlns:a="http://schemas.openxmlformats.org/drawingml/2006/main" xmlns:r="http://schemas.openxmlformats.org/officeDocument/2006/relationships" xmlns:p="http://schemas.openxmlformats.org/presentationml/2006/main">
+  <p:cSld>
+    <p:spTree>
+      <p:nvGrpSpPr>
+        <p:cNvPr id="1" name=""/>
+        <p:cNvGrpSpPr/>
+        <p:nvPr/>
+      </p:nvGrpSpPr>
+      <p:grpSpPr>
+        <a:xfrm>
+          <a:off x="0" y="0"/>
+          <a:ext cx="0" cy="0"/>
+          <a:chOff x="0" y="0"/>
+          <a:chExt cx="0" cy="0"/>
+        </a:xfrm>
+      </p:grpSpPr>
+      <p:sp>
+        <p:nvSpPr>
+          <p:cNvPr id="2" name="Заполнитель изображения слайда 1"/>
+          <p:cNvSpPr>
+            <a:spLocks noGrp="1" noRot="1" noChangeAspect="1" noEditPoints="1"/>
+          </p:cNvSpPr>
+          <p:nvPr>
+            <p:ph type="sldImg"/>
+          </p:nvPr>
+        </p:nvSpPr>
+        <p:spPr>
+          <a:xfrm>
+            <a:off x="381337" y="685800"/>
+            <a:ext cx="6096000" cy="3429000"/>
+          </a:xfrm>
+          <a:prstGeom prst="rect">
+            <a:avLst/>
+          </a:prstGeom>
+        </p:spPr>
+        <p:txBody>
+          <a:bodyPr/>
+          <a:lstStyle/>
+          <a:p/>
+        </p:txBody>
+      </p:sp>
+      <p:sp>
+        <p:nvSpPr>
+          <p:cNvPr id="3" name="Заполнитель текста 2"/>
+          <p:cNvSpPr>
+            <a:spLocks noGrp="1" noEditPoints="1"/>
+          </p:cNvSpPr>
+          <p:nvPr>
+            <p:ph type="body" idx="1"/>
+          </p:nvPr>
+        </p:nvSpPr>
+        <p:spPr>
+          <a:prstGeom prst="rect">
+            <a:avLst/>
+          </a:prstGeom>
+        </p:spPr>
+        <p:txBody>
+          <a:bodyPr/>
+          <a:lstStyle/>
+          <a:p>
+            <a:endParaRPr lang="en-US"/>
           </a:p>
         </p:txBody>
       </p:sp>
@@ -818,11 +1110,11 @@
 </file>
 
 <file path=ppt/notesSlides/notesSlide2.xml><?xml version="1.0" encoding="utf-8"?>
-<p:notes xmlns:a="http://schemas.openxmlformats.org/drawingml/2006/main" xmlns:r="http://schemas.openxmlformats.org/officeDocument/2006/relationships" xmlns:p="http://schemas.openxmlformats.org/presentationml/2006/main" showMasterSp="0" showMasterPhAnim="0">
+<p:notes xmlns:a="http://schemas.openxmlformats.org/drawingml/2006/main" xmlns:r="http://schemas.openxmlformats.org/officeDocument/2006/relationships" xmlns:p="http://schemas.openxmlformats.org/presentationml/2006/main" showMasterSp="0">
   <p:cSld>
     <p:spTree>
       <p:nvGrpSpPr>
-        <p:cNvPr id="1" name="Shape 56"/>
+        <p:cNvPr id="1" name=""/>
         <p:cNvGrpSpPr/>
         <p:nvPr/>
       </p:nvGrpSpPr>
@@ -838,7 +1130,7 @@
         <p:nvSpPr>
           <p:cNvPr id="57" name="Google Shape;57;g3b06cab2b3a_0_0:notes"/>
           <p:cNvSpPr>
-            <a:spLocks noGrp="1" noRot="1" noChangeAspect="1"/>
+            <a:spLocks noGrp="1" noRot="1" noChangeAspect="1" noEditPoints="1"/>
           </p:cNvSpPr>
           <p:nvPr>
             <p:ph type="sldImg" idx="2"/>
@@ -851,12 +1143,9 @@
           </a:xfrm>
           <a:custGeom>
             <a:avLst/>
-            <a:gdLst/>
-            <a:ahLst/>
-            <a:cxnLst/>
             <a:rect l="l" t="t" r="r" b="b"/>
             <a:pathLst>
-              <a:path w="120000" h="120000" extrusionOk="0">
+              <a:path w="120000" h="120000">
                 <a:moveTo>
                   <a:pt x="0" y="0"/>
                 </a:moveTo>
@@ -869,17 +1158,25 @@
                 <a:lnTo>
                   <a:pt x="0" y="120000"/>
                 </a:lnTo>
+                <a:lnTo>
+                  <a:pt x="0" y="0"/>
+                </a:lnTo>
                 <a:close/>
               </a:path>
             </a:pathLst>
           </a:custGeom>
         </p:spPr>
+        <p:txBody>
+          <a:bodyPr/>
+          <a:lstStyle/>
+          <a:p/>
+        </p:txBody>
       </p:sp>
       <p:sp>
         <p:nvSpPr>
           <p:cNvPr id="58" name="Google Shape;58;g3b06cab2b3a_0_0:notes"/>
-          <p:cNvSpPr txBox="1">
-            <a:spLocks noGrp="1"/>
+          <p:cNvSpPr>
+            <a:spLocks noGrp="1" noEditPoints="1"/>
           </p:cNvSpPr>
           <p:nvPr>
             <p:ph type="body" idx="1"/>
@@ -895,12 +1192,12 @@
           </a:prstGeom>
         </p:spPr>
         <p:txBody>
-          <a:bodyPr spcFirstLastPara="1" wrap="square" lIns="91425" tIns="91425" rIns="91425" bIns="91425" anchor="t" anchorCtr="0">
+          <a:bodyPr wrap="square" lIns="91425" tIns="91425" rIns="91425" bIns="91425" anchor="t">
             <a:noAutofit/>
           </a:bodyPr>
           <a:lstStyle/>
           <a:p>
-            <a:pPr marL="0" lvl="0" indent="0" algn="l" rtl="0">
+            <a:pPr marL="0" indent="0" algn="l" rtl="0">
               <a:spcBef>
                 <a:spcPts val="0"/>
               </a:spcBef>
@@ -909,7 +1206,6 @@
               </a:spcAft>
               <a:buNone/>
             </a:pPr>
-            <a:endParaRPr/>
           </a:p>
         </p:txBody>
       </p:sp>
@@ -922,11 +1218,11 @@
 </file>
 
 <file path=ppt/notesSlides/notesSlide3.xml><?xml version="1.0" encoding="utf-8"?>
-<p:notes xmlns:a="http://schemas.openxmlformats.org/drawingml/2006/main" xmlns:r="http://schemas.openxmlformats.org/officeDocument/2006/relationships" xmlns:p="http://schemas.openxmlformats.org/presentationml/2006/main" showMasterSp="0" showMasterPhAnim="0">
+<p:notes xmlns:a="http://schemas.openxmlformats.org/drawingml/2006/main" xmlns:r="http://schemas.openxmlformats.org/officeDocument/2006/relationships" xmlns:p="http://schemas.openxmlformats.org/presentationml/2006/main" showMasterSp="0">
   <p:cSld>
     <p:spTree>
       <p:nvGrpSpPr>
-        <p:cNvPr id="1" name="Shape 62"/>
+        <p:cNvPr id="1" name=""/>
         <p:cNvGrpSpPr/>
         <p:nvPr/>
       </p:nvGrpSpPr>
@@ -942,7 +1238,7 @@
         <p:nvSpPr>
           <p:cNvPr id="63" name="Google Shape;63;g3b06cab2b3a_0_52:notes"/>
           <p:cNvSpPr>
-            <a:spLocks noGrp="1" noRot="1" noChangeAspect="1"/>
+            <a:spLocks noGrp="1" noRot="1" noChangeAspect="1" noEditPoints="1"/>
           </p:cNvSpPr>
           <p:nvPr>
             <p:ph type="sldImg" idx="2"/>
@@ -955,12 +1251,9 @@
           </a:xfrm>
           <a:custGeom>
             <a:avLst/>
-            <a:gdLst/>
-            <a:ahLst/>
-            <a:cxnLst/>
             <a:rect l="l" t="t" r="r" b="b"/>
             <a:pathLst>
-              <a:path w="120000" h="120000" extrusionOk="0">
+              <a:path w="120000" h="120000">
                 <a:moveTo>
                   <a:pt x="0" y="0"/>
                 </a:moveTo>
@@ -973,17 +1266,25 @@
                 <a:lnTo>
                   <a:pt x="0" y="120000"/>
                 </a:lnTo>
+                <a:lnTo>
+                  <a:pt x="0" y="0"/>
+                </a:lnTo>
                 <a:close/>
               </a:path>
             </a:pathLst>
           </a:custGeom>
         </p:spPr>
+        <p:txBody>
+          <a:bodyPr/>
+          <a:lstStyle/>
+          <a:p/>
+        </p:txBody>
       </p:sp>
       <p:sp>
         <p:nvSpPr>
           <p:cNvPr id="64" name="Google Shape;64;g3b06cab2b3a_0_52:notes"/>
-          <p:cNvSpPr txBox="1">
-            <a:spLocks noGrp="1"/>
+          <p:cNvSpPr>
+            <a:spLocks noGrp="1" noEditPoints="1"/>
           </p:cNvSpPr>
           <p:nvPr>
             <p:ph type="body" idx="1"/>
@@ -999,12 +1300,12 @@
           </a:prstGeom>
         </p:spPr>
         <p:txBody>
-          <a:bodyPr spcFirstLastPara="1" wrap="square" lIns="91425" tIns="91425" rIns="91425" bIns="91425" anchor="t" anchorCtr="0">
+          <a:bodyPr wrap="square" lIns="91425" tIns="91425" rIns="91425" bIns="91425" anchor="t">
             <a:noAutofit/>
           </a:bodyPr>
           <a:lstStyle/>
           <a:p>
-            <a:pPr marL="0" lvl="0" indent="0" algn="l" rtl="0">
+            <a:pPr marL="0" indent="0" algn="l" rtl="0">
               <a:spcBef>
                 <a:spcPts val="0"/>
               </a:spcBef>
@@ -1013,7 +1314,6 @@
               </a:spcAft>
               <a:buNone/>
             </a:pPr>
-            <a:endParaRPr/>
           </a:p>
         </p:txBody>
       </p:sp>
@@ -1026,11 +1326,11 @@
 </file>
 
 <file path=ppt/notesSlides/notesSlide4.xml><?xml version="1.0" encoding="utf-8"?>
-<p:notes xmlns:a="http://schemas.openxmlformats.org/drawingml/2006/main" xmlns:r="http://schemas.openxmlformats.org/officeDocument/2006/relationships" xmlns:p="http://schemas.openxmlformats.org/presentationml/2006/main" showMasterSp="0" showMasterPhAnim="0">
+<p:notes xmlns:a="http://schemas.openxmlformats.org/drawingml/2006/main" xmlns:r="http://schemas.openxmlformats.org/officeDocument/2006/relationships" xmlns:p="http://schemas.openxmlformats.org/presentationml/2006/main" showMasterSp="0">
   <p:cSld>
     <p:spTree>
       <p:nvGrpSpPr>
-        <p:cNvPr id="1" name="Shape 68"/>
+        <p:cNvPr id="1" name=""/>
         <p:cNvGrpSpPr/>
         <p:nvPr/>
       </p:nvGrpSpPr>
@@ -1046,7 +1346,7 @@
         <p:nvSpPr>
           <p:cNvPr id="69" name="Google Shape;69;g3b06cab2b3a_0_59:notes"/>
           <p:cNvSpPr>
-            <a:spLocks noGrp="1" noRot="1" noChangeAspect="1"/>
+            <a:spLocks noGrp="1" noRot="1" noChangeAspect="1" noEditPoints="1"/>
           </p:cNvSpPr>
           <p:nvPr>
             <p:ph type="sldImg" idx="2"/>
@@ -1059,12 +1359,9 @@
           </a:xfrm>
           <a:custGeom>
             <a:avLst/>
-            <a:gdLst/>
-            <a:ahLst/>
-            <a:cxnLst/>
             <a:rect l="l" t="t" r="r" b="b"/>
             <a:pathLst>
-              <a:path w="120000" h="120000" extrusionOk="0">
+              <a:path w="120000" h="120000">
                 <a:moveTo>
                   <a:pt x="0" y="0"/>
                 </a:moveTo>
@@ -1077,17 +1374,25 @@
                 <a:lnTo>
                   <a:pt x="0" y="120000"/>
                 </a:lnTo>
+                <a:lnTo>
+                  <a:pt x="0" y="0"/>
+                </a:lnTo>
                 <a:close/>
               </a:path>
             </a:pathLst>
           </a:custGeom>
         </p:spPr>
+        <p:txBody>
+          <a:bodyPr/>
+          <a:lstStyle/>
+          <a:p/>
+        </p:txBody>
       </p:sp>
       <p:sp>
         <p:nvSpPr>
           <p:cNvPr id="70" name="Google Shape;70;g3b06cab2b3a_0_59:notes"/>
-          <p:cNvSpPr txBox="1">
-            <a:spLocks noGrp="1"/>
+          <p:cNvSpPr>
+            <a:spLocks noGrp="1" noEditPoints="1"/>
           </p:cNvSpPr>
           <p:nvPr>
             <p:ph type="body" idx="1"/>
@@ -1103,12 +1408,12 @@
           </a:prstGeom>
         </p:spPr>
         <p:txBody>
-          <a:bodyPr spcFirstLastPara="1" wrap="square" lIns="91425" tIns="91425" rIns="91425" bIns="91425" anchor="t" anchorCtr="0">
+          <a:bodyPr wrap="square" lIns="91425" tIns="91425" rIns="91425" bIns="91425" anchor="t">
             <a:noAutofit/>
           </a:bodyPr>
           <a:lstStyle/>
           <a:p>
-            <a:pPr marL="0" lvl="0" indent="0" algn="l" rtl="0">
+            <a:pPr marL="0" indent="0" algn="l" rtl="0">
               <a:spcBef>
                 <a:spcPts val="0"/>
               </a:spcBef>
@@ -1117,7 +1422,6 @@
               </a:spcAft>
               <a:buNone/>
             </a:pPr>
-            <a:endParaRPr/>
           </a:p>
         </p:txBody>
       </p:sp>
@@ -1130,11 +1434,11 @@
 </file>
 
 <file path=ppt/notesSlides/notesSlide5.xml><?xml version="1.0" encoding="utf-8"?>
-<p:notes xmlns:a="http://schemas.openxmlformats.org/drawingml/2006/main" xmlns:r="http://schemas.openxmlformats.org/officeDocument/2006/relationships" xmlns:p="http://schemas.openxmlformats.org/presentationml/2006/main" showMasterSp="0" showMasterPhAnim="0">
+<p:notes xmlns:a="http://schemas.openxmlformats.org/drawingml/2006/main" xmlns:r="http://schemas.openxmlformats.org/officeDocument/2006/relationships" xmlns:p="http://schemas.openxmlformats.org/presentationml/2006/main" showMasterSp="0">
   <p:cSld>
     <p:spTree>
       <p:nvGrpSpPr>
-        <p:cNvPr id="1" name="Shape 74"/>
+        <p:cNvPr id="1" name=""/>
         <p:cNvGrpSpPr/>
         <p:nvPr/>
       </p:nvGrpSpPr>
@@ -1150,7 +1454,7 @@
         <p:nvSpPr>
           <p:cNvPr id="75" name="Google Shape;75;g3b06cab2b3a_0_66:notes"/>
           <p:cNvSpPr>
-            <a:spLocks noGrp="1" noRot="1" noChangeAspect="1"/>
+            <a:spLocks noGrp="1" noRot="1" noChangeAspect="1" noEditPoints="1"/>
           </p:cNvSpPr>
           <p:nvPr>
             <p:ph type="sldImg" idx="2"/>
@@ -1163,12 +1467,9 @@
           </a:xfrm>
           <a:custGeom>
             <a:avLst/>
-            <a:gdLst/>
-            <a:ahLst/>
-            <a:cxnLst/>
             <a:rect l="l" t="t" r="r" b="b"/>
             <a:pathLst>
-              <a:path w="120000" h="120000" extrusionOk="0">
+              <a:path w="120000" h="120000">
                 <a:moveTo>
                   <a:pt x="0" y="0"/>
                 </a:moveTo>
@@ -1181,17 +1482,25 @@
                 <a:lnTo>
                   <a:pt x="0" y="120000"/>
                 </a:lnTo>
+                <a:lnTo>
+                  <a:pt x="0" y="0"/>
+                </a:lnTo>
                 <a:close/>
               </a:path>
             </a:pathLst>
           </a:custGeom>
         </p:spPr>
+        <p:txBody>
+          <a:bodyPr/>
+          <a:lstStyle/>
+          <a:p/>
+        </p:txBody>
       </p:sp>
       <p:sp>
         <p:nvSpPr>
           <p:cNvPr id="76" name="Google Shape;76;g3b06cab2b3a_0_66:notes"/>
-          <p:cNvSpPr txBox="1">
-            <a:spLocks noGrp="1"/>
+          <p:cNvSpPr>
+            <a:spLocks noGrp="1" noEditPoints="1"/>
           </p:cNvSpPr>
           <p:nvPr>
             <p:ph type="body" idx="1"/>
@@ -1207,12 +1516,12 @@
           </a:prstGeom>
         </p:spPr>
         <p:txBody>
-          <a:bodyPr spcFirstLastPara="1" wrap="square" lIns="91425" tIns="91425" rIns="91425" bIns="91425" anchor="t" anchorCtr="0">
+          <a:bodyPr wrap="square" lIns="91425" tIns="91425" rIns="91425" bIns="91425" anchor="t">
             <a:noAutofit/>
           </a:bodyPr>
           <a:lstStyle/>
           <a:p>
-            <a:pPr marL="0" lvl="0" indent="0" algn="l" rtl="0">
+            <a:pPr marL="0" indent="0" algn="l" rtl="0">
               <a:spcBef>
                 <a:spcPts val="0"/>
               </a:spcBef>
@@ -1221,7 +1530,6 @@
               </a:spcAft>
               <a:buNone/>
             </a:pPr>
-            <a:endParaRPr/>
           </a:p>
         </p:txBody>
       </p:sp>
@@ -1234,11 +1542,230 @@
 </file>
 
 <file path=ppt/notesSlides/notesSlide6.xml><?xml version="1.0" encoding="utf-8"?>
-<p:notes xmlns:a="http://schemas.openxmlformats.org/drawingml/2006/main" xmlns:r="http://schemas.openxmlformats.org/officeDocument/2006/relationships" xmlns:p="http://schemas.openxmlformats.org/presentationml/2006/main" showMasterSp="0" showMasterPhAnim="0">
+<p:notes xmlns:a="http://schemas.openxmlformats.org/drawingml/2006/main" xmlns:r="http://schemas.openxmlformats.org/officeDocument/2006/relationships" xmlns:p="http://schemas.openxmlformats.org/presentationml/2006/main">
   <p:cSld>
     <p:spTree>
       <p:nvGrpSpPr>
-        <p:cNvPr id="1" name="Shape 80"/>
+        <p:cNvPr id="1" name=""/>
+        <p:cNvGrpSpPr/>
+        <p:nvPr/>
+      </p:nvGrpSpPr>
+      <p:grpSpPr>
+        <a:xfrm>
+          <a:off x="0" y="0"/>
+          <a:ext cx="0" cy="0"/>
+          <a:chOff x="0" y="0"/>
+          <a:chExt cx="0" cy="0"/>
+        </a:xfrm>
+      </p:grpSpPr>
+      <p:sp>
+        <p:nvSpPr>
+          <p:cNvPr id="2" name="Заполнитель изображения слайда 1"/>
+          <p:cNvSpPr>
+            <a:spLocks noGrp="1" noRot="1" noChangeAspect="1" noEditPoints="1"/>
+          </p:cNvSpPr>
+          <p:nvPr>
+            <p:ph type="sldImg"/>
+          </p:nvPr>
+        </p:nvSpPr>
+        <p:spPr>
+          <a:xfrm>
+            <a:off x="381337" y="685800"/>
+            <a:ext cx="6096000" cy="3429000"/>
+          </a:xfrm>
+          <a:prstGeom prst="rect">
+            <a:avLst/>
+          </a:prstGeom>
+        </p:spPr>
+        <p:txBody>
+          <a:bodyPr/>
+          <a:lstStyle/>
+          <a:p/>
+        </p:txBody>
+      </p:sp>
+      <p:sp>
+        <p:nvSpPr>
+          <p:cNvPr id="3" name="Заполнитель текста 2"/>
+          <p:cNvSpPr>
+            <a:spLocks noGrp="1" noEditPoints="1"/>
+          </p:cNvSpPr>
+          <p:nvPr>
+            <p:ph type="body" idx="1"/>
+          </p:nvPr>
+        </p:nvSpPr>
+        <p:spPr>
+          <a:prstGeom prst="rect">
+            <a:avLst/>
+          </a:prstGeom>
+        </p:spPr>
+        <p:txBody>
+          <a:bodyPr/>
+          <a:lstStyle/>
+          <a:p>
+            <a:endParaRPr lang="en-US"/>
+          </a:p>
+        </p:txBody>
+      </p:sp>
+    </p:spTree>
+  </p:cSld>
+  <p:clrMapOvr>
+    <a:masterClrMapping/>
+  </p:clrMapOvr>
+</p:notes>
+</file>
+
+<file path=ppt/notesSlides/notesSlide7.xml><?xml version="1.0" encoding="utf-8"?>
+<p:notes xmlns:a="http://schemas.openxmlformats.org/drawingml/2006/main" xmlns:r="http://schemas.openxmlformats.org/officeDocument/2006/relationships" xmlns:p="http://schemas.openxmlformats.org/presentationml/2006/main">
+  <p:cSld>
+    <p:spTree>
+      <p:nvGrpSpPr>
+        <p:cNvPr id="1" name=""/>
+        <p:cNvGrpSpPr/>
+        <p:nvPr/>
+      </p:nvGrpSpPr>
+      <p:grpSpPr>
+        <a:xfrm>
+          <a:off x="0" y="0"/>
+          <a:ext cx="0" cy="0"/>
+          <a:chOff x="0" y="0"/>
+          <a:chExt cx="0" cy="0"/>
+        </a:xfrm>
+      </p:grpSpPr>
+      <p:sp>
+        <p:nvSpPr>
+          <p:cNvPr id="2" name="Заполнитель изображения слайда 1"/>
+          <p:cNvSpPr>
+            <a:spLocks noGrp="1" noRot="1" noChangeAspect="1" noEditPoints="1"/>
+          </p:cNvSpPr>
+          <p:nvPr>
+            <p:ph type="sldImg"/>
+          </p:nvPr>
+        </p:nvSpPr>
+        <p:spPr>
+          <a:xfrm>
+            <a:off x="381337" y="685800"/>
+            <a:ext cx="6096000" cy="3429000"/>
+          </a:xfrm>
+          <a:prstGeom prst="rect">
+            <a:avLst/>
+          </a:prstGeom>
+        </p:spPr>
+        <p:txBody>
+          <a:bodyPr/>
+          <a:lstStyle/>
+          <a:p/>
+        </p:txBody>
+      </p:sp>
+      <p:sp>
+        <p:nvSpPr>
+          <p:cNvPr id="3" name="Заполнитель текста 2"/>
+          <p:cNvSpPr>
+            <a:spLocks noGrp="1" noEditPoints="1"/>
+          </p:cNvSpPr>
+          <p:nvPr>
+            <p:ph type="body" idx="1"/>
+          </p:nvPr>
+        </p:nvSpPr>
+        <p:spPr>
+          <a:prstGeom prst="rect">
+            <a:avLst/>
+          </a:prstGeom>
+        </p:spPr>
+        <p:txBody>
+          <a:bodyPr/>
+          <a:lstStyle/>
+          <a:p>
+            <a:endParaRPr lang="en-US"/>
+          </a:p>
+        </p:txBody>
+      </p:sp>
+    </p:spTree>
+  </p:cSld>
+  <p:clrMapOvr>
+    <a:masterClrMapping/>
+  </p:clrMapOvr>
+</p:notes>
+</file>
+
+<file path=ppt/notesSlides/notesSlide8.xml><?xml version="1.0" encoding="utf-8"?>
+<p:notes xmlns:a="http://schemas.openxmlformats.org/drawingml/2006/main" xmlns:r="http://schemas.openxmlformats.org/officeDocument/2006/relationships" xmlns:p="http://schemas.openxmlformats.org/presentationml/2006/main">
+  <p:cSld>
+    <p:spTree>
+      <p:nvGrpSpPr>
+        <p:cNvPr id="1" name=""/>
+        <p:cNvGrpSpPr/>
+        <p:nvPr/>
+      </p:nvGrpSpPr>
+      <p:grpSpPr>
+        <a:xfrm>
+          <a:off x="0" y="0"/>
+          <a:ext cx="0" cy="0"/>
+          <a:chOff x="0" y="0"/>
+          <a:chExt cx="0" cy="0"/>
+        </a:xfrm>
+      </p:grpSpPr>
+      <p:sp>
+        <p:nvSpPr>
+          <p:cNvPr id="2" name="Заполнитель изображения слайда 1"/>
+          <p:cNvSpPr>
+            <a:spLocks noGrp="1" noRot="1" noChangeAspect="1" noEditPoints="1"/>
+          </p:cNvSpPr>
+          <p:nvPr>
+            <p:ph type="sldImg"/>
+          </p:nvPr>
+        </p:nvSpPr>
+        <p:spPr>
+          <a:xfrm>
+            <a:off x="381337" y="685800"/>
+            <a:ext cx="6096000" cy="3429000"/>
+          </a:xfrm>
+          <a:prstGeom prst="rect">
+            <a:avLst/>
+          </a:prstGeom>
+        </p:spPr>
+        <p:txBody>
+          <a:bodyPr/>
+          <a:lstStyle/>
+          <a:p/>
+        </p:txBody>
+      </p:sp>
+      <p:sp>
+        <p:nvSpPr>
+          <p:cNvPr id="3" name="Заполнитель текста 2"/>
+          <p:cNvSpPr>
+            <a:spLocks noGrp="1" noEditPoints="1"/>
+          </p:cNvSpPr>
+          <p:nvPr>
+            <p:ph type="body" idx="1"/>
+          </p:nvPr>
+        </p:nvSpPr>
+        <p:spPr>
+          <a:prstGeom prst="rect">
+            <a:avLst/>
+          </a:prstGeom>
+        </p:spPr>
+        <p:txBody>
+          <a:bodyPr/>
+          <a:lstStyle/>
+          <a:p>
+            <a:endParaRPr lang="en-US"/>
+          </a:p>
+        </p:txBody>
+      </p:sp>
+    </p:spTree>
+  </p:cSld>
+  <p:clrMapOvr>
+    <a:masterClrMapping/>
+  </p:clrMapOvr>
+</p:notes>
+</file>
+
+<file path=ppt/notesSlides/notesSlide9.xml><?xml version="1.0" encoding="utf-8"?>
+<p:notes xmlns:a="http://schemas.openxmlformats.org/drawingml/2006/main" xmlns:r="http://schemas.openxmlformats.org/officeDocument/2006/relationships" xmlns:p="http://schemas.openxmlformats.org/presentationml/2006/main" showMasterSp="0">
+  <p:cSld>
+    <p:spTree>
+      <p:nvGrpSpPr>
+        <p:cNvPr id="1" name=""/>
         <p:cNvGrpSpPr/>
         <p:nvPr/>
       </p:nvGrpSpPr>
@@ -1254,7 +1781,7 @@
         <p:nvSpPr>
           <p:cNvPr id="81" name="Google Shape;81;g3b06cab2b3a_0_73:notes"/>
           <p:cNvSpPr>
-            <a:spLocks noGrp="1" noRot="1" noChangeAspect="1"/>
+            <a:spLocks noGrp="1" noRot="1" noChangeAspect="1" noEditPoints="1"/>
           </p:cNvSpPr>
           <p:nvPr>
             <p:ph type="sldImg" idx="2"/>
@@ -1267,12 +1794,9 @@
           </a:xfrm>
           <a:custGeom>
             <a:avLst/>
-            <a:gdLst/>
-            <a:ahLst/>
-            <a:cxnLst/>
             <a:rect l="l" t="t" r="r" b="b"/>
             <a:pathLst>
-              <a:path w="120000" h="120000" extrusionOk="0">
+              <a:path w="120000" h="120000">
                 <a:moveTo>
                   <a:pt x="0" y="0"/>
                 </a:moveTo>
@@ -1285,17 +1809,25 @@
                 <a:lnTo>
                   <a:pt x="0" y="120000"/>
                 </a:lnTo>
+                <a:lnTo>
+                  <a:pt x="0" y="0"/>
+                </a:lnTo>
                 <a:close/>
               </a:path>
             </a:pathLst>
           </a:custGeom>
         </p:spPr>
+        <p:txBody>
+          <a:bodyPr/>
+          <a:lstStyle/>
+          <a:p/>
+        </p:txBody>
       </p:sp>
       <p:sp>
         <p:nvSpPr>
           <p:cNvPr id="82" name="Google Shape;82;g3b06cab2b3a_0_73:notes"/>
-          <p:cNvSpPr txBox="1">
-            <a:spLocks noGrp="1"/>
+          <p:cNvSpPr>
+            <a:spLocks noGrp="1" noEditPoints="1"/>
           </p:cNvSpPr>
           <p:nvPr>
             <p:ph type="body" idx="1"/>
@@ -1311,12 +1843,12 @@
           </a:prstGeom>
         </p:spPr>
         <p:txBody>
-          <a:bodyPr spcFirstLastPara="1" wrap="square" lIns="91425" tIns="91425" rIns="91425" bIns="91425" anchor="t" anchorCtr="0">
+          <a:bodyPr wrap="square" lIns="91425" tIns="91425" rIns="91425" bIns="91425" anchor="t">
             <a:noAutofit/>
           </a:bodyPr>
           <a:lstStyle/>
           <a:p>
-            <a:pPr marL="0" lvl="0" indent="0" algn="l" rtl="0">
+            <a:pPr marL="0" indent="0" algn="l" rtl="0">
               <a:spcBef>
                 <a:spcPts val="0"/>
               </a:spcBef>
@@ -1325,7 +1857,6 @@
               </a:spcAft>
               <a:buNone/>
             </a:pPr>
-            <a:endParaRPr/>
           </a:p>
         </p:txBody>
       </p:sp>
@@ -1338,11 +1869,11 @@
 </file>
 
 <file path=ppt/slideLayouts/slideLayout1.xml><?xml version="1.0" encoding="utf-8"?>
-<p:sldLayout xmlns:a="http://schemas.openxmlformats.org/drawingml/2006/main" xmlns:r="http://schemas.openxmlformats.org/officeDocument/2006/relationships" xmlns:p="http://schemas.openxmlformats.org/presentationml/2006/main" matchingName="Title slide" type="title">
+<p:sldLayout xmlns:a="http://schemas.openxmlformats.org/drawingml/2006/main" xmlns:r="http://schemas.openxmlformats.org/officeDocument/2006/relationships" xmlns:p="http://schemas.openxmlformats.org/presentationml/2006/main" type="title">
   <p:cSld name="TITLE">
     <p:spTree>
       <p:nvGrpSpPr>
-        <p:cNvPr id="1" name="Shape 9"/>
+        <p:cNvPr id="1" name=""/>
         <p:cNvGrpSpPr/>
         <p:nvPr/>
       </p:nvGrpSpPr>
@@ -1357,8 +1888,8 @@
       <p:sp>
         <p:nvSpPr>
           <p:cNvPr id="10" name="Google Shape;10;p2"/>
-          <p:cNvSpPr txBox="1">
-            <a:spLocks noGrp="1"/>
+          <p:cNvSpPr>
+            <a:spLocks noGrp="1" noEditPoints="1"/>
           </p:cNvSpPr>
           <p:nvPr>
             <p:ph type="ctrTitle"/>
@@ -1374,11 +1905,11 @@
           </a:prstGeom>
         </p:spPr>
         <p:txBody>
-          <a:bodyPr spcFirstLastPara="1" wrap="square" lIns="91425" tIns="91425" rIns="91425" bIns="91425" anchor="b" anchorCtr="0">
+          <a:bodyPr wrap="square" lIns="91425" tIns="91425" rIns="91425" bIns="91425" anchor="b">
             <a:normAutofit/>
           </a:bodyPr>
           <a:lstStyle>
-            <a:lvl1pPr lvl="0" algn="ctr">
+            <a:lvl1pPr algn="ctr">
               <a:spcBef>
                 <a:spcPts val="0"/>
               </a:spcBef>
@@ -1478,16 +2009,14 @@
               <a:defRPr sz="5200"/>
             </a:lvl9pPr>
           </a:lstStyle>
-          <a:p>
-            <a:endParaRPr/>
-          </a:p>
+          <a:p/>
         </p:txBody>
       </p:sp>
       <p:sp>
         <p:nvSpPr>
           <p:cNvPr id="11" name="Google Shape;11;p2"/>
-          <p:cNvSpPr txBox="1">
-            <a:spLocks noGrp="1"/>
+          <p:cNvSpPr>
+            <a:spLocks noGrp="1" noEditPoints="1"/>
           </p:cNvSpPr>
           <p:nvPr>
             <p:ph type="subTitle" idx="1"/>
@@ -1503,11 +2032,11 @@
           </a:prstGeom>
         </p:spPr>
         <p:txBody>
-          <a:bodyPr spcFirstLastPara="1" wrap="square" lIns="91425" tIns="91425" rIns="91425" bIns="91425" anchor="t" anchorCtr="0">
+          <a:bodyPr wrap="square" lIns="91425" tIns="91425" rIns="91425" bIns="91425" anchor="t">
             <a:normAutofit/>
           </a:bodyPr>
           <a:lstStyle>
-            <a:lvl1pPr lvl="0" algn="ctr">
+            <a:lvl1pPr algn="ctr">
               <a:lnSpc>
                 <a:spcPct val="100000"/>
               </a:lnSpc>
@@ -1635,15 +2164,15 @@
             </a:lvl9pPr>
           </a:lstStyle>
           <a:p>
-            <a:endParaRPr/>
+            <a:pPr lvl="0"/>
           </a:p>
         </p:txBody>
       </p:sp>
       <p:sp>
         <p:nvSpPr>
           <p:cNvPr id="12" name="Google Shape;12;p2"/>
-          <p:cNvSpPr txBox="1">
-            <a:spLocks noGrp="1"/>
+          <p:cNvSpPr>
+            <a:spLocks noGrp="1" noEditPoints="1"/>
           </p:cNvSpPr>
           <p:nvPr>
             <p:ph type="sldNum" idx="12"/>
@@ -1659,49 +2188,40 @@
           </a:prstGeom>
         </p:spPr>
         <p:txBody>
-          <a:bodyPr spcFirstLastPara="1" wrap="square" lIns="91425" tIns="91425" rIns="91425" bIns="91425" anchor="ctr" anchorCtr="0">
+          <a:bodyPr wrap="square" lIns="91425" tIns="91425" rIns="91425" bIns="91425" anchor="ctr">
             <a:normAutofit/>
           </a:bodyPr>
           <a:lstStyle>
-            <a:lvl1pPr lvl="0">
-              <a:buNone/>
-              <a:defRPr/>
+            <a:lvl1pPr>
+              <a:buNone/>
             </a:lvl1pPr>
             <a:lvl2pPr lvl="1">
               <a:buNone/>
-              <a:defRPr/>
             </a:lvl2pPr>
             <a:lvl3pPr lvl="2">
               <a:buNone/>
-              <a:defRPr/>
             </a:lvl3pPr>
             <a:lvl4pPr lvl="3">
               <a:buNone/>
-              <a:defRPr/>
             </a:lvl4pPr>
             <a:lvl5pPr lvl="4">
               <a:buNone/>
-              <a:defRPr/>
             </a:lvl5pPr>
             <a:lvl6pPr lvl="5">
               <a:buNone/>
-              <a:defRPr/>
             </a:lvl6pPr>
             <a:lvl7pPr lvl="6">
               <a:buNone/>
-              <a:defRPr/>
             </a:lvl7pPr>
             <a:lvl8pPr lvl="7">
               <a:buNone/>
-              <a:defRPr/>
             </a:lvl8pPr>
             <a:lvl9pPr lvl="8">
               <a:buNone/>
-              <a:defRPr/>
             </a:lvl9pPr>
           </a:lstStyle>
           <a:p>
-            <a:pPr marL="0" lvl="0" indent="0" algn="r" rtl="0">
+            <a:pPr marL="0" indent="0" algn="r" rtl="0">
               <a:spcBef>
                 <a:spcPts val="0"/>
               </a:spcBef>
@@ -1714,7 +2234,6 @@
               <a:rPr lang="ru"/>
               <a:t>‹#›</a:t>
             </a:fld>
-            <a:endParaRPr/>
           </a:p>
         </p:txBody>
       </p:sp>
@@ -1723,15 +2242,16 @@
   <p:clrMapOvr>
     <a:masterClrMapping/>
   </p:clrMapOvr>
+  <p:hf dt="0" sldNum="0" hdr="0" ftr="0"/>
 </p:sldLayout>
 </file>
 
 <file path=ppt/slideLayouts/slideLayout10.xml><?xml version="1.0" encoding="utf-8"?>
-<p:sldLayout xmlns:a="http://schemas.openxmlformats.org/drawingml/2006/main" xmlns:r="http://schemas.openxmlformats.org/officeDocument/2006/relationships" xmlns:p="http://schemas.openxmlformats.org/presentationml/2006/main" matchingName="Big number">
+<p:sldLayout xmlns:a="http://schemas.openxmlformats.org/drawingml/2006/main" xmlns:r="http://schemas.openxmlformats.org/officeDocument/2006/relationships" xmlns:p="http://schemas.openxmlformats.org/presentationml/2006/main">
   <p:cSld name="BIG_NUMBER">
     <p:spTree>
       <p:nvGrpSpPr>
-        <p:cNvPr id="1" name="Shape 44"/>
+        <p:cNvPr id="1" name=""/>
         <p:cNvGrpSpPr/>
         <p:nvPr/>
       </p:nvGrpSpPr>
@@ -1746,8 +2266,8 @@
       <p:sp>
         <p:nvSpPr>
           <p:cNvPr id="45" name="Google Shape;45;p11"/>
-          <p:cNvSpPr txBox="1">
-            <a:spLocks noGrp="1"/>
+          <p:cNvSpPr>
+            <a:spLocks noGrp="1" noEditPoints="1"/>
           </p:cNvSpPr>
           <p:nvPr>
             <p:ph type="title" hasCustomPrompt="1"/>
@@ -1763,11 +2283,11 @@
           </a:prstGeom>
         </p:spPr>
         <p:txBody>
-          <a:bodyPr spcFirstLastPara="1" wrap="square" lIns="91425" tIns="91425" rIns="91425" bIns="91425" anchor="b" anchorCtr="0">
+          <a:bodyPr wrap="square" lIns="91425" tIns="91425" rIns="91425" bIns="91425" anchor="b">
             <a:normAutofit/>
           </a:bodyPr>
           <a:lstStyle>
-            <a:lvl1pPr lvl="0" algn="ctr">
+            <a:lvl1pPr algn="ctr">
               <a:spcBef>
                 <a:spcPts val="0"/>
               </a:spcBef>
@@ -1877,8 +2397,8 @@
       <p:sp>
         <p:nvSpPr>
           <p:cNvPr id="46" name="Google Shape;46;p11"/>
-          <p:cNvSpPr txBox="1">
-            <a:spLocks noGrp="1"/>
+          <p:cNvSpPr>
+            <a:spLocks noGrp="1" noEditPoints="1"/>
           </p:cNvSpPr>
           <p:nvPr>
             <p:ph type="body" idx="1"/>
@@ -1894,11 +2414,11 @@
           </a:prstGeom>
         </p:spPr>
         <p:txBody>
-          <a:bodyPr spcFirstLastPara="1" wrap="square" lIns="91425" tIns="91425" rIns="91425" bIns="91425" anchor="t" anchorCtr="0">
+          <a:bodyPr wrap="square" lIns="91425" tIns="91425" rIns="91425" bIns="91425" anchor="t">
             <a:normAutofit/>
           </a:bodyPr>
           <a:lstStyle>
-            <a:lvl1pPr marL="457200" lvl="0" indent="-342900" algn="ctr">
+            <a:lvl1pPr marL="457200" indent="-342900" algn="ctr">
               <a:spcBef>
                 <a:spcPts val="0"/>
               </a:spcBef>
@@ -1907,7 +2427,6 @@
               </a:spcAft>
               <a:buSzPts val="1800"/>
               <a:buChar char="●"/>
-              <a:defRPr/>
             </a:lvl1pPr>
             <a:lvl2pPr marL="914400" lvl="1" indent="-317500" algn="ctr">
               <a:spcBef>
@@ -1918,7 +2437,6 @@
               </a:spcAft>
               <a:buSzPts val="1400"/>
               <a:buChar char="○"/>
-              <a:defRPr/>
             </a:lvl2pPr>
             <a:lvl3pPr marL="1371600" lvl="2" indent="-317500" algn="ctr">
               <a:spcBef>
@@ -1929,7 +2447,6 @@
               </a:spcAft>
               <a:buSzPts val="1400"/>
               <a:buChar char="■"/>
-              <a:defRPr/>
             </a:lvl3pPr>
             <a:lvl4pPr marL="1828800" lvl="3" indent="-317500" algn="ctr">
               <a:spcBef>
@@ -1940,7 +2457,6 @@
               </a:spcAft>
               <a:buSzPts val="1400"/>
               <a:buChar char="●"/>
-              <a:defRPr/>
             </a:lvl4pPr>
             <a:lvl5pPr marL="2286000" lvl="4" indent="-317500" algn="ctr">
               <a:spcBef>
@@ -1951,7 +2467,6 @@
               </a:spcAft>
               <a:buSzPts val="1400"/>
               <a:buChar char="○"/>
-              <a:defRPr/>
             </a:lvl5pPr>
             <a:lvl6pPr marL="2743200" lvl="5" indent="-317500" algn="ctr">
               <a:spcBef>
@@ -1962,7 +2477,6 @@
               </a:spcAft>
               <a:buSzPts val="1400"/>
               <a:buChar char="■"/>
-              <a:defRPr/>
             </a:lvl6pPr>
             <a:lvl7pPr marL="3200400" lvl="6" indent="-317500" algn="ctr">
               <a:spcBef>
@@ -1973,7 +2487,6 @@
               </a:spcAft>
               <a:buSzPts val="1400"/>
               <a:buChar char="●"/>
-              <a:defRPr/>
             </a:lvl7pPr>
             <a:lvl8pPr marL="3657600" lvl="7" indent="-317500" algn="ctr">
               <a:spcBef>
@@ -1984,7 +2497,6 @@
               </a:spcAft>
               <a:buSzPts val="1400"/>
               <a:buChar char="○"/>
-              <a:defRPr/>
             </a:lvl8pPr>
             <a:lvl9pPr marL="4114800" lvl="8" indent="-317500" algn="ctr">
               <a:spcBef>
@@ -1995,19 +2507,18 @@
               </a:spcAft>
               <a:buSzPts val="1400"/>
               <a:buChar char="■"/>
-              <a:defRPr/>
             </a:lvl9pPr>
           </a:lstStyle>
           <a:p>
-            <a:endParaRPr/>
+            <a:pPr lvl="0"/>
           </a:p>
         </p:txBody>
       </p:sp>
       <p:sp>
         <p:nvSpPr>
           <p:cNvPr id="47" name="Google Shape;47;p11"/>
-          <p:cNvSpPr txBox="1">
-            <a:spLocks noGrp="1"/>
+          <p:cNvSpPr>
+            <a:spLocks noGrp="1" noEditPoints="1"/>
           </p:cNvSpPr>
           <p:nvPr>
             <p:ph type="sldNum" idx="12"/>
@@ -2023,49 +2534,40 @@
           </a:prstGeom>
         </p:spPr>
         <p:txBody>
-          <a:bodyPr spcFirstLastPara="1" wrap="square" lIns="91425" tIns="91425" rIns="91425" bIns="91425" anchor="ctr" anchorCtr="0">
+          <a:bodyPr wrap="square" lIns="91425" tIns="91425" rIns="91425" bIns="91425" anchor="ctr">
             <a:normAutofit/>
           </a:bodyPr>
           <a:lstStyle>
-            <a:lvl1pPr lvl="0">
-              <a:buNone/>
-              <a:defRPr/>
+            <a:lvl1pPr>
+              <a:buNone/>
             </a:lvl1pPr>
             <a:lvl2pPr lvl="1">
               <a:buNone/>
-              <a:defRPr/>
             </a:lvl2pPr>
             <a:lvl3pPr lvl="2">
               <a:buNone/>
-              <a:defRPr/>
             </a:lvl3pPr>
             <a:lvl4pPr lvl="3">
               <a:buNone/>
-              <a:defRPr/>
             </a:lvl4pPr>
             <a:lvl5pPr lvl="4">
               <a:buNone/>
-              <a:defRPr/>
             </a:lvl5pPr>
             <a:lvl6pPr lvl="5">
               <a:buNone/>
-              <a:defRPr/>
             </a:lvl6pPr>
             <a:lvl7pPr lvl="6">
               <a:buNone/>
-              <a:defRPr/>
             </a:lvl7pPr>
             <a:lvl8pPr lvl="7">
               <a:buNone/>
-              <a:defRPr/>
             </a:lvl8pPr>
             <a:lvl9pPr lvl="8">
               <a:buNone/>
-              <a:defRPr/>
             </a:lvl9pPr>
           </a:lstStyle>
           <a:p>
-            <a:pPr marL="0" lvl="0" indent="0" algn="r" rtl="0">
+            <a:pPr marL="0" indent="0" algn="r" rtl="0">
               <a:spcBef>
                 <a:spcPts val="0"/>
               </a:spcBef>
@@ -2078,7 +2580,6 @@
               <a:rPr lang="ru"/>
               <a:t>‹#›</a:t>
             </a:fld>
-            <a:endParaRPr/>
           </a:p>
         </p:txBody>
       </p:sp>
@@ -2087,15 +2588,16 @@
   <p:clrMapOvr>
     <a:masterClrMapping/>
   </p:clrMapOvr>
+  <p:hf dt="0" sldNum="0" hdr="0" ftr="0"/>
 </p:sldLayout>
 </file>
 
 <file path=ppt/slideLayouts/slideLayout11.xml><?xml version="1.0" encoding="utf-8"?>
-<p:sldLayout xmlns:a="http://schemas.openxmlformats.org/drawingml/2006/main" xmlns:r="http://schemas.openxmlformats.org/officeDocument/2006/relationships" xmlns:p="http://schemas.openxmlformats.org/presentationml/2006/main" matchingName="Blank" type="blank">
+<p:sldLayout xmlns:a="http://schemas.openxmlformats.org/drawingml/2006/main" xmlns:r="http://schemas.openxmlformats.org/officeDocument/2006/relationships" xmlns:p="http://schemas.openxmlformats.org/presentationml/2006/main" type="blank">
   <p:cSld name="BLANK">
     <p:spTree>
       <p:nvGrpSpPr>
-        <p:cNvPr id="1" name="Shape 48"/>
+        <p:cNvPr id="1" name=""/>
         <p:cNvGrpSpPr/>
         <p:nvPr/>
       </p:nvGrpSpPr>
@@ -2110,8 +2612,8 @@
       <p:sp>
         <p:nvSpPr>
           <p:cNvPr id="49" name="Google Shape;49;p12"/>
-          <p:cNvSpPr txBox="1">
-            <a:spLocks noGrp="1"/>
+          <p:cNvSpPr>
+            <a:spLocks noGrp="1" noEditPoints="1"/>
           </p:cNvSpPr>
           <p:nvPr>
             <p:ph type="sldNum" idx="12"/>
@@ -2127,49 +2629,40 @@
           </a:prstGeom>
         </p:spPr>
         <p:txBody>
-          <a:bodyPr spcFirstLastPara="1" wrap="square" lIns="91425" tIns="91425" rIns="91425" bIns="91425" anchor="ctr" anchorCtr="0">
+          <a:bodyPr wrap="square" lIns="91425" tIns="91425" rIns="91425" bIns="91425" anchor="ctr">
             <a:normAutofit/>
           </a:bodyPr>
           <a:lstStyle>
-            <a:lvl1pPr lvl="0">
-              <a:buNone/>
-              <a:defRPr/>
+            <a:lvl1pPr>
+              <a:buNone/>
             </a:lvl1pPr>
             <a:lvl2pPr lvl="1">
               <a:buNone/>
-              <a:defRPr/>
             </a:lvl2pPr>
             <a:lvl3pPr lvl="2">
               <a:buNone/>
-              <a:defRPr/>
             </a:lvl3pPr>
             <a:lvl4pPr lvl="3">
               <a:buNone/>
-              <a:defRPr/>
             </a:lvl4pPr>
             <a:lvl5pPr lvl="4">
               <a:buNone/>
-              <a:defRPr/>
             </a:lvl5pPr>
             <a:lvl6pPr lvl="5">
               <a:buNone/>
-              <a:defRPr/>
             </a:lvl6pPr>
             <a:lvl7pPr lvl="6">
               <a:buNone/>
-              <a:defRPr/>
             </a:lvl7pPr>
             <a:lvl8pPr lvl="7">
               <a:buNone/>
-              <a:defRPr/>
             </a:lvl8pPr>
             <a:lvl9pPr lvl="8">
               <a:buNone/>
-              <a:defRPr/>
             </a:lvl9pPr>
           </a:lstStyle>
           <a:p>
-            <a:pPr marL="0" lvl="0" indent="0" algn="r" rtl="0">
+            <a:pPr marL="0" indent="0" algn="r" rtl="0">
               <a:spcBef>
                 <a:spcPts val="0"/>
               </a:spcBef>
@@ -2182,7 +2675,6 @@
               <a:rPr lang="ru"/>
               <a:t>‹#›</a:t>
             </a:fld>
-            <a:endParaRPr/>
           </a:p>
         </p:txBody>
       </p:sp>
@@ -2191,15 +2683,16 @@
   <p:clrMapOvr>
     <a:masterClrMapping/>
   </p:clrMapOvr>
+  <p:hf dt="0" sldNum="0" hdr="0" ftr="0"/>
 </p:sldLayout>
 </file>
 
 <file path=ppt/slideLayouts/slideLayout2.xml><?xml version="1.0" encoding="utf-8"?>
-<p:sldLayout xmlns:a="http://schemas.openxmlformats.org/drawingml/2006/main" xmlns:r="http://schemas.openxmlformats.org/officeDocument/2006/relationships" xmlns:p="http://schemas.openxmlformats.org/presentationml/2006/main" matchingName="Section header" type="secHead">
+<p:sldLayout xmlns:a="http://schemas.openxmlformats.org/drawingml/2006/main" xmlns:r="http://schemas.openxmlformats.org/officeDocument/2006/relationships" xmlns:p="http://schemas.openxmlformats.org/presentationml/2006/main" type="secHead">
   <p:cSld name="SECTION_HEADER">
     <p:spTree>
       <p:nvGrpSpPr>
-        <p:cNvPr id="1" name="Shape 13"/>
+        <p:cNvPr id="1" name=""/>
         <p:cNvGrpSpPr/>
         <p:nvPr/>
       </p:nvGrpSpPr>
@@ -2214,8 +2707,8 @@
       <p:sp>
         <p:nvSpPr>
           <p:cNvPr id="14" name="Google Shape;14;p3"/>
-          <p:cNvSpPr txBox="1">
-            <a:spLocks noGrp="1"/>
+          <p:cNvSpPr>
+            <a:spLocks noGrp="1" noEditPoints="1"/>
           </p:cNvSpPr>
           <p:nvPr>
             <p:ph type="title"/>
@@ -2231,11 +2724,11 @@
           </a:prstGeom>
         </p:spPr>
         <p:txBody>
-          <a:bodyPr spcFirstLastPara="1" wrap="square" lIns="91425" tIns="91425" rIns="91425" bIns="91425" anchor="ctr" anchorCtr="0">
+          <a:bodyPr wrap="square" lIns="91425" tIns="91425" rIns="91425" bIns="91425" anchor="ctr">
             <a:normAutofit/>
           </a:bodyPr>
           <a:lstStyle>
-            <a:lvl1pPr lvl="0" algn="ctr">
+            <a:lvl1pPr algn="ctr">
               <a:spcBef>
                 <a:spcPts val="0"/>
               </a:spcBef>
@@ -2335,16 +2828,14 @@
               <a:defRPr sz="3600"/>
             </a:lvl9pPr>
           </a:lstStyle>
-          <a:p>
-            <a:endParaRPr/>
-          </a:p>
+          <a:p/>
         </p:txBody>
       </p:sp>
       <p:sp>
         <p:nvSpPr>
           <p:cNvPr id="15" name="Google Shape;15;p3"/>
-          <p:cNvSpPr txBox="1">
-            <a:spLocks noGrp="1"/>
+          <p:cNvSpPr>
+            <a:spLocks noGrp="1" noEditPoints="1"/>
           </p:cNvSpPr>
           <p:nvPr>
             <p:ph type="sldNum" idx="12"/>
@@ -2360,49 +2851,40 @@
           </a:prstGeom>
         </p:spPr>
         <p:txBody>
-          <a:bodyPr spcFirstLastPara="1" wrap="square" lIns="91425" tIns="91425" rIns="91425" bIns="91425" anchor="ctr" anchorCtr="0">
+          <a:bodyPr wrap="square" lIns="91425" tIns="91425" rIns="91425" bIns="91425" anchor="ctr">
             <a:normAutofit/>
           </a:bodyPr>
           <a:lstStyle>
-            <a:lvl1pPr lvl="0">
-              <a:buNone/>
-              <a:defRPr/>
+            <a:lvl1pPr>
+              <a:buNone/>
             </a:lvl1pPr>
             <a:lvl2pPr lvl="1">
               <a:buNone/>
-              <a:defRPr/>
             </a:lvl2pPr>
             <a:lvl3pPr lvl="2">
               <a:buNone/>
-              <a:defRPr/>
             </a:lvl3pPr>
             <a:lvl4pPr lvl="3">
               <a:buNone/>
-              <a:defRPr/>
             </a:lvl4pPr>
             <a:lvl5pPr lvl="4">
               <a:buNone/>
-              <a:defRPr/>
             </a:lvl5pPr>
             <a:lvl6pPr lvl="5">
               <a:buNone/>
-              <a:defRPr/>
             </a:lvl6pPr>
             <a:lvl7pPr lvl="6">
               <a:buNone/>
-              <a:defRPr/>
             </a:lvl7pPr>
             <a:lvl8pPr lvl="7">
               <a:buNone/>
-              <a:defRPr/>
             </a:lvl8pPr>
             <a:lvl9pPr lvl="8">
               <a:buNone/>
-              <a:defRPr/>
             </a:lvl9pPr>
           </a:lstStyle>
           <a:p>
-            <a:pPr marL="0" lvl="0" indent="0" algn="r" rtl="0">
+            <a:pPr marL="0" indent="0" algn="r" rtl="0">
               <a:spcBef>
                 <a:spcPts val="0"/>
               </a:spcBef>
@@ -2415,7 +2897,6 @@
               <a:rPr lang="ru"/>
               <a:t>‹#›</a:t>
             </a:fld>
-            <a:endParaRPr/>
           </a:p>
         </p:txBody>
       </p:sp>
@@ -2424,15 +2905,16 @@
   <p:clrMapOvr>
     <a:masterClrMapping/>
   </p:clrMapOvr>
+  <p:hf dt="0" sldNum="0" hdr="0" ftr="0"/>
 </p:sldLayout>
 </file>
 
 <file path=ppt/slideLayouts/slideLayout3.xml><?xml version="1.0" encoding="utf-8"?>
-<p:sldLayout xmlns:a="http://schemas.openxmlformats.org/drawingml/2006/main" xmlns:r="http://schemas.openxmlformats.org/officeDocument/2006/relationships" xmlns:p="http://schemas.openxmlformats.org/presentationml/2006/main" matchingName="Title and body" type="tx">
+<p:sldLayout xmlns:a="http://schemas.openxmlformats.org/drawingml/2006/main" xmlns:r="http://schemas.openxmlformats.org/officeDocument/2006/relationships" xmlns:p="http://schemas.openxmlformats.org/presentationml/2006/main" type="tx">
   <p:cSld name="TITLE_AND_BODY">
     <p:spTree>
       <p:nvGrpSpPr>
-        <p:cNvPr id="1" name="Shape 16"/>
+        <p:cNvPr id="1" name=""/>
         <p:cNvGrpSpPr/>
         <p:nvPr/>
       </p:nvGrpSpPr>
@@ -2447,8 +2929,8 @@
       <p:sp>
         <p:nvSpPr>
           <p:cNvPr id="17" name="Google Shape;17;p4"/>
-          <p:cNvSpPr txBox="1">
-            <a:spLocks noGrp="1"/>
+          <p:cNvSpPr>
+            <a:spLocks noGrp="1" noEditPoints="1"/>
           </p:cNvSpPr>
           <p:nvPr>
             <p:ph type="title"/>
@@ -2464,11 +2946,11 @@
           </a:prstGeom>
         </p:spPr>
         <p:txBody>
-          <a:bodyPr spcFirstLastPara="1" wrap="square" lIns="91425" tIns="91425" rIns="91425" bIns="91425" anchor="t" anchorCtr="0">
+          <a:bodyPr wrap="square" lIns="91425" tIns="91425" rIns="91425" bIns="91425" anchor="t">
             <a:normAutofit/>
           </a:bodyPr>
           <a:lstStyle>
-            <a:lvl1pPr lvl="0">
+            <a:lvl1pPr>
               <a:spcBef>
                 <a:spcPts val="0"/>
               </a:spcBef>
@@ -2477,7 +2959,6 @@
               </a:spcAft>
               <a:buSzPts val="2800"/>
               <a:buNone/>
-              <a:defRPr/>
             </a:lvl1pPr>
             <a:lvl2pPr lvl="1">
               <a:spcBef>
@@ -2488,7 +2969,6 @@
               </a:spcAft>
               <a:buSzPts val="2800"/>
               <a:buNone/>
-              <a:defRPr/>
             </a:lvl2pPr>
             <a:lvl3pPr lvl="2">
               <a:spcBef>
@@ -2499,7 +2979,6 @@
               </a:spcAft>
               <a:buSzPts val="2800"/>
               <a:buNone/>
-              <a:defRPr/>
             </a:lvl3pPr>
             <a:lvl4pPr lvl="3">
               <a:spcBef>
@@ -2510,7 +2989,6 @@
               </a:spcAft>
               <a:buSzPts val="2800"/>
               <a:buNone/>
-              <a:defRPr/>
             </a:lvl4pPr>
             <a:lvl5pPr lvl="4">
               <a:spcBef>
@@ -2521,7 +2999,6 @@
               </a:spcAft>
               <a:buSzPts val="2800"/>
               <a:buNone/>
-              <a:defRPr/>
             </a:lvl5pPr>
             <a:lvl6pPr lvl="5">
               <a:spcBef>
@@ -2532,7 +3009,6 @@
               </a:spcAft>
               <a:buSzPts val="2800"/>
               <a:buNone/>
-              <a:defRPr/>
             </a:lvl6pPr>
             <a:lvl7pPr lvl="6">
               <a:spcBef>
@@ -2543,7 +3019,6 @@
               </a:spcAft>
               <a:buSzPts val="2800"/>
               <a:buNone/>
-              <a:defRPr/>
             </a:lvl7pPr>
             <a:lvl8pPr lvl="7">
               <a:spcBef>
@@ -2554,7 +3029,6 @@
               </a:spcAft>
               <a:buSzPts val="2800"/>
               <a:buNone/>
-              <a:defRPr/>
             </a:lvl8pPr>
             <a:lvl9pPr lvl="8">
               <a:spcBef>
@@ -2565,19 +3039,16 @@
               </a:spcAft>
               <a:buSzPts val="2800"/>
               <a:buNone/>
-              <a:defRPr/>
             </a:lvl9pPr>
           </a:lstStyle>
-          <a:p>
-            <a:endParaRPr/>
-          </a:p>
+          <a:p/>
         </p:txBody>
       </p:sp>
       <p:sp>
         <p:nvSpPr>
           <p:cNvPr id="18" name="Google Shape;18;p4"/>
-          <p:cNvSpPr txBox="1">
-            <a:spLocks noGrp="1"/>
+          <p:cNvSpPr>
+            <a:spLocks noGrp="1" noEditPoints="1"/>
           </p:cNvSpPr>
           <p:nvPr>
             <p:ph type="body" idx="1"/>
@@ -2593,11 +3064,11 @@
           </a:prstGeom>
         </p:spPr>
         <p:txBody>
-          <a:bodyPr spcFirstLastPara="1" wrap="square" lIns="91425" tIns="91425" rIns="91425" bIns="91425" anchor="t" anchorCtr="0">
+          <a:bodyPr wrap="square" lIns="91425" tIns="91425" rIns="91425" bIns="91425" anchor="t">
             <a:normAutofit/>
           </a:bodyPr>
           <a:lstStyle>
-            <a:lvl1pPr marL="457200" lvl="0" indent="-342900">
+            <a:lvl1pPr marL="457200" indent="-342900">
               <a:spcBef>
                 <a:spcPts val="0"/>
               </a:spcBef>
@@ -2606,7 +3077,6 @@
               </a:spcAft>
               <a:buSzPts val="1800"/>
               <a:buChar char="●"/>
-              <a:defRPr/>
             </a:lvl1pPr>
             <a:lvl2pPr marL="914400" lvl="1" indent="-317500">
               <a:spcBef>
@@ -2617,7 +3087,6 @@
               </a:spcAft>
               <a:buSzPts val="1400"/>
               <a:buChar char="○"/>
-              <a:defRPr/>
             </a:lvl2pPr>
             <a:lvl3pPr marL="1371600" lvl="2" indent="-317500">
               <a:spcBef>
@@ -2628,7 +3097,6 @@
               </a:spcAft>
               <a:buSzPts val="1400"/>
               <a:buChar char="■"/>
-              <a:defRPr/>
             </a:lvl3pPr>
             <a:lvl4pPr marL="1828800" lvl="3" indent="-317500">
               <a:spcBef>
@@ -2639,7 +3107,6 @@
               </a:spcAft>
               <a:buSzPts val="1400"/>
               <a:buChar char="●"/>
-              <a:defRPr/>
             </a:lvl4pPr>
             <a:lvl5pPr marL="2286000" lvl="4" indent="-317500">
               <a:spcBef>
@@ -2650,7 +3117,6 @@
               </a:spcAft>
               <a:buSzPts val="1400"/>
               <a:buChar char="○"/>
-              <a:defRPr/>
             </a:lvl5pPr>
             <a:lvl6pPr marL="2743200" lvl="5" indent="-317500">
               <a:spcBef>
@@ -2661,7 +3127,6 @@
               </a:spcAft>
               <a:buSzPts val="1400"/>
               <a:buChar char="■"/>
-              <a:defRPr/>
             </a:lvl6pPr>
             <a:lvl7pPr marL="3200400" lvl="6" indent="-317500">
               <a:spcBef>
@@ -2672,7 +3137,6 @@
               </a:spcAft>
               <a:buSzPts val="1400"/>
               <a:buChar char="●"/>
-              <a:defRPr/>
             </a:lvl7pPr>
             <a:lvl8pPr marL="3657600" lvl="7" indent="-317500">
               <a:spcBef>
@@ -2683,7 +3147,6 @@
               </a:spcAft>
               <a:buSzPts val="1400"/>
               <a:buChar char="○"/>
-              <a:defRPr/>
             </a:lvl8pPr>
             <a:lvl9pPr marL="4114800" lvl="8" indent="-317500">
               <a:spcBef>
@@ -2694,19 +3157,18 @@
               </a:spcAft>
               <a:buSzPts val="1400"/>
               <a:buChar char="■"/>
-              <a:defRPr/>
             </a:lvl9pPr>
           </a:lstStyle>
           <a:p>
-            <a:endParaRPr/>
+            <a:pPr lvl="0"/>
           </a:p>
         </p:txBody>
       </p:sp>
       <p:sp>
         <p:nvSpPr>
           <p:cNvPr id="19" name="Google Shape;19;p4"/>
-          <p:cNvSpPr txBox="1">
-            <a:spLocks noGrp="1"/>
+          <p:cNvSpPr>
+            <a:spLocks noGrp="1" noEditPoints="1"/>
           </p:cNvSpPr>
           <p:nvPr>
             <p:ph type="sldNum" idx="12"/>
@@ -2722,49 +3184,40 @@
           </a:prstGeom>
         </p:spPr>
         <p:txBody>
-          <a:bodyPr spcFirstLastPara="1" wrap="square" lIns="91425" tIns="91425" rIns="91425" bIns="91425" anchor="ctr" anchorCtr="0">
+          <a:bodyPr wrap="square" lIns="91425" tIns="91425" rIns="91425" bIns="91425" anchor="ctr">
             <a:normAutofit/>
           </a:bodyPr>
           <a:lstStyle>
-            <a:lvl1pPr lvl="0">
-              <a:buNone/>
-              <a:defRPr/>
+            <a:lvl1pPr>
+              <a:buNone/>
             </a:lvl1pPr>
             <a:lvl2pPr lvl="1">
               <a:buNone/>
-              <a:defRPr/>
             </a:lvl2pPr>
             <a:lvl3pPr lvl="2">
               <a:buNone/>
-              <a:defRPr/>
             </a:lvl3pPr>
             <a:lvl4pPr lvl="3">
               <a:buNone/>
-              <a:defRPr/>
             </a:lvl4pPr>
             <a:lvl5pPr lvl="4">
               <a:buNone/>
-              <a:defRPr/>
             </a:lvl5pPr>
             <a:lvl6pPr lvl="5">
               <a:buNone/>
-              <a:defRPr/>
             </a:lvl6pPr>
             <a:lvl7pPr lvl="6">
               <a:buNone/>
-              <a:defRPr/>
             </a:lvl7pPr>
             <a:lvl8pPr lvl="7">
               <a:buNone/>
-              <a:defRPr/>
             </a:lvl8pPr>
             <a:lvl9pPr lvl="8">
               <a:buNone/>
-              <a:defRPr/>
             </a:lvl9pPr>
           </a:lstStyle>
           <a:p>
-            <a:pPr marL="0" lvl="0" indent="0" algn="r" rtl="0">
+            <a:pPr marL="0" indent="0" algn="r" rtl="0">
               <a:spcBef>
                 <a:spcPts val="0"/>
               </a:spcBef>
@@ -2777,7 +3230,6 @@
               <a:rPr lang="ru"/>
               <a:t>‹#›</a:t>
             </a:fld>
-            <a:endParaRPr/>
           </a:p>
         </p:txBody>
       </p:sp>
@@ -2786,15 +3238,16 @@
   <p:clrMapOvr>
     <a:masterClrMapping/>
   </p:clrMapOvr>
+  <p:hf dt="0" sldNum="0" hdr="0" ftr="0"/>
 </p:sldLayout>
 </file>
 
 <file path=ppt/slideLayouts/slideLayout4.xml><?xml version="1.0" encoding="utf-8"?>
-<p:sldLayout xmlns:a="http://schemas.openxmlformats.org/drawingml/2006/main" xmlns:r="http://schemas.openxmlformats.org/officeDocument/2006/relationships" xmlns:p="http://schemas.openxmlformats.org/presentationml/2006/main" matchingName="Title and two columns" type="twoColTx">
+<p:sldLayout xmlns:a="http://schemas.openxmlformats.org/drawingml/2006/main" xmlns:r="http://schemas.openxmlformats.org/officeDocument/2006/relationships" xmlns:p="http://schemas.openxmlformats.org/presentationml/2006/main" type="twoColTx">
   <p:cSld name="TITLE_AND_TWO_COLUMNS">
     <p:spTree>
       <p:nvGrpSpPr>
-        <p:cNvPr id="1" name="Shape 20"/>
+        <p:cNvPr id="1" name=""/>
         <p:cNvGrpSpPr/>
         <p:nvPr/>
       </p:nvGrpSpPr>
@@ -2809,8 +3262,8 @@
       <p:sp>
         <p:nvSpPr>
           <p:cNvPr id="21" name="Google Shape;21;p5"/>
-          <p:cNvSpPr txBox="1">
-            <a:spLocks noGrp="1"/>
+          <p:cNvSpPr>
+            <a:spLocks noGrp="1" noEditPoints="1"/>
           </p:cNvSpPr>
           <p:nvPr>
             <p:ph type="title"/>
@@ -2826,11 +3279,11 @@
           </a:prstGeom>
         </p:spPr>
         <p:txBody>
-          <a:bodyPr spcFirstLastPara="1" wrap="square" lIns="91425" tIns="91425" rIns="91425" bIns="91425" anchor="t" anchorCtr="0">
+          <a:bodyPr wrap="square" lIns="91425" tIns="91425" rIns="91425" bIns="91425" anchor="t">
             <a:normAutofit/>
           </a:bodyPr>
           <a:lstStyle>
-            <a:lvl1pPr lvl="0">
+            <a:lvl1pPr>
               <a:spcBef>
                 <a:spcPts val="0"/>
               </a:spcBef>
@@ -2839,7 +3292,6 @@
               </a:spcAft>
               <a:buSzPts val="2800"/>
               <a:buNone/>
-              <a:defRPr/>
             </a:lvl1pPr>
             <a:lvl2pPr lvl="1">
               <a:spcBef>
@@ -2850,7 +3302,6 @@
               </a:spcAft>
               <a:buSzPts val="2800"/>
               <a:buNone/>
-              <a:defRPr/>
             </a:lvl2pPr>
             <a:lvl3pPr lvl="2">
               <a:spcBef>
@@ -2861,7 +3312,6 @@
               </a:spcAft>
               <a:buSzPts val="2800"/>
               <a:buNone/>
-              <a:defRPr/>
             </a:lvl3pPr>
             <a:lvl4pPr lvl="3">
               <a:spcBef>
@@ -2872,7 +3322,6 @@
               </a:spcAft>
               <a:buSzPts val="2800"/>
               <a:buNone/>
-              <a:defRPr/>
             </a:lvl4pPr>
             <a:lvl5pPr lvl="4">
               <a:spcBef>
@@ -2883,7 +3332,6 @@
               </a:spcAft>
               <a:buSzPts val="2800"/>
               <a:buNone/>
-              <a:defRPr/>
             </a:lvl5pPr>
             <a:lvl6pPr lvl="5">
               <a:spcBef>
@@ -2894,7 +3342,6 @@
               </a:spcAft>
               <a:buSzPts val="2800"/>
               <a:buNone/>
-              <a:defRPr/>
             </a:lvl6pPr>
             <a:lvl7pPr lvl="6">
               <a:spcBef>
@@ -2905,7 +3352,6 @@
               </a:spcAft>
               <a:buSzPts val="2800"/>
               <a:buNone/>
-              <a:defRPr/>
             </a:lvl7pPr>
             <a:lvl8pPr lvl="7">
               <a:spcBef>
@@ -2916,7 +3362,6 @@
               </a:spcAft>
               <a:buSzPts val="2800"/>
               <a:buNone/>
-              <a:defRPr/>
             </a:lvl8pPr>
             <a:lvl9pPr lvl="8">
               <a:spcBef>
@@ -2927,19 +3372,16 @@
               </a:spcAft>
               <a:buSzPts val="2800"/>
               <a:buNone/>
-              <a:defRPr/>
             </a:lvl9pPr>
           </a:lstStyle>
-          <a:p>
-            <a:endParaRPr/>
-          </a:p>
+          <a:p/>
         </p:txBody>
       </p:sp>
       <p:sp>
         <p:nvSpPr>
           <p:cNvPr id="22" name="Google Shape;22;p5"/>
-          <p:cNvSpPr txBox="1">
-            <a:spLocks noGrp="1"/>
+          <p:cNvSpPr>
+            <a:spLocks noGrp="1" noEditPoints="1"/>
           </p:cNvSpPr>
           <p:nvPr>
             <p:ph type="body" idx="1"/>
@@ -2955,11 +3397,11 @@
           </a:prstGeom>
         </p:spPr>
         <p:txBody>
-          <a:bodyPr spcFirstLastPara="1" wrap="square" lIns="91425" tIns="91425" rIns="91425" bIns="91425" anchor="t" anchorCtr="0">
+          <a:bodyPr wrap="square" lIns="91425" tIns="91425" rIns="91425" bIns="91425" anchor="t">
             <a:normAutofit/>
           </a:bodyPr>
           <a:lstStyle>
-            <a:lvl1pPr marL="457200" lvl="0" indent="-317500">
+            <a:lvl1pPr marL="457200" indent="-317500">
               <a:spcBef>
                 <a:spcPts val="0"/>
               </a:spcBef>
@@ -3060,15 +3502,15 @@
             </a:lvl9pPr>
           </a:lstStyle>
           <a:p>
-            <a:endParaRPr/>
+            <a:pPr lvl="0"/>
           </a:p>
         </p:txBody>
       </p:sp>
       <p:sp>
         <p:nvSpPr>
           <p:cNvPr id="23" name="Google Shape;23;p5"/>
-          <p:cNvSpPr txBox="1">
-            <a:spLocks noGrp="1"/>
+          <p:cNvSpPr>
+            <a:spLocks noGrp="1" noEditPoints="1"/>
           </p:cNvSpPr>
           <p:nvPr>
             <p:ph type="body" idx="2"/>
@@ -3084,11 +3526,11 @@
           </a:prstGeom>
         </p:spPr>
         <p:txBody>
-          <a:bodyPr spcFirstLastPara="1" wrap="square" lIns="91425" tIns="91425" rIns="91425" bIns="91425" anchor="t" anchorCtr="0">
+          <a:bodyPr wrap="square" lIns="91425" tIns="91425" rIns="91425" bIns="91425" anchor="t">
             <a:normAutofit/>
           </a:bodyPr>
           <a:lstStyle>
-            <a:lvl1pPr marL="457200" lvl="0" indent="-317500">
+            <a:lvl1pPr marL="457200" indent="-317500">
               <a:spcBef>
                 <a:spcPts val="0"/>
               </a:spcBef>
@@ -3189,15 +3631,15 @@
             </a:lvl9pPr>
           </a:lstStyle>
           <a:p>
-            <a:endParaRPr/>
+            <a:pPr lvl="0"/>
           </a:p>
         </p:txBody>
       </p:sp>
       <p:sp>
         <p:nvSpPr>
           <p:cNvPr id="24" name="Google Shape;24;p5"/>
-          <p:cNvSpPr txBox="1">
-            <a:spLocks noGrp="1"/>
+          <p:cNvSpPr>
+            <a:spLocks noGrp="1" noEditPoints="1"/>
           </p:cNvSpPr>
           <p:nvPr>
             <p:ph type="sldNum" idx="12"/>
@@ -3213,49 +3655,40 @@
           </a:prstGeom>
         </p:spPr>
         <p:txBody>
-          <a:bodyPr spcFirstLastPara="1" wrap="square" lIns="91425" tIns="91425" rIns="91425" bIns="91425" anchor="ctr" anchorCtr="0">
+          <a:bodyPr wrap="square" lIns="91425" tIns="91425" rIns="91425" bIns="91425" anchor="ctr">
             <a:normAutofit/>
           </a:bodyPr>
           <a:lstStyle>
-            <a:lvl1pPr lvl="0">
-              <a:buNone/>
-              <a:defRPr/>
+            <a:lvl1pPr>
+              <a:buNone/>
             </a:lvl1pPr>
             <a:lvl2pPr lvl="1">
               <a:buNone/>
-              <a:defRPr/>
             </a:lvl2pPr>
             <a:lvl3pPr lvl="2">
               <a:buNone/>
-              <a:defRPr/>
             </a:lvl3pPr>
             <a:lvl4pPr lvl="3">
               <a:buNone/>
-              <a:defRPr/>
             </a:lvl4pPr>
             <a:lvl5pPr lvl="4">
               <a:buNone/>
-              <a:defRPr/>
             </a:lvl5pPr>
             <a:lvl6pPr lvl="5">
               <a:buNone/>
-              <a:defRPr/>
             </a:lvl6pPr>
             <a:lvl7pPr lvl="6">
               <a:buNone/>
-              <a:defRPr/>
             </a:lvl7pPr>
             <a:lvl8pPr lvl="7">
               <a:buNone/>
-              <a:defRPr/>
             </a:lvl8pPr>
             <a:lvl9pPr lvl="8">
               <a:buNone/>
-              <a:defRPr/>
             </a:lvl9pPr>
           </a:lstStyle>
           <a:p>
-            <a:pPr marL="0" lvl="0" indent="0" algn="r" rtl="0">
+            <a:pPr marL="0" indent="0" algn="r" rtl="0">
               <a:spcBef>
                 <a:spcPts val="0"/>
               </a:spcBef>
@@ -3268,7 +3701,6 @@
               <a:rPr lang="ru"/>
               <a:t>‹#›</a:t>
             </a:fld>
-            <a:endParaRPr/>
           </a:p>
         </p:txBody>
       </p:sp>
@@ -3277,15 +3709,16 @@
   <p:clrMapOvr>
     <a:masterClrMapping/>
   </p:clrMapOvr>
+  <p:hf dt="0" sldNum="0" hdr="0" ftr="0"/>
 </p:sldLayout>
 </file>
 
 <file path=ppt/slideLayouts/slideLayout5.xml><?xml version="1.0" encoding="utf-8"?>
-<p:sldLayout xmlns:a="http://schemas.openxmlformats.org/drawingml/2006/main" xmlns:r="http://schemas.openxmlformats.org/officeDocument/2006/relationships" xmlns:p="http://schemas.openxmlformats.org/presentationml/2006/main" matchingName="Title only" type="titleOnly">
+<p:sldLayout xmlns:a="http://schemas.openxmlformats.org/drawingml/2006/main" xmlns:r="http://schemas.openxmlformats.org/officeDocument/2006/relationships" xmlns:p="http://schemas.openxmlformats.org/presentationml/2006/main" type="titleOnly">
   <p:cSld name="TITLE_ONLY">
     <p:spTree>
       <p:nvGrpSpPr>
-        <p:cNvPr id="1" name="Shape 25"/>
+        <p:cNvPr id="1" name=""/>
         <p:cNvGrpSpPr/>
         <p:nvPr/>
       </p:nvGrpSpPr>
@@ -3300,8 +3733,8 @@
       <p:sp>
         <p:nvSpPr>
           <p:cNvPr id="26" name="Google Shape;26;p6"/>
-          <p:cNvSpPr txBox="1">
-            <a:spLocks noGrp="1"/>
+          <p:cNvSpPr>
+            <a:spLocks noGrp="1" noEditPoints="1"/>
           </p:cNvSpPr>
           <p:nvPr>
             <p:ph type="title"/>
@@ -3317,11 +3750,11 @@
           </a:prstGeom>
         </p:spPr>
         <p:txBody>
-          <a:bodyPr spcFirstLastPara="1" wrap="square" lIns="91425" tIns="91425" rIns="91425" bIns="91425" anchor="t" anchorCtr="0">
+          <a:bodyPr wrap="square" lIns="91425" tIns="91425" rIns="91425" bIns="91425" anchor="t">
             <a:normAutofit/>
           </a:bodyPr>
           <a:lstStyle>
-            <a:lvl1pPr lvl="0">
+            <a:lvl1pPr>
               <a:spcBef>
                 <a:spcPts val="0"/>
               </a:spcBef>
@@ -3330,7 +3763,6 @@
               </a:spcAft>
               <a:buSzPts val="2800"/>
               <a:buNone/>
-              <a:defRPr/>
             </a:lvl1pPr>
             <a:lvl2pPr lvl="1">
               <a:spcBef>
@@ -3341,7 +3773,6 @@
               </a:spcAft>
               <a:buSzPts val="2800"/>
               <a:buNone/>
-              <a:defRPr/>
             </a:lvl2pPr>
             <a:lvl3pPr lvl="2">
               <a:spcBef>
@@ -3352,7 +3783,6 @@
               </a:spcAft>
               <a:buSzPts val="2800"/>
               <a:buNone/>
-              <a:defRPr/>
             </a:lvl3pPr>
             <a:lvl4pPr lvl="3">
               <a:spcBef>
@@ -3363,7 +3793,6 @@
               </a:spcAft>
               <a:buSzPts val="2800"/>
               <a:buNone/>
-              <a:defRPr/>
             </a:lvl4pPr>
             <a:lvl5pPr lvl="4">
               <a:spcBef>
@@ -3374,7 +3803,6 @@
               </a:spcAft>
               <a:buSzPts val="2800"/>
               <a:buNone/>
-              <a:defRPr/>
             </a:lvl5pPr>
             <a:lvl6pPr lvl="5">
               <a:spcBef>
@@ -3385,7 +3813,6 @@
               </a:spcAft>
               <a:buSzPts val="2800"/>
               <a:buNone/>
-              <a:defRPr/>
             </a:lvl6pPr>
             <a:lvl7pPr lvl="6">
               <a:spcBef>
@@ -3396,7 +3823,6 @@
               </a:spcAft>
               <a:buSzPts val="2800"/>
               <a:buNone/>
-              <a:defRPr/>
             </a:lvl7pPr>
             <a:lvl8pPr lvl="7">
               <a:spcBef>
@@ -3407,7 +3833,6 @@
               </a:spcAft>
               <a:buSzPts val="2800"/>
               <a:buNone/>
-              <a:defRPr/>
             </a:lvl8pPr>
             <a:lvl9pPr lvl="8">
               <a:spcBef>
@@ -3418,19 +3843,16 @@
               </a:spcAft>
               <a:buSzPts val="2800"/>
               <a:buNone/>
-              <a:defRPr/>
             </a:lvl9pPr>
           </a:lstStyle>
-          <a:p>
-            <a:endParaRPr/>
-          </a:p>
+          <a:p/>
         </p:txBody>
       </p:sp>
       <p:sp>
         <p:nvSpPr>
           <p:cNvPr id="27" name="Google Shape;27;p6"/>
-          <p:cNvSpPr txBox="1">
-            <a:spLocks noGrp="1"/>
+          <p:cNvSpPr>
+            <a:spLocks noGrp="1" noEditPoints="1"/>
           </p:cNvSpPr>
           <p:nvPr>
             <p:ph type="sldNum" idx="12"/>
@@ -3446,49 +3868,40 @@
           </a:prstGeom>
         </p:spPr>
         <p:txBody>
-          <a:bodyPr spcFirstLastPara="1" wrap="square" lIns="91425" tIns="91425" rIns="91425" bIns="91425" anchor="ctr" anchorCtr="0">
+          <a:bodyPr wrap="square" lIns="91425" tIns="91425" rIns="91425" bIns="91425" anchor="ctr">
             <a:normAutofit/>
           </a:bodyPr>
           <a:lstStyle>
-            <a:lvl1pPr lvl="0">
-              <a:buNone/>
-              <a:defRPr/>
+            <a:lvl1pPr>
+              <a:buNone/>
             </a:lvl1pPr>
             <a:lvl2pPr lvl="1">
               <a:buNone/>
-              <a:defRPr/>
             </a:lvl2pPr>
             <a:lvl3pPr lvl="2">
               <a:buNone/>
-              <a:defRPr/>
             </a:lvl3pPr>
             <a:lvl4pPr lvl="3">
               <a:buNone/>
-              <a:defRPr/>
             </a:lvl4pPr>
             <a:lvl5pPr lvl="4">
               <a:buNone/>
-              <a:defRPr/>
             </a:lvl5pPr>
             <a:lvl6pPr lvl="5">
               <a:buNone/>
-              <a:defRPr/>
             </a:lvl6pPr>
             <a:lvl7pPr lvl="6">
               <a:buNone/>
-              <a:defRPr/>
             </a:lvl7pPr>
             <a:lvl8pPr lvl="7">
               <a:buNone/>
-              <a:defRPr/>
             </a:lvl8pPr>
             <a:lvl9pPr lvl="8">
               <a:buNone/>
-              <a:defRPr/>
             </a:lvl9pPr>
           </a:lstStyle>
           <a:p>
-            <a:pPr marL="0" lvl="0" indent="0" algn="r" rtl="0">
+            <a:pPr marL="0" indent="0" algn="r" rtl="0">
               <a:spcBef>
                 <a:spcPts val="0"/>
               </a:spcBef>
@@ -3501,7 +3914,6 @@
               <a:rPr lang="ru"/>
               <a:t>‹#›</a:t>
             </a:fld>
-            <a:endParaRPr/>
           </a:p>
         </p:txBody>
       </p:sp>
@@ -3510,15 +3922,16 @@
   <p:clrMapOvr>
     <a:masterClrMapping/>
   </p:clrMapOvr>
+  <p:hf dt="0" sldNum="0" hdr="0" ftr="0"/>
 </p:sldLayout>
 </file>
 
 <file path=ppt/slideLayouts/slideLayout6.xml><?xml version="1.0" encoding="utf-8"?>
-<p:sldLayout xmlns:a="http://schemas.openxmlformats.org/drawingml/2006/main" xmlns:r="http://schemas.openxmlformats.org/officeDocument/2006/relationships" xmlns:p="http://schemas.openxmlformats.org/presentationml/2006/main" matchingName="One column text">
+<p:sldLayout xmlns:a="http://schemas.openxmlformats.org/drawingml/2006/main" xmlns:r="http://schemas.openxmlformats.org/officeDocument/2006/relationships" xmlns:p="http://schemas.openxmlformats.org/presentationml/2006/main">
   <p:cSld name="ONE_COLUMN_TEXT">
     <p:spTree>
       <p:nvGrpSpPr>
-        <p:cNvPr id="1" name="Shape 28"/>
+        <p:cNvPr id="1" name=""/>
         <p:cNvGrpSpPr/>
         <p:nvPr/>
       </p:nvGrpSpPr>
@@ -3533,8 +3946,8 @@
       <p:sp>
         <p:nvSpPr>
           <p:cNvPr id="29" name="Google Shape;29;p7"/>
-          <p:cNvSpPr txBox="1">
-            <a:spLocks noGrp="1"/>
+          <p:cNvSpPr>
+            <a:spLocks noGrp="1" noEditPoints="1"/>
           </p:cNvSpPr>
           <p:nvPr>
             <p:ph type="title"/>
@@ -3550,11 +3963,11 @@
           </a:prstGeom>
         </p:spPr>
         <p:txBody>
-          <a:bodyPr spcFirstLastPara="1" wrap="square" lIns="91425" tIns="91425" rIns="91425" bIns="91425" anchor="b" anchorCtr="0">
+          <a:bodyPr wrap="square" lIns="91425" tIns="91425" rIns="91425" bIns="91425" anchor="b">
             <a:normAutofit/>
           </a:bodyPr>
           <a:lstStyle>
-            <a:lvl1pPr lvl="0">
+            <a:lvl1pPr>
               <a:spcBef>
                 <a:spcPts val="0"/>
               </a:spcBef>
@@ -3654,16 +4067,14 @@
               <a:defRPr sz="2400"/>
             </a:lvl9pPr>
           </a:lstStyle>
-          <a:p>
-            <a:endParaRPr/>
-          </a:p>
+          <a:p/>
         </p:txBody>
       </p:sp>
       <p:sp>
         <p:nvSpPr>
           <p:cNvPr id="30" name="Google Shape;30;p7"/>
-          <p:cNvSpPr txBox="1">
-            <a:spLocks noGrp="1"/>
+          <p:cNvSpPr>
+            <a:spLocks noGrp="1" noEditPoints="1"/>
           </p:cNvSpPr>
           <p:nvPr>
             <p:ph type="body" idx="1"/>
@@ -3679,11 +4090,11 @@
           </a:prstGeom>
         </p:spPr>
         <p:txBody>
-          <a:bodyPr spcFirstLastPara="1" wrap="square" lIns="91425" tIns="91425" rIns="91425" bIns="91425" anchor="t" anchorCtr="0">
+          <a:bodyPr wrap="square" lIns="91425" tIns="91425" rIns="91425" bIns="91425" anchor="t">
             <a:normAutofit/>
           </a:bodyPr>
           <a:lstStyle>
-            <a:lvl1pPr marL="457200" lvl="0" indent="-304800">
+            <a:lvl1pPr marL="457200" indent="-304800">
               <a:spcBef>
                 <a:spcPts val="0"/>
               </a:spcBef>
@@ -3784,15 +4195,15 @@
             </a:lvl9pPr>
           </a:lstStyle>
           <a:p>
-            <a:endParaRPr/>
+            <a:pPr lvl="0"/>
           </a:p>
         </p:txBody>
       </p:sp>
       <p:sp>
         <p:nvSpPr>
           <p:cNvPr id="31" name="Google Shape;31;p7"/>
-          <p:cNvSpPr txBox="1">
-            <a:spLocks noGrp="1"/>
+          <p:cNvSpPr>
+            <a:spLocks noGrp="1" noEditPoints="1"/>
           </p:cNvSpPr>
           <p:nvPr>
             <p:ph type="sldNum" idx="12"/>
@@ -3808,49 +4219,40 @@
           </a:prstGeom>
         </p:spPr>
         <p:txBody>
-          <a:bodyPr spcFirstLastPara="1" wrap="square" lIns="91425" tIns="91425" rIns="91425" bIns="91425" anchor="ctr" anchorCtr="0">
+          <a:bodyPr wrap="square" lIns="91425" tIns="91425" rIns="91425" bIns="91425" anchor="ctr">
             <a:normAutofit/>
           </a:bodyPr>
           <a:lstStyle>
-            <a:lvl1pPr lvl="0">
-              <a:buNone/>
-              <a:defRPr/>
+            <a:lvl1pPr>
+              <a:buNone/>
             </a:lvl1pPr>
             <a:lvl2pPr lvl="1">
               <a:buNone/>
-              <a:defRPr/>
             </a:lvl2pPr>
             <a:lvl3pPr lvl="2">
               <a:buNone/>
-              <a:defRPr/>
             </a:lvl3pPr>
             <a:lvl4pPr lvl="3">
               <a:buNone/>
-              <a:defRPr/>
             </a:lvl4pPr>
             <a:lvl5pPr lvl="4">
               <a:buNone/>
-              <a:defRPr/>
             </a:lvl5pPr>
             <a:lvl6pPr lvl="5">
               <a:buNone/>
-              <a:defRPr/>
             </a:lvl6pPr>
             <a:lvl7pPr lvl="6">
               <a:buNone/>
-              <a:defRPr/>
             </a:lvl7pPr>
             <a:lvl8pPr lvl="7">
               <a:buNone/>
-              <a:defRPr/>
             </a:lvl8pPr>
             <a:lvl9pPr lvl="8">
               <a:buNone/>
-              <a:defRPr/>
             </a:lvl9pPr>
           </a:lstStyle>
           <a:p>
-            <a:pPr marL="0" lvl="0" indent="0" algn="r" rtl="0">
+            <a:pPr marL="0" indent="0" algn="r" rtl="0">
               <a:spcBef>
                 <a:spcPts val="0"/>
               </a:spcBef>
@@ -3863,7 +4265,6 @@
               <a:rPr lang="ru"/>
               <a:t>‹#›</a:t>
             </a:fld>
-            <a:endParaRPr/>
           </a:p>
         </p:txBody>
       </p:sp>
@@ -3872,15 +4273,16 @@
   <p:clrMapOvr>
     <a:masterClrMapping/>
   </p:clrMapOvr>
+  <p:hf dt="0" sldNum="0" hdr="0" ftr="0"/>
 </p:sldLayout>
 </file>
 
 <file path=ppt/slideLayouts/slideLayout7.xml><?xml version="1.0" encoding="utf-8"?>
-<p:sldLayout xmlns:a="http://schemas.openxmlformats.org/drawingml/2006/main" xmlns:r="http://schemas.openxmlformats.org/officeDocument/2006/relationships" xmlns:p="http://schemas.openxmlformats.org/presentationml/2006/main" matchingName="Main point">
+<p:sldLayout xmlns:a="http://schemas.openxmlformats.org/drawingml/2006/main" xmlns:r="http://schemas.openxmlformats.org/officeDocument/2006/relationships" xmlns:p="http://schemas.openxmlformats.org/presentationml/2006/main">
   <p:cSld name="MAIN_POINT">
     <p:spTree>
       <p:nvGrpSpPr>
-        <p:cNvPr id="1" name="Shape 32"/>
+        <p:cNvPr id="1" name=""/>
         <p:cNvGrpSpPr/>
         <p:nvPr/>
       </p:nvGrpSpPr>
@@ -3895,8 +4297,8 @@
       <p:sp>
         <p:nvSpPr>
           <p:cNvPr id="33" name="Google Shape;33;p8"/>
-          <p:cNvSpPr txBox="1">
-            <a:spLocks noGrp="1"/>
+          <p:cNvSpPr>
+            <a:spLocks noGrp="1" noEditPoints="1"/>
           </p:cNvSpPr>
           <p:nvPr>
             <p:ph type="title"/>
@@ -3912,11 +4314,11 @@
           </a:prstGeom>
         </p:spPr>
         <p:txBody>
-          <a:bodyPr spcFirstLastPara="1" wrap="square" lIns="91425" tIns="91425" rIns="91425" bIns="91425" anchor="ctr" anchorCtr="0">
+          <a:bodyPr wrap="square" lIns="91425" tIns="91425" rIns="91425" bIns="91425" anchor="ctr">
             <a:normAutofit/>
           </a:bodyPr>
           <a:lstStyle>
-            <a:lvl1pPr lvl="0">
+            <a:lvl1pPr>
               <a:spcBef>
                 <a:spcPts val="0"/>
               </a:spcBef>
@@ -4016,16 +4418,14 @@
               <a:defRPr sz="4800"/>
             </a:lvl9pPr>
           </a:lstStyle>
-          <a:p>
-            <a:endParaRPr/>
-          </a:p>
+          <a:p/>
         </p:txBody>
       </p:sp>
       <p:sp>
         <p:nvSpPr>
           <p:cNvPr id="34" name="Google Shape;34;p8"/>
-          <p:cNvSpPr txBox="1">
-            <a:spLocks noGrp="1"/>
+          <p:cNvSpPr>
+            <a:spLocks noGrp="1" noEditPoints="1"/>
           </p:cNvSpPr>
           <p:nvPr>
             <p:ph type="sldNum" idx="12"/>
@@ -4041,49 +4441,40 @@
           </a:prstGeom>
         </p:spPr>
         <p:txBody>
-          <a:bodyPr spcFirstLastPara="1" wrap="square" lIns="91425" tIns="91425" rIns="91425" bIns="91425" anchor="ctr" anchorCtr="0">
+          <a:bodyPr wrap="square" lIns="91425" tIns="91425" rIns="91425" bIns="91425" anchor="ctr">
             <a:normAutofit/>
           </a:bodyPr>
           <a:lstStyle>
-            <a:lvl1pPr lvl="0">
-              <a:buNone/>
-              <a:defRPr/>
+            <a:lvl1pPr>
+              <a:buNone/>
             </a:lvl1pPr>
             <a:lvl2pPr lvl="1">
               <a:buNone/>
-              <a:defRPr/>
             </a:lvl2pPr>
             <a:lvl3pPr lvl="2">
               <a:buNone/>
-              <a:defRPr/>
             </a:lvl3pPr>
             <a:lvl4pPr lvl="3">
               <a:buNone/>
-              <a:defRPr/>
             </a:lvl4pPr>
             <a:lvl5pPr lvl="4">
               <a:buNone/>
-              <a:defRPr/>
             </a:lvl5pPr>
             <a:lvl6pPr lvl="5">
               <a:buNone/>
-              <a:defRPr/>
             </a:lvl6pPr>
             <a:lvl7pPr lvl="6">
               <a:buNone/>
-              <a:defRPr/>
             </a:lvl7pPr>
             <a:lvl8pPr lvl="7">
               <a:buNone/>
-              <a:defRPr/>
             </a:lvl8pPr>
             <a:lvl9pPr lvl="8">
               <a:buNone/>
-              <a:defRPr/>
             </a:lvl9pPr>
           </a:lstStyle>
           <a:p>
-            <a:pPr marL="0" lvl="0" indent="0" algn="r" rtl="0">
+            <a:pPr marL="0" indent="0" algn="r" rtl="0">
               <a:spcBef>
                 <a:spcPts val="0"/>
               </a:spcBef>
@@ -4096,7 +4487,6 @@
               <a:rPr lang="ru"/>
               <a:t>‹#›</a:t>
             </a:fld>
-            <a:endParaRPr/>
           </a:p>
         </p:txBody>
       </p:sp>
@@ -4105,15 +4495,16 @@
   <p:clrMapOvr>
     <a:masterClrMapping/>
   </p:clrMapOvr>
+  <p:hf dt="0" sldNum="0" hdr="0" ftr="0"/>
 </p:sldLayout>
 </file>
 
 <file path=ppt/slideLayouts/slideLayout8.xml><?xml version="1.0" encoding="utf-8"?>
-<p:sldLayout xmlns:a="http://schemas.openxmlformats.org/drawingml/2006/main" xmlns:r="http://schemas.openxmlformats.org/officeDocument/2006/relationships" xmlns:p="http://schemas.openxmlformats.org/presentationml/2006/main" matchingName="Section title and description">
+<p:sldLayout xmlns:a="http://schemas.openxmlformats.org/drawingml/2006/main" xmlns:r="http://schemas.openxmlformats.org/officeDocument/2006/relationships" xmlns:p="http://schemas.openxmlformats.org/presentationml/2006/main">
   <p:cSld name="SECTION_TITLE_AND_DESCRIPTION">
     <p:spTree>
       <p:nvGrpSpPr>
-        <p:cNvPr id="1" name="Shape 35"/>
+        <p:cNvPr id="1" name=""/>
         <p:cNvGrpSpPr/>
         <p:nvPr/>
       </p:nvGrpSpPr>
@@ -4147,12 +4538,12 @@
           </a:ln>
         </p:spPr>
         <p:txBody>
-          <a:bodyPr spcFirstLastPara="1" wrap="square" lIns="91425" tIns="91425" rIns="91425" bIns="91425" anchor="ctr" anchorCtr="0">
+          <a:bodyPr wrap="square" lIns="91425" tIns="91425" rIns="91425" bIns="91425" anchor="ctr">
             <a:noAutofit/>
           </a:bodyPr>
           <a:lstStyle/>
           <a:p>
-            <a:pPr marL="0" lvl="0" indent="0" algn="l" rtl="0">
+            <a:pPr marL="0" indent="0" algn="l" rtl="0">
               <a:spcBef>
                 <a:spcPts val="0"/>
               </a:spcBef>
@@ -4161,15 +4552,14 @@
               </a:spcAft>
               <a:buNone/>
             </a:pPr>
-            <a:endParaRPr/>
           </a:p>
         </p:txBody>
       </p:sp>
       <p:sp>
         <p:nvSpPr>
           <p:cNvPr id="37" name="Google Shape;37;p9"/>
-          <p:cNvSpPr txBox="1">
-            <a:spLocks noGrp="1"/>
+          <p:cNvSpPr>
+            <a:spLocks noGrp="1" noEditPoints="1"/>
           </p:cNvSpPr>
           <p:nvPr>
             <p:ph type="title"/>
@@ -4185,11 +4575,11 @@
           </a:prstGeom>
         </p:spPr>
         <p:txBody>
-          <a:bodyPr spcFirstLastPara="1" wrap="square" lIns="91425" tIns="91425" rIns="91425" bIns="91425" anchor="b" anchorCtr="0">
+          <a:bodyPr wrap="square" lIns="91425" tIns="91425" rIns="91425" bIns="91425" anchor="b">
             <a:normAutofit/>
           </a:bodyPr>
           <a:lstStyle>
-            <a:lvl1pPr lvl="0" algn="ctr">
+            <a:lvl1pPr algn="ctr">
               <a:spcBef>
                 <a:spcPts val="0"/>
               </a:spcBef>
@@ -4289,16 +4679,14 @@
               <a:defRPr sz="4200"/>
             </a:lvl9pPr>
           </a:lstStyle>
-          <a:p>
-            <a:endParaRPr/>
-          </a:p>
+          <a:p/>
         </p:txBody>
       </p:sp>
       <p:sp>
         <p:nvSpPr>
           <p:cNvPr id="38" name="Google Shape;38;p9"/>
-          <p:cNvSpPr txBox="1">
-            <a:spLocks noGrp="1"/>
+          <p:cNvSpPr>
+            <a:spLocks noGrp="1" noEditPoints="1"/>
           </p:cNvSpPr>
           <p:nvPr>
             <p:ph type="subTitle" idx="1"/>
@@ -4314,11 +4702,11 @@
           </a:prstGeom>
         </p:spPr>
         <p:txBody>
-          <a:bodyPr spcFirstLastPara="1" wrap="square" lIns="91425" tIns="91425" rIns="91425" bIns="91425" anchor="t" anchorCtr="0">
+          <a:bodyPr wrap="square" lIns="91425" tIns="91425" rIns="91425" bIns="91425" anchor="t">
             <a:normAutofit/>
           </a:bodyPr>
           <a:lstStyle>
-            <a:lvl1pPr lvl="0" algn="ctr">
+            <a:lvl1pPr algn="ctr">
               <a:lnSpc>
                 <a:spcPct val="100000"/>
               </a:lnSpc>
@@ -4446,15 +4834,15 @@
             </a:lvl9pPr>
           </a:lstStyle>
           <a:p>
-            <a:endParaRPr/>
+            <a:pPr lvl="0"/>
           </a:p>
         </p:txBody>
       </p:sp>
       <p:sp>
         <p:nvSpPr>
           <p:cNvPr id="39" name="Google Shape;39;p9"/>
-          <p:cNvSpPr txBox="1">
-            <a:spLocks noGrp="1"/>
+          <p:cNvSpPr>
+            <a:spLocks noGrp="1" noEditPoints="1"/>
           </p:cNvSpPr>
           <p:nvPr>
             <p:ph type="body" idx="2"/>
@@ -4470,11 +4858,11 @@
           </a:prstGeom>
         </p:spPr>
         <p:txBody>
-          <a:bodyPr spcFirstLastPara="1" wrap="square" lIns="91425" tIns="91425" rIns="91425" bIns="91425" anchor="ctr" anchorCtr="0">
+          <a:bodyPr wrap="square" lIns="91425" tIns="91425" rIns="91425" bIns="91425" anchor="ctr">
             <a:normAutofit/>
           </a:bodyPr>
           <a:lstStyle>
-            <a:lvl1pPr marL="457200" lvl="0" indent="-342900">
+            <a:lvl1pPr marL="457200" indent="-342900">
               <a:spcBef>
                 <a:spcPts val="0"/>
               </a:spcBef>
@@ -4638,15 +5026,15 @@
             </a:lvl9pPr>
           </a:lstStyle>
           <a:p>
-            <a:endParaRPr/>
+            <a:pPr lvl="0"/>
           </a:p>
         </p:txBody>
       </p:sp>
       <p:sp>
         <p:nvSpPr>
           <p:cNvPr id="40" name="Google Shape;40;p9"/>
-          <p:cNvSpPr txBox="1">
-            <a:spLocks noGrp="1"/>
+          <p:cNvSpPr>
+            <a:spLocks noGrp="1" noEditPoints="1"/>
           </p:cNvSpPr>
           <p:nvPr>
             <p:ph type="sldNum" idx="12"/>
@@ -4662,49 +5050,40 @@
           </a:prstGeom>
         </p:spPr>
         <p:txBody>
-          <a:bodyPr spcFirstLastPara="1" wrap="square" lIns="91425" tIns="91425" rIns="91425" bIns="91425" anchor="ctr" anchorCtr="0">
+          <a:bodyPr wrap="square" lIns="91425" tIns="91425" rIns="91425" bIns="91425" anchor="ctr">
             <a:normAutofit/>
           </a:bodyPr>
           <a:lstStyle>
-            <a:lvl1pPr lvl="0">
-              <a:buNone/>
-              <a:defRPr/>
+            <a:lvl1pPr>
+              <a:buNone/>
             </a:lvl1pPr>
             <a:lvl2pPr lvl="1">
               <a:buNone/>
-              <a:defRPr/>
             </a:lvl2pPr>
             <a:lvl3pPr lvl="2">
               <a:buNone/>
-              <a:defRPr/>
             </a:lvl3pPr>
             <a:lvl4pPr lvl="3">
               <a:buNone/>
-              <a:defRPr/>
             </a:lvl4pPr>
             <a:lvl5pPr lvl="4">
               <a:buNone/>
-              <a:defRPr/>
             </a:lvl5pPr>
             <a:lvl6pPr lvl="5">
               <a:buNone/>
-              <a:defRPr/>
             </a:lvl6pPr>
             <a:lvl7pPr lvl="6">
               <a:buNone/>
-              <a:defRPr/>
             </a:lvl7pPr>
             <a:lvl8pPr lvl="7">
               <a:buNone/>
-              <a:defRPr/>
             </a:lvl8pPr>
             <a:lvl9pPr lvl="8">
               <a:buNone/>
-              <a:defRPr/>
             </a:lvl9pPr>
           </a:lstStyle>
           <a:p>
-            <a:pPr marL="0" lvl="0" indent="0" algn="r" rtl="0">
+            <a:pPr marL="0" indent="0" algn="r" rtl="0">
               <a:spcBef>
                 <a:spcPts val="0"/>
               </a:spcBef>
@@ -4717,7 +5096,6 @@
               <a:rPr lang="ru"/>
               <a:t>‹#›</a:t>
             </a:fld>
-            <a:endParaRPr/>
           </a:p>
         </p:txBody>
       </p:sp>
@@ -4726,15 +5104,16 @@
   <p:clrMapOvr>
     <a:masterClrMapping/>
   </p:clrMapOvr>
+  <p:hf dt="0" sldNum="0" hdr="0" ftr="0"/>
 </p:sldLayout>
 </file>
 
 <file path=ppt/slideLayouts/slideLayout9.xml><?xml version="1.0" encoding="utf-8"?>
-<p:sldLayout xmlns:a="http://schemas.openxmlformats.org/drawingml/2006/main" xmlns:r="http://schemas.openxmlformats.org/officeDocument/2006/relationships" xmlns:p="http://schemas.openxmlformats.org/presentationml/2006/main" matchingName="Caption">
+<p:sldLayout xmlns:a="http://schemas.openxmlformats.org/drawingml/2006/main" xmlns:r="http://schemas.openxmlformats.org/officeDocument/2006/relationships" xmlns:p="http://schemas.openxmlformats.org/presentationml/2006/main">
   <p:cSld name="CAPTION_ONLY">
     <p:spTree>
       <p:nvGrpSpPr>
-        <p:cNvPr id="1" name="Shape 41"/>
+        <p:cNvPr id="1" name=""/>
         <p:cNvGrpSpPr/>
         <p:nvPr/>
       </p:nvGrpSpPr>
@@ -4749,8 +5128,8 @@
       <p:sp>
         <p:nvSpPr>
           <p:cNvPr id="42" name="Google Shape;42;p10"/>
-          <p:cNvSpPr txBox="1">
-            <a:spLocks noGrp="1"/>
+          <p:cNvSpPr>
+            <a:spLocks noGrp="1" noEditPoints="1"/>
           </p:cNvSpPr>
           <p:nvPr>
             <p:ph type="body" idx="1"/>
@@ -4766,11 +5145,11 @@
           </a:prstGeom>
         </p:spPr>
         <p:txBody>
-          <a:bodyPr spcFirstLastPara="1" wrap="square" lIns="91425" tIns="91425" rIns="91425" bIns="91425" anchor="ctr" anchorCtr="0">
+          <a:bodyPr wrap="square" lIns="91425" tIns="91425" rIns="91425" bIns="91425" anchor="ctr">
             <a:normAutofit/>
           </a:bodyPr>
           <a:lstStyle>
-            <a:lvl1pPr marL="457200" lvl="0" indent="-228600">
+            <a:lvl1pPr marL="457200" indent="-228600">
               <a:lnSpc>
                 <a:spcPct val="100000"/>
               </a:lnSpc>
@@ -4782,19 +5161,18 @@
               </a:spcAft>
               <a:buSzPts val="1800"/>
               <a:buNone/>
-              <a:defRPr/>
             </a:lvl1pPr>
           </a:lstStyle>
           <a:p>
-            <a:endParaRPr/>
+            <a:pPr lvl="0"/>
           </a:p>
         </p:txBody>
       </p:sp>
       <p:sp>
         <p:nvSpPr>
           <p:cNvPr id="43" name="Google Shape;43;p10"/>
-          <p:cNvSpPr txBox="1">
-            <a:spLocks noGrp="1"/>
+          <p:cNvSpPr>
+            <a:spLocks noGrp="1" noEditPoints="1"/>
           </p:cNvSpPr>
           <p:nvPr>
             <p:ph type="sldNum" idx="12"/>
@@ -4810,49 +5188,40 @@
           </a:prstGeom>
         </p:spPr>
         <p:txBody>
-          <a:bodyPr spcFirstLastPara="1" wrap="square" lIns="91425" tIns="91425" rIns="91425" bIns="91425" anchor="ctr" anchorCtr="0">
+          <a:bodyPr wrap="square" lIns="91425" tIns="91425" rIns="91425" bIns="91425" anchor="ctr">
             <a:normAutofit/>
           </a:bodyPr>
           <a:lstStyle>
-            <a:lvl1pPr lvl="0">
-              <a:buNone/>
-              <a:defRPr/>
+            <a:lvl1pPr>
+              <a:buNone/>
             </a:lvl1pPr>
             <a:lvl2pPr lvl="1">
               <a:buNone/>
-              <a:defRPr/>
             </a:lvl2pPr>
             <a:lvl3pPr lvl="2">
               <a:buNone/>
-              <a:defRPr/>
             </a:lvl3pPr>
             <a:lvl4pPr lvl="3">
               <a:buNone/>
-              <a:defRPr/>
             </a:lvl4pPr>
             <a:lvl5pPr lvl="4">
               <a:buNone/>
-              <a:defRPr/>
             </a:lvl5pPr>
             <a:lvl6pPr lvl="5">
               <a:buNone/>
-              <a:defRPr/>
             </a:lvl6pPr>
             <a:lvl7pPr lvl="6">
               <a:buNone/>
-              <a:defRPr/>
             </a:lvl7pPr>
             <a:lvl8pPr lvl="7">
               <a:buNone/>
-              <a:defRPr/>
             </a:lvl8pPr>
             <a:lvl9pPr lvl="8">
               <a:buNone/>
-              <a:defRPr/>
             </a:lvl9pPr>
           </a:lstStyle>
           <a:p>
-            <a:pPr marL="0" lvl="0" indent="0" algn="r" rtl="0">
+            <a:pPr marL="0" indent="0" algn="r" rtl="0">
               <a:spcBef>
                 <a:spcPts val="0"/>
               </a:spcBef>
@@ -4865,7 +5234,6 @@
               <a:rPr lang="ru"/>
               <a:t>‹#›</a:t>
             </a:fld>
-            <a:endParaRPr/>
           </a:p>
         </p:txBody>
       </p:sp>
@@ -4874,6 +5242,7 @@
   <p:clrMapOvr>
     <a:masterClrMapping/>
   </p:clrMapOvr>
+  <p:hf dt="0" sldNum="0" hdr="0" ftr="0"/>
 </p:sldLayout>
 </file>
 
@@ -4885,12 +5254,11 @@
         <a:solidFill>
           <a:schemeClr val="lt1"/>
         </a:solidFill>
-        <a:effectLst/>
       </p:bgPr>
     </p:bg>
     <p:spTree>
       <p:nvGrpSpPr>
-        <p:cNvPr id="1" name="Shape 5"/>
+        <p:cNvPr id="1" name=""/>
         <p:cNvGrpSpPr/>
         <p:nvPr/>
       </p:nvGrpSpPr>
@@ -4905,8 +5273,8 @@
       <p:sp>
         <p:nvSpPr>
           <p:cNvPr id="6" name="Google Shape;6;p1"/>
-          <p:cNvSpPr txBox="1">
-            <a:spLocks noGrp="1"/>
+          <p:cNvSpPr>
+            <a:spLocks noGrp="1" noEditPoints="1"/>
           </p:cNvSpPr>
           <p:nvPr>
             <p:ph type="title"/>
@@ -4926,11 +5294,11 @@
           </a:ln>
         </p:spPr>
         <p:txBody>
-          <a:bodyPr spcFirstLastPara="1" wrap="square" lIns="91425" tIns="91425" rIns="91425" bIns="91425" anchor="t" anchorCtr="0">
+          <a:bodyPr wrap="square" lIns="91425" tIns="91425" rIns="91425" bIns="91425" anchor="t">
             <a:normAutofit/>
           </a:bodyPr>
           <a:lstStyle>
-            <a:lvl1pPr lvl="0">
+            <a:lvl1pPr>
               <a:spcBef>
                 <a:spcPts val="0"/>
               </a:spcBef>
@@ -5093,16 +5461,14 @@
               </a:defRPr>
             </a:lvl9pPr>
           </a:lstStyle>
-          <a:p>
-            <a:endParaRPr/>
-          </a:p>
+          <a:p/>
         </p:txBody>
       </p:sp>
       <p:sp>
         <p:nvSpPr>
           <p:cNvPr id="7" name="Google Shape;7;p1"/>
-          <p:cNvSpPr txBox="1">
-            <a:spLocks noGrp="1"/>
+          <p:cNvSpPr>
+            <a:spLocks noGrp="1" noEditPoints="1"/>
           </p:cNvSpPr>
           <p:nvPr>
             <p:ph type="body" idx="1"/>
@@ -5122,11 +5488,11 @@
           </a:ln>
         </p:spPr>
         <p:txBody>
-          <a:bodyPr spcFirstLastPara="1" wrap="square" lIns="91425" tIns="91425" rIns="91425" bIns="91425" anchor="t" anchorCtr="0">
+          <a:bodyPr wrap="square" lIns="91425" tIns="91425" rIns="91425" bIns="91425" anchor="t">
             <a:normAutofit/>
           </a:bodyPr>
           <a:lstStyle>
-            <a:lvl1pPr marL="457200" lvl="0" indent="-342900">
+            <a:lvl1pPr marL="457200" indent="-342900">
               <a:lnSpc>
                 <a:spcPct val="115000"/>
               </a:lnSpc>
@@ -5317,15 +5683,15 @@
             </a:lvl9pPr>
           </a:lstStyle>
           <a:p>
-            <a:endParaRPr/>
+            <a:pPr lvl="0"/>
           </a:p>
         </p:txBody>
       </p:sp>
       <p:sp>
         <p:nvSpPr>
           <p:cNvPr id="8" name="Google Shape;8;p1"/>
-          <p:cNvSpPr txBox="1">
-            <a:spLocks noGrp="1"/>
+          <p:cNvSpPr>
+            <a:spLocks noGrp="1" noEditPoints="1"/>
           </p:cNvSpPr>
           <p:nvPr>
             <p:ph type="sldNum" idx="12"/>
@@ -5345,11 +5711,11 @@
           </a:ln>
         </p:spPr>
         <p:txBody>
-          <a:bodyPr spcFirstLastPara="1" wrap="square" lIns="91425" tIns="91425" rIns="91425" bIns="91425" anchor="ctr" anchorCtr="0">
+          <a:bodyPr wrap="square" lIns="91425" tIns="91425" rIns="91425" bIns="91425" anchor="ctr">
             <a:normAutofit/>
           </a:bodyPr>
           <a:lstStyle>
-            <a:lvl1pPr lvl="0" algn="r">
+            <a:lvl1pPr algn="r">
               <a:buNone/>
               <a:defRPr sz="1000">
                 <a:solidFill>
@@ -5423,7 +5789,7 @@
             </a:lvl9pPr>
           </a:lstStyle>
           <a:p>
-            <a:pPr marL="0" lvl="0" indent="0" algn="r" rtl="0">
+            <a:pPr marL="0" indent="0" algn="r" rtl="0">
               <a:spcBef>
                 <a:spcPts val="0"/>
               </a:spcBef>
@@ -5436,7 +5802,6 @@
               <a:rPr lang="ru"/>
               <a:t>‹#›</a:t>
             </a:fld>
-            <a:endParaRPr/>
           </a:p>
         </p:txBody>
       </p:sp>
@@ -5444,33 +5809,22 @@
   </p:cSld>
   <p:clrMap bg1="lt1" tx1="dk1" bg2="dk2" tx2="lt2" accent1="accent1" accent2="accent2" accent3="accent3" accent4="accent4" accent5="accent5" accent6="accent6" hlink="hlink" folHlink="folHlink"/>
   <p:sldLayoutIdLst>
-    <p:sldLayoutId id="2147483648" r:id="rId1"/>
-    <p:sldLayoutId id="2147483649" r:id="rId2"/>
-    <p:sldLayoutId id="2147483650" r:id="rId3"/>
-    <p:sldLayoutId id="2147483651" r:id="rId4"/>
-    <p:sldLayoutId id="2147483652" r:id="rId5"/>
-    <p:sldLayoutId id="2147483653" r:id="rId6"/>
-    <p:sldLayoutId id="2147483654" r:id="rId7"/>
-    <p:sldLayoutId id="2147483655" r:id="rId8"/>
-    <p:sldLayoutId id="2147483656" r:id="rId9"/>
-    <p:sldLayoutId id="2147483657" r:id="rId10"/>
-    <p:sldLayoutId id="2147483658" r:id="rId11"/>
+    <p:sldLayoutId id="2147483649" r:id="rId1"/>
+    <p:sldLayoutId id="2147483650" r:id="rId2"/>
+    <p:sldLayoutId id="2147483651" r:id="rId3"/>
+    <p:sldLayoutId id="2147483652" r:id="rId4"/>
+    <p:sldLayoutId id="2147483653" r:id="rId5"/>
+    <p:sldLayoutId id="2147483654" r:id="rId6"/>
+    <p:sldLayoutId id="2147483655" r:id="rId7"/>
+    <p:sldLayoutId id="2147483656" r:id="rId8"/>
+    <p:sldLayoutId id="2147483657" r:id="rId9"/>
+    <p:sldLayoutId id="2147483658" r:id="rId10"/>
+    <p:sldLayoutId id="2147483659" r:id="rId11"/>
   </p:sldLayoutIdLst>
-  <p:hf sldNum="0" hdr="0" ftr="0" dt="0"/>
+  <p:hf dt="0" sldNum="0" hdr="0" ftr="0"/>
   <p:txStyles>
     <p:titleStyle>
-      <a:defPPr marR="0" lvl="0" algn="l" rtl="0">
-        <a:lnSpc>
-          <a:spcPct val="100000"/>
-        </a:lnSpc>
-        <a:spcBef>
-          <a:spcPts val="0"/>
-        </a:spcBef>
-        <a:spcAft>
-          <a:spcPts val="0"/>
-        </a:spcAft>
-      </a:defPPr>
-      <a:lvl1pPr marR="0" lvl="0" algn="l" rtl="0">
+      <a:lvl1pPr marR="0" algn="l" rtl="0">
         <a:lnSpc>
           <a:spcPct val="100000"/>
         </a:lnSpc>
@@ -5494,7 +5848,7 @@
           <a:sym typeface="Arial"/>
         </a:defRPr>
       </a:lvl1pPr>
-      <a:lvl2pPr marR="0" lvl="1" algn="l" rtl="0">
+      <a:lvl2pPr marR="0" algn="l" rtl="0">
         <a:lnSpc>
           <a:spcPct val="100000"/>
         </a:lnSpc>
@@ -5518,7 +5872,7 @@
           <a:sym typeface="Arial"/>
         </a:defRPr>
       </a:lvl2pPr>
-      <a:lvl3pPr marR="0" lvl="2" algn="l" rtl="0">
+      <a:lvl3pPr marR="0" algn="l" rtl="0">
         <a:lnSpc>
           <a:spcPct val="100000"/>
         </a:lnSpc>
@@ -5542,7 +5896,7 @@
           <a:sym typeface="Arial"/>
         </a:defRPr>
       </a:lvl3pPr>
-      <a:lvl4pPr marR="0" lvl="3" algn="l" rtl="0">
+      <a:lvl4pPr marR="0" algn="l" rtl="0">
         <a:lnSpc>
           <a:spcPct val="100000"/>
         </a:lnSpc>
@@ -5566,7 +5920,7 @@
           <a:sym typeface="Arial"/>
         </a:defRPr>
       </a:lvl4pPr>
-      <a:lvl5pPr marR="0" lvl="4" algn="l" rtl="0">
+      <a:lvl5pPr marR="0" algn="l" rtl="0">
         <a:lnSpc>
           <a:spcPct val="100000"/>
         </a:lnSpc>
@@ -5590,7 +5944,7 @@
           <a:sym typeface="Arial"/>
         </a:defRPr>
       </a:lvl5pPr>
-      <a:lvl6pPr marR="0" lvl="5" algn="l" rtl="0">
+      <a:lvl6pPr marR="0" algn="l" rtl="0">
         <a:lnSpc>
           <a:spcPct val="100000"/>
         </a:lnSpc>
@@ -5614,7 +5968,7 @@
           <a:sym typeface="Arial"/>
         </a:defRPr>
       </a:lvl6pPr>
-      <a:lvl7pPr marR="0" lvl="6" algn="l" rtl="0">
+      <a:lvl7pPr marR="0" algn="l" rtl="0">
         <a:lnSpc>
           <a:spcPct val="100000"/>
         </a:lnSpc>
@@ -5638,7 +5992,7 @@
           <a:sym typeface="Arial"/>
         </a:defRPr>
       </a:lvl7pPr>
-      <a:lvl8pPr marR="0" lvl="7" algn="l" rtl="0">
+      <a:lvl8pPr marR="0" algn="l" rtl="0">
         <a:lnSpc>
           <a:spcPct val="100000"/>
         </a:lnSpc>
@@ -5662,7 +6016,7 @@
           <a:sym typeface="Arial"/>
         </a:defRPr>
       </a:lvl8pPr>
-      <a:lvl9pPr marR="0" lvl="8" algn="l" rtl="0">
+      <a:lvl9pPr marR="0" algn="l" rtl="0">
         <a:lnSpc>
           <a:spcPct val="100000"/>
         </a:lnSpc>
@@ -5688,18 +6042,7 @@
       </a:lvl9pPr>
     </p:titleStyle>
     <p:bodyStyle>
-      <a:defPPr marR="0" lvl="0" algn="l" rtl="0">
-        <a:lnSpc>
-          <a:spcPct val="100000"/>
-        </a:lnSpc>
-        <a:spcBef>
-          <a:spcPts val="0"/>
-        </a:spcBef>
-        <a:spcAft>
-          <a:spcPts val="0"/>
-        </a:spcAft>
-      </a:defPPr>
-      <a:lvl1pPr marR="0" lvl="0" algn="l" rtl="0">
+      <a:lvl1pPr marR="0" algn="l" rtl="0">
         <a:lnSpc>
           <a:spcPct val="100000"/>
         </a:lnSpc>
@@ -5723,7 +6066,7 @@
           <a:sym typeface="Arial"/>
         </a:defRPr>
       </a:lvl1pPr>
-      <a:lvl2pPr marR="0" lvl="1" algn="l" rtl="0">
+      <a:lvl2pPr marR="0" algn="l" rtl="0">
         <a:lnSpc>
           <a:spcPct val="100000"/>
         </a:lnSpc>
@@ -5747,7 +6090,7 @@
           <a:sym typeface="Arial"/>
         </a:defRPr>
       </a:lvl2pPr>
-      <a:lvl3pPr marR="0" lvl="2" algn="l" rtl="0">
+      <a:lvl3pPr marR="0" algn="l" rtl="0">
         <a:lnSpc>
           <a:spcPct val="100000"/>
         </a:lnSpc>
@@ -5771,7 +6114,7 @@
           <a:sym typeface="Arial"/>
         </a:defRPr>
       </a:lvl3pPr>
-      <a:lvl4pPr marR="0" lvl="3" algn="l" rtl="0">
+      <a:lvl4pPr marR="0" algn="l" rtl="0">
         <a:lnSpc>
           <a:spcPct val="100000"/>
         </a:lnSpc>
@@ -5795,7 +6138,7 @@
           <a:sym typeface="Arial"/>
         </a:defRPr>
       </a:lvl4pPr>
-      <a:lvl5pPr marR="0" lvl="4" algn="l" rtl="0">
+      <a:lvl5pPr marR="0" algn="l" rtl="0">
         <a:lnSpc>
           <a:spcPct val="100000"/>
         </a:lnSpc>
@@ -5819,7 +6162,7 @@
           <a:sym typeface="Arial"/>
         </a:defRPr>
       </a:lvl5pPr>
-      <a:lvl6pPr marR="0" lvl="5" algn="l" rtl="0">
+      <a:lvl6pPr marR="0" algn="l" rtl="0">
         <a:lnSpc>
           <a:spcPct val="100000"/>
         </a:lnSpc>
@@ -5843,7 +6186,7 @@
           <a:sym typeface="Arial"/>
         </a:defRPr>
       </a:lvl6pPr>
-      <a:lvl7pPr marR="0" lvl="6" algn="l" rtl="0">
+      <a:lvl7pPr marR="0" algn="l" rtl="0">
         <a:lnSpc>
           <a:spcPct val="100000"/>
         </a:lnSpc>
@@ -5867,7 +6210,7 @@
           <a:sym typeface="Arial"/>
         </a:defRPr>
       </a:lvl7pPr>
-      <a:lvl8pPr marR="0" lvl="7" algn="l" rtl="0">
+      <a:lvl8pPr marR="0" algn="l" rtl="0">
         <a:lnSpc>
           <a:spcPct val="100000"/>
         </a:lnSpc>
@@ -5891,7 +6234,7 @@
           <a:sym typeface="Arial"/>
         </a:defRPr>
       </a:lvl8pPr>
-      <a:lvl9pPr marR="0" lvl="8" algn="l" rtl="0">
+      <a:lvl9pPr marR="0" algn="l" rtl="0">
         <a:lnSpc>
           <a:spcPct val="100000"/>
         </a:lnSpc>
@@ -5917,7 +6260,7 @@
       </a:lvl9pPr>
     </p:bodyStyle>
     <p:otherStyle>
-      <a:defPPr marR="0" lvl="0" algn="l" rtl="0">
+      <a:defPPr marR="0" algn="l" rtl="0">
         <a:lnSpc>
           <a:spcPct val="100000"/>
         </a:lnSpc>
@@ -5928,7 +6271,7 @@
           <a:spcPts val="0"/>
         </a:spcAft>
       </a:defPPr>
-      <a:lvl1pPr marR="0" lvl="0" algn="l" rtl="0">
+      <a:lvl1pPr marR="0" algn="l" rtl="0">
         <a:lnSpc>
           <a:spcPct val="100000"/>
         </a:lnSpc>
@@ -5952,7 +6295,7 @@
           <a:sym typeface="Arial"/>
         </a:defRPr>
       </a:lvl1pPr>
-      <a:lvl2pPr marR="0" lvl="1" algn="l" rtl="0">
+      <a:lvl2pPr marR="0" algn="l" rtl="0">
         <a:lnSpc>
           <a:spcPct val="100000"/>
         </a:lnSpc>
@@ -5976,7 +6319,7 @@
           <a:sym typeface="Arial"/>
         </a:defRPr>
       </a:lvl2pPr>
-      <a:lvl3pPr marR="0" lvl="2" algn="l" rtl="0">
+      <a:lvl3pPr marR="0" algn="l" rtl="0">
         <a:lnSpc>
           <a:spcPct val="100000"/>
         </a:lnSpc>
@@ -6000,7 +6343,7 @@
           <a:sym typeface="Arial"/>
         </a:defRPr>
       </a:lvl3pPr>
-      <a:lvl4pPr marR="0" lvl="3" algn="l" rtl="0">
+      <a:lvl4pPr marR="0" algn="l" rtl="0">
         <a:lnSpc>
           <a:spcPct val="100000"/>
         </a:lnSpc>
@@ -6024,7 +6367,7 @@
           <a:sym typeface="Arial"/>
         </a:defRPr>
       </a:lvl4pPr>
-      <a:lvl5pPr marR="0" lvl="4" algn="l" rtl="0">
+      <a:lvl5pPr marR="0" algn="l" rtl="0">
         <a:lnSpc>
           <a:spcPct val="100000"/>
         </a:lnSpc>
@@ -6048,7 +6391,7 @@
           <a:sym typeface="Arial"/>
         </a:defRPr>
       </a:lvl5pPr>
-      <a:lvl6pPr marR="0" lvl="5" algn="l" rtl="0">
+      <a:lvl6pPr marR="0" algn="l" rtl="0">
         <a:lnSpc>
           <a:spcPct val="100000"/>
         </a:lnSpc>
@@ -6072,7 +6415,7 @@
           <a:sym typeface="Arial"/>
         </a:defRPr>
       </a:lvl6pPr>
-      <a:lvl7pPr marR="0" lvl="6" algn="l" rtl="0">
+      <a:lvl7pPr marR="0" algn="l" rtl="0">
         <a:lnSpc>
           <a:spcPct val="100000"/>
         </a:lnSpc>
@@ -6096,7 +6439,7 @@
           <a:sym typeface="Arial"/>
         </a:defRPr>
       </a:lvl7pPr>
-      <a:lvl8pPr marR="0" lvl="7" algn="l" rtl="0">
+      <a:lvl8pPr marR="0" algn="l" rtl="0">
         <a:lnSpc>
           <a:spcPct val="100000"/>
         </a:lnSpc>
@@ -6120,7 +6463,7 @@
           <a:sym typeface="Arial"/>
         </a:defRPr>
       </a:lvl8pPr>
-      <a:lvl9pPr marR="0" lvl="8" algn="l" rtl="0">
+      <a:lvl9pPr marR="0" algn="l" rtl="0">
         <a:lnSpc>
           <a:spcPct val="100000"/>
         </a:lnSpc>
@@ -6154,7 +6497,7 @@
   <p:cSld>
     <p:spTree>
       <p:nvGrpSpPr>
-        <p:cNvPr id="1" name="Shape 53"/>
+        <p:cNvPr id="1" name=""/>
         <p:cNvGrpSpPr/>
         <p:nvPr/>
       </p:nvGrpSpPr>
@@ -6169,8 +6512,8 @@
       <p:sp>
         <p:nvSpPr>
           <p:cNvPr id="54" name="Google Shape;54;p13"/>
-          <p:cNvSpPr txBox="1">
-            <a:spLocks noGrp="1"/>
+          <p:cNvSpPr>
+            <a:spLocks noGrp="1" noEditPoints="1"/>
           </p:cNvSpPr>
           <p:nvPr>
             <p:ph type="ctrTitle"/>
@@ -6186,12 +6529,12 @@
           </a:prstGeom>
         </p:spPr>
         <p:txBody>
-          <a:bodyPr spcFirstLastPara="1" wrap="square" lIns="91425" tIns="91425" rIns="91425" bIns="91425" anchor="b" anchorCtr="0">
+          <a:bodyPr wrap="square" lIns="91425" tIns="91425" rIns="91425" bIns="91425" anchor="b">
             <a:normAutofit/>
           </a:bodyPr>
           <a:lstStyle/>
           <a:p>
-            <a:pPr marL="0" lvl="0" indent="0" algn="ctr" rtl="0">
+            <a:pPr marL="0" indent="0" algn="ctr" rtl="0">
               <a:spcBef>
                 <a:spcPts val="0"/>
               </a:spcBef>
@@ -6200,15 +6543,18 @@
               </a:spcAft>
               <a:buNone/>
             </a:pPr>
-            <a:endParaRPr/>
+            <a:r>
+              <a:rPr lang="ru-RU"/>
+              <a:t>Проект по СИИ </a:t>
+            </a:r>
           </a:p>
         </p:txBody>
       </p:sp>
       <p:sp>
         <p:nvSpPr>
           <p:cNvPr id="55" name="Google Shape;55;p13"/>
-          <p:cNvSpPr txBox="1">
-            <a:spLocks noGrp="1"/>
+          <p:cNvSpPr>
+            <a:spLocks noGrp="1" noEditPoints="1"/>
           </p:cNvSpPr>
           <p:nvPr>
             <p:ph type="subTitle" idx="1"/>
@@ -6217,19 +6563,19 @@
         <p:spPr>
           <a:xfrm>
             <a:off x="311700" y="2834125"/>
-            <a:ext cx="8520600" cy="792600"/>
+            <a:ext cx="8520600" cy="2309375"/>
           </a:xfrm>
           <a:prstGeom prst="rect">
             <a:avLst/>
           </a:prstGeom>
         </p:spPr>
         <p:txBody>
-          <a:bodyPr spcFirstLastPara="1" wrap="square" lIns="91425" tIns="91425" rIns="91425" bIns="91425" anchor="t" anchorCtr="0">
+          <a:bodyPr wrap="square" lIns="91425" tIns="91425" rIns="91425" bIns="91425" anchor="t">
             <a:normAutofit/>
           </a:bodyPr>
           <a:lstStyle/>
           <a:p>
-            <a:pPr marL="0" lvl="0" indent="0" algn="ctr" rtl="0">
+            <a:pPr marL="0" indent="0" algn="r" rtl="0">
               <a:spcBef>
                 <a:spcPts val="0"/>
               </a:spcBef>
@@ -6238,7 +6584,41 @@
               </a:spcAft>
               <a:buNone/>
             </a:pPr>
-            <a:endParaRPr/>
+            <a:r>
+              <a:rPr lang="ru-RU" sz="1400"/>
+              <a:t>Работу выполнили </a:t>
+            </a:r>
+          </a:p>
+          <a:p>
+            <a:pPr marL="0" indent="0" algn="r" rtl="0">
+              <a:spcBef>
+                <a:spcPts val="0"/>
+              </a:spcBef>
+              <a:spcAft>
+                <a:spcPts val="0"/>
+              </a:spcAft>
+              <a:buNone/>
+            </a:pPr>
+            <a:r>
+              <a:rPr lang="ru-RU" sz="1400"/>
+              <a:t>студенты группы ИВТ - 463</a:t>
+            </a:r>
+          </a:p>
+          <a:p>
+            <a:pPr marL="0" indent="0" algn="r" rtl="0">
+              <a:spcBef>
+                <a:spcPts val="0"/>
+              </a:spcBef>
+              <a:spcAft>
+                <a:spcPts val="0"/>
+              </a:spcAft>
+              <a:buNone/>
+            </a:pPr>
+            <a:r>
+              <a:rPr lang="ru-RU" sz="1400"/>
+              <a:t>Карпов А. В.</a:t>
+            </a:r>
+            <a:endParaRPr lang="ru-RU"/>
           </a:p>
         </p:txBody>
       </p:sp>
@@ -6269,13 +6649,32 @@
       </p:grpSpPr>
       <p:pic>
         <p:nvPicPr>
-          <p:cNvPr id="3" name="Рисунок 2" descr="Изображение выглядит как текст, снимок экрана, Шрифт, программное обеспечение&#10;&#10;Содержимое, созданное искусственным интеллектом, может быть неверным.">
-            <a:extLst>
-              <a:ext uri="{FF2B5EF4-FFF2-40B4-BE49-F238E27FC236}">
-                <a16:creationId xmlns:a16="http://schemas.microsoft.com/office/drawing/2014/main" id="{A568E725-5BE9-40D8-E883-F2808C5DDC75}"/>
-              </a:ext>
-            </a:extLst>
-          </p:cNvPr>
+          <p:cNvPr id="3" name="Рисунок 2" descr="Изображение выглядит как текст, снимок экрана&#10;&#10;Содержимое, созданное искусственным интеллектом, может быть неверным."/>
+          <p:cNvPicPr>
+            <a:picLocks noChangeAspect="1"/>
+          </p:cNvPicPr>
+          <p:nvPr/>
+        </p:nvPicPr>
+        <p:blipFill>
+          <a:blip r:embed="rId1"/>
+          <a:srcRect/>
+          <a:stretch>
+            <a:fillRect/>
+          </a:stretch>
+        </p:blipFill>
+        <p:spPr>
+          <a:xfrm>
+            <a:off x="3877416" y="2455228"/>
+            <a:ext cx="5162674" cy="1192633"/>
+          </a:xfrm>
+          <a:prstGeom prst="rect">
+            <a:avLst/>
+          </a:prstGeom>
+        </p:spPr>
+      </p:pic>
+      <p:pic>
+        <p:nvPicPr>
+          <p:cNvPr id="5" name="Рисунок 4" descr="Изображение выглядит как снимок экрана, текст&#10;&#10;Содержимое, созданное искусственным интеллектом, может быть неверным."/>
           <p:cNvPicPr>
             <a:picLocks noChangeAspect="1"/>
           </p:cNvPicPr>
@@ -6283,6 +6682,331 @@
         </p:nvPicPr>
         <p:blipFill>
           <a:blip r:embed="rId2"/>
+          <a:srcRect/>
+          <a:stretch>
+            <a:fillRect/>
+          </a:stretch>
+        </p:blipFill>
+        <p:spPr>
+          <a:xfrm>
+            <a:off x="109681" y="3790657"/>
+            <a:ext cx="4914900" cy="1278642"/>
+          </a:xfrm>
+          <a:prstGeom prst="rect">
+            <a:avLst/>
+          </a:prstGeom>
+        </p:spPr>
+      </p:pic>
+      <p:pic>
+        <p:nvPicPr>
+          <p:cNvPr id="7" name="Рисунок 6" descr="Изображение выглядит как текст, Шрифт, линия, число&#10;&#10;Содержимое, созданное искусственным интеллектом, может быть неверным."/>
+          <p:cNvPicPr>
+            <a:picLocks noChangeAspect="1"/>
+          </p:cNvPicPr>
+          <p:nvPr/>
+        </p:nvPicPr>
+        <p:blipFill>
+          <a:blip r:embed="rId3"/>
+          <a:srcRect/>
+          <a:stretch>
+            <a:fillRect/>
+          </a:stretch>
+        </p:blipFill>
+        <p:spPr>
+          <a:xfrm>
+            <a:off x="2326673" y="480869"/>
+            <a:ext cx="5034088" cy="1831563"/>
+          </a:xfrm>
+          <a:prstGeom prst="rect">
+            <a:avLst/>
+          </a:prstGeom>
+        </p:spPr>
+      </p:pic>
+      <p:sp>
+        <p:nvSpPr>
+          <p:cNvPr id="9" name="Google Shape;78;p17"/>
+          <p:cNvSpPr txBox="1"/>
+          <p:nvPr/>
+        </p:nvSpPr>
+        <p:spPr>
+          <a:xfrm>
+            <a:off x="117737" y="-58121"/>
+            <a:ext cx="8520600" cy="572700"/>
+          </a:xfrm>
+          <a:prstGeom prst="rect">
+            <a:avLst/>
+          </a:prstGeom>
+        </p:spPr>
+        <p:txBody>
+          <a:bodyPr wrap="square" lIns="91425" tIns="91425" rIns="91425" bIns="91425" anchor="t">
+            <a:normAutofit fontScale="97500"/>
+          </a:bodyPr>
+          <a:lstStyle>
+            <a:lvl1pPr marR="0" algn="l" rtl="0">
+              <a:lnSpc>
+                <a:spcPct val="100000"/>
+              </a:lnSpc>
+              <a:spcBef>
+                <a:spcPts val="0"/>
+              </a:spcBef>
+              <a:spcAft>
+                <a:spcPts val="0"/>
+              </a:spcAft>
+              <a:buClr>
+                <a:srgbClr val="000000"/>
+              </a:buClr>
+              <a:buFont typeface="Arial"/>
+              <a:defRPr sz="1400" b="0" i="0" u="none" strike="noStrike" cap="none">
+                <a:solidFill>
+                  <a:srgbClr val="000000"/>
+                </a:solidFill>
+                <a:latin typeface="Arial"/>
+                <a:ea typeface="Arial"/>
+                <a:cs typeface="Arial"/>
+                <a:sym typeface="Arial"/>
+              </a:defRPr>
+            </a:lvl1pPr>
+            <a:lvl2pPr marR="0" lvl="1" algn="l" rtl="0">
+              <a:lnSpc>
+                <a:spcPct val="100000"/>
+              </a:lnSpc>
+              <a:spcBef>
+                <a:spcPts val="0"/>
+              </a:spcBef>
+              <a:spcAft>
+                <a:spcPts val="0"/>
+              </a:spcAft>
+              <a:buClr>
+                <a:srgbClr val="000000"/>
+              </a:buClr>
+              <a:buFont typeface="Arial"/>
+              <a:defRPr sz="1400" b="0" i="0" u="none" strike="noStrike" cap="none">
+                <a:solidFill>
+                  <a:srgbClr val="000000"/>
+                </a:solidFill>
+                <a:latin typeface="Arial"/>
+                <a:ea typeface="Arial"/>
+                <a:cs typeface="Arial"/>
+                <a:sym typeface="Arial"/>
+              </a:defRPr>
+            </a:lvl2pPr>
+            <a:lvl3pPr marR="0" lvl="2" algn="l" rtl="0">
+              <a:lnSpc>
+                <a:spcPct val="100000"/>
+              </a:lnSpc>
+              <a:spcBef>
+                <a:spcPts val="0"/>
+              </a:spcBef>
+              <a:spcAft>
+                <a:spcPts val="0"/>
+              </a:spcAft>
+              <a:buClr>
+                <a:srgbClr val="000000"/>
+              </a:buClr>
+              <a:buFont typeface="Arial"/>
+              <a:defRPr sz="1400" b="0" i="0" u="none" strike="noStrike" cap="none">
+                <a:solidFill>
+                  <a:srgbClr val="000000"/>
+                </a:solidFill>
+                <a:latin typeface="Arial"/>
+                <a:ea typeface="Arial"/>
+                <a:cs typeface="Arial"/>
+                <a:sym typeface="Arial"/>
+              </a:defRPr>
+            </a:lvl3pPr>
+            <a:lvl4pPr marR="0" lvl="3" algn="l" rtl="0">
+              <a:lnSpc>
+                <a:spcPct val="100000"/>
+              </a:lnSpc>
+              <a:spcBef>
+                <a:spcPts val="0"/>
+              </a:spcBef>
+              <a:spcAft>
+                <a:spcPts val="0"/>
+              </a:spcAft>
+              <a:buClr>
+                <a:srgbClr val="000000"/>
+              </a:buClr>
+              <a:buFont typeface="Arial"/>
+              <a:defRPr sz="1400" b="0" i="0" u="none" strike="noStrike" cap="none">
+                <a:solidFill>
+                  <a:srgbClr val="000000"/>
+                </a:solidFill>
+                <a:latin typeface="Arial"/>
+                <a:ea typeface="Arial"/>
+                <a:cs typeface="Arial"/>
+                <a:sym typeface="Arial"/>
+              </a:defRPr>
+            </a:lvl4pPr>
+            <a:lvl5pPr marR="0" lvl="4" algn="l" rtl="0">
+              <a:lnSpc>
+                <a:spcPct val="100000"/>
+              </a:lnSpc>
+              <a:spcBef>
+                <a:spcPts val="0"/>
+              </a:spcBef>
+              <a:spcAft>
+                <a:spcPts val="0"/>
+              </a:spcAft>
+              <a:buClr>
+                <a:srgbClr val="000000"/>
+              </a:buClr>
+              <a:buFont typeface="Arial"/>
+              <a:defRPr sz="1400" b="0" i="0" u="none" strike="noStrike" cap="none">
+                <a:solidFill>
+                  <a:srgbClr val="000000"/>
+                </a:solidFill>
+                <a:latin typeface="Arial"/>
+                <a:ea typeface="Arial"/>
+                <a:cs typeface="Arial"/>
+                <a:sym typeface="Arial"/>
+              </a:defRPr>
+            </a:lvl5pPr>
+            <a:lvl6pPr marR="0" lvl="5" algn="l" rtl="0">
+              <a:lnSpc>
+                <a:spcPct val="100000"/>
+              </a:lnSpc>
+              <a:spcBef>
+                <a:spcPts val="0"/>
+              </a:spcBef>
+              <a:spcAft>
+                <a:spcPts val="0"/>
+              </a:spcAft>
+              <a:buClr>
+                <a:srgbClr val="000000"/>
+              </a:buClr>
+              <a:buFont typeface="Arial"/>
+              <a:defRPr sz="1400" b="0" i="0" u="none" strike="noStrike" cap="none">
+                <a:solidFill>
+                  <a:srgbClr val="000000"/>
+                </a:solidFill>
+                <a:latin typeface="Arial"/>
+                <a:ea typeface="Arial"/>
+                <a:cs typeface="Arial"/>
+                <a:sym typeface="Arial"/>
+              </a:defRPr>
+            </a:lvl6pPr>
+            <a:lvl7pPr marR="0" lvl="6" algn="l" rtl="0">
+              <a:lnSpc>
+                <a:spcPct val="100000"/>
+              </a:lnSpc>
+              <a:spcBef>
+                <a:spcPts val="0"/>
+              </a:spcBef>
+              <a:spcAft>
+                <a:spcPts val="0"/>
+              </a:spcAft>
+              <a:buClr>
+                <a:srgbClr val="000000"/>
+              </a:buClr>
+              <a:buFont typeface="Arial"/>
+              <a:defRPr sz="1400" b="0" i="0" u="none" strike="noStrike" cap="none">
+                <a:solidFill>
+                  <a:srgbClr val="000000"/>
+                </a:solidFill>
+                <a:latin typeface="Arial"/>
+                <a:ea typeface="Arial"/>
+                <a:cs typeface="Arial"/>
+                <a:sym typeface="Arial"/>
+              </a:defRPr>
+            </a:lvl7pPr>
+            <a:lvl8pPr marR="0" lvl="7" algn="l" rtl="0">
+              <a:lnSpc>
+                <a:spcPct val="100000"/>
+              </a:lnSpc>
+              <a:spcBef>
+                <a:spcPts val="0"/>
+              </a:spcBef>
+              <a:spcAft>
+                <a:spcPts val="0"/>
+              </a:spcAft>
+              <a:buClr>
+                <a:srgbClr val="000000"/>
+              </a:buClr>
+              <a:buFont typeface="Arial"/>
+              <a:defRPr sz="1400" b="0" i="0" u="none" strike="noStrike" cap="none">
+                <a:solidFill>
+                  <a:srgbClr val="000000"/>
+                </a:solidFill>
+                <a:latin typeface="Arial"/>
+                <a:ea typeface="Arial"/>
+                <a:cs typeface="Arial"/>
+                <a:sym typeface="Arial"/>
+              </a:defRPr>
+            </a:lvl8pPr>
+            <a:lvl9pPr marR="0" lvl="8" algn="l" rtl="0">
+              <a:lnSpc>
+                <a:spcPct val="100000"/>
+              </a:lnSpc>
+              <a:spcBef>
+                <a:spcPts val="0"/>
+              </a:spcBef>
+              <a:spcAft>
+                <a:spcPts val="0"/>
+              </a:spcAft>
+              <a:buClr>
+                <a:srgbClr val="000000"/>
+              </a:buClr>
+              <a:buFont typeface="Arial"/>
+              <a:defRPr sz="1400" b="0" i="0" u="none" strike="noStrike" cap="none">
+                <a:solidFill>
+                  <a:srgbClr val="000000"/>
+                </a:solidFill>
+                <a:latin typeface="Arial"/>
+                <a:ea typeface="Arial"/>
+                <a:cs typeface="Arial"/>
+                <a:sym typeface="Arial"/>
+              </a:defRPr>
+            </a:lvl9pPr>
+          </a:lstStyle>
+          <a:p>
+            <a:r>
+              <a:rPr lang="en-US" sz="2400" dirty="0">
+                <a:solidFill>
+                  <a:schemeClr val="tx1"/>
+                </a:solidFill>
+              </a:rPr>
+              <a:t>CI/CD</a:t>
+            </a:r>
+          </a:p>
+        </p:txBody>
+      </p:sp>
+    </p:spTree>
+  </p:cSld>
+  <p:clrMapOvr>
+    <a:masterClrMapping/>
+  </p:clrMapOvr>
+</p:sld>
+</file>
+
+<file path=ppt/slides/slide11.xml><?xml version="1.0" encoding="utf-8"?>
+<p:sld xmlns:a="http://schemas.openxmlformats.org/drawingml/2006/main" xmlns:r="http://schemas.openxmlformats.org/officeDocument/2006/relationships" xmlns:p="http://schemas.openxmlformats.org/presentationml/2006/main">
+  <p:cSld>
+    <p:spTree>
+      <p:nvGrpSpPr>
+        <p:cNvPr id="1" name=""/>
+        <p:cNvGrpSpPr/>
+        <p:nvPr/>
+      </p:nvGrpSpPr>
+      <p:grpSpPr>
+        <a:xfrm>
+          <a:off x="0" y="0"/>
+          <a:ext cx="0" cy="0"/>
+          <a:chOff x="0" y="0"/>
+          <a:chExt cx="0" cy="0"/>
+        </a:xfrm>
+      </p:grpSpPr>
+      <p:pic>
+        <p:nvPicPr>
+          <p:cNvPr id="3" name="Рисунок 2" descr="Изображение выглядит как текст, снимок экрана, Шрифт, программное обеспечение&#10;&#10;Содержимое, созданное искусственным интеллектом, может быть неверным."/>
+          <p:cNvPicPr>
+            <a:picLocks noChangeAspect="1"/>
+          </p:cNvPicPr>
+          <p:nvPr/>
+        </p:nvPicPr>
+        <p:blipFill>
+          <a:blip r:embed="rId1"/>
+          <a:srcRect/>
           <a:stretch>
             <a:fillRect/>
           </a:stretch>
@@ -6299,20 +7023,15 @@
       </p:pic>
       <p:pic>
         <p:nvPicPr>
-          <p:cNvPr id="5" name="Рисунок 4" descr="Изображение выглядит как текст, Шрифт, снимок экрана, дизайн&#10;&#10;Содержимое, созданное искусственным интеллектом, может быть неверным.">
-            <a:extLst>
-              <a:ext uri="{FF2B5EF4-FFF2-40B4-BE49-F238E27FC236}">
-                <a16:creationId xmlns:a16="http://schemas.microsoft.com/office/drawing/2014/main" id="{3EDF662D-A6D4-8787-5B8F-1F8168B9B1C7}"/>
-              </a:ext>
-            </a:extLst>
-          </p:cNvPr>
+          <p:cNvPr id="5" name="Рисунок 4" descr="Изображение выглядит как текст, Шрифт, снимок экрана, дизайн&#10;&#10;Содержимое, созданное искусственным интеллектом, может быть неверным."/>
           <p:cNvPicPr>
             <a:picLocks noChangeAspect="1"/>
           </p:cNvPicPr>
           <p:nvPr/>
         </p:nvPicPr>
         <p:blipFill>
-          <a:blip r:embed="rId3"/>
+          <a:blip r:embed="rId2"/>
+          <a:srcRect/>
           <a:stretch>
             <a:fillRect/>
           </a:stretch>
@@ -6329,16 +7048,8 @@
       </p:pic>
       <p:sp>
         <p:nvSpPr>
-          <p:cNvPr id="6" name="Google Shape;78;p17">
-            <a:extLst>
-              <a:ext uri="{FF2B5EF4-FFF2-40B4-BE49-F238E27FC236}">
-                <a16:creationId xmlns:a16="http://schemas.microsoft.com/office/drawing/2014/main" id="{03DF9C69-45B3-55AB-7596-BC497BED2CF5}"/>
-              </a:ext>
-            </a:extLst>
-          </p:cNvPr>
-          <p:cNvSpPr txBox="1">
-            <a:spLocks/>
-          </p:cNvSpPr>
+          <p:cNvPr id="6" name="Google Shape;78;p17"/>
+          <p:cNvSpPr txBox="1"/>
           <p:nvPr/>
         </p:nvSpPr>
         <p:spPr>
@@ -6351,22 +7062,11 @@
           </a:prstGeom>
         </p:spPr>
         <p:txBody>
-          <a:bodyPr spcFirstLastPara="1" wrap="square" lIns="91425" tIns="91425" rIns="91425" bIns="91425" anchor="t" anchorCtr="0">
+          <a:bodyPr wrap="square" lIns="91425" tIns="91425" rIns="91425" bIns="91425" anchor="t">
             <a:normAutofit fontScale="97500"/>
           </a:bodyPr>
           <a:lstStyle>
-            <a:defPPr marR="0" lvl="0" algn="l" rtl="0">
-              <a:lnSpc>
-                <a:spcPct val="100000"/>
-              </a:lnSpc>
-              <a:spcBef>
-                <a:spcPts val="0"/>
-              </a:spcBef>
-              <a:spcAft>
-                <a:spcPts val="0"/>
-              </a:spcAft>
-            </a:defPPr>
-            <a:lvl1pPr marR="0" lvl="0" algn="l" rtl="0">
+            <a:lvl1pPr marR="0" algn="l" rtl="0">
               <a:lnSpc>
                 <a:spcPct val="100000"/>
               </a:lnSpc>
@@ -6596,11 +7296,6 @@
         </p:txBody>
       </p:sp>
     </p:spTree>
-    <p:extLst>
-      <p:ext uri="{BB962C8B-B14F-4D97-AF65-F5344CB8AC3E}">
-        <p14:creationId xmlns:p14="http://schemas.microsoft.com/office/powerpoint/2010/main" val="632541805"/>
-      </p:ext>
-    </p:extLst>
   </p:cSld>
   <p:clrMapOvr>
     <a:masterClrMapping/>
@@ -6608,7 +7303,7 @@
 </p:sld>
 </file>
 
-<file path=ppt/slides/slide11.xml><?xml version="1.0" encoding="utf-8"?>
+<file path=ppt/slides/slide12.xml><?xml version="1.0" encoding="utf-8"?>
 <p:sld xmlns:a="http://schemas.openxmlformats.org/drawingml/2006/main" xmlns:r="http://schemas.openxmlformats.org/officeDocument/2006/relationships" xmlns:p="http://schemas.openxmlformats.org/presentationml/2006/main">
   <p:cSld>
     <p:spTree>
@@ -6627,20 +7322,15 @@
       </p:grpSpPr>
       <p:pic>
         <p:nvPicPr>
-          <p:cNvPr id="3" name="Рисунок 2" descr="Изображение выглядит как снимок экрана, Мультимедийное программное обеспечение, программное обеспечение, Графическое программное обеспечение&#10;&#10;Содержимое, созданное искусственным интеллектом, может быть неверным.">
-            <a:extLst>
-              <a:ext uri="{FF2B5EF4-FFF2-40B4-BE49-F238E27FC236}">
-                <a16:creationId xmlns:a16="http://schemas.microsoft.com/office/drawing/2014/main" id="{8C78AFB2-1350-EDDE-8220-8B23C9E81561}"/>
-              </a:ext>
-            </a:extLst>
-          </p:cNvPr>
+          <p:cNvPr id="3" name="Рисунок 2" descr="Изображение выглядит как снимок экрана, Мультимедийное программное обеспечение, программное обеспечение, Графическое программное обеспечение&#10;&#10;Содержимое, созданное искусственным интеллектом, может быть неверным."/>
           <p:cNvPicPr>
             <a:picLocks noChangeAspect="1"/>
           </p:cNvPicPr>
           <p:nvPr/>
         </p:nvPicPr>
         <p:blipFill>
-          <a:blip r:embed="rId2"/>
+          <a:blip r:embed="rId1"/>
+          <a:srcRect/>
           <a:stretch>
             <a:fillRect/>
           </a:stretch>
@@ -6657,16 +7347,8 @@
       </p:pic>
       <p:sp>
         <p:nvSpPr>
-          <p:cNvPr id="4" name="Google Shape;78;p17">
-            <a:extLst>
-              <a:ext uri="{FF2B5EF4-FFF2-40B4-BE49-F238E27FC236}">
-                <a16:creationId xmlns:a16="http://schemas.microsoft.com/office/drawing/2014/main" id="{FD20E1A3-4B65-6A86-1D72-09AD3D2AABA7}"/>
-              </a:ext>
-            </a:extLst>
-          </p:cNvPr>
-          <p:cNvSpPr txBox="1">
-            <a:spLocks/>
-          </p:cNvSpPr>
+          <p:cNvPr id="4" name="Google Shape;78;p17"/>
+          <p:cNvSpPr txBox="1"/>
           <p:nvPr/>
         </p:nvSpPr>
         <p:spPr>
@@ -6679,22 +7361,11 @@
           </a:prstGeom>
         </p:spPr>
         <p:txBody>
-          <a:bodyPr spcFirstLastPara="1" wrap="square" lIns="91425" tIns="91425" rIns="91425" bIns="91425" anchor="t" anchorCtr="0">
+          <a:bodyPr wrap="square" lIns="91425" tIns="91425" rIns="91425" bIns="91425" anchor="t">
             <a:normAutofit fontScale="97500"/>
           </a:bodyPr>
           <a:lstStyle>
-            <a:defPPr marR="0" lvl="0" algn="l" rtl="0">
-              <a:lnSpc>
-                <a:spcPct val="100000"/>
-              </a:lnSpc>
-              <a:spcBef>
-                <a:spcPts val="0"/>
-              </a:spcBef>
-              <a:spcAft>
-                <a:spcPts val="0"/>
-              </a:spcAft>
-            </a:defPPr>
-            <a:lvl1pPr marR="0" lvl="0" algn="l" rtl="0">
+            <a:lvl1pPr marR="0" algn="l" rtl="0">
               <a:lnSpc>
                 <a:spcPct val="100000"/>
               </a:lnSpc>
@@ -6924,11 +7595,6 @@
         </p:txBody>
       </p:sp>
     </p:spTree>
-    <p:extLst>
-      <p:ext uri="{BB962C8B-B14F-4D97-AF65-F5344CB8AC3E}">
-        <p14:creationId xmlns:p14="http://schemas.microsoft.com/office/powerpoint/2010/main" val="3439967646"/>
-      </p:ext>
-    </p:extLst>
   </p:cSld>
   <p:clrMapOvr>
     <a:masterClrMapping/>
@@ -6936,7 +7602,7 @@
 </p:sld>
 </file>
 
-<file path=ppt/slides/slide12.xml><?xml version="1.0" encoding="utf-8"?>
+<file path=ppt/slides/slide13.xml><?xml version="1.0" encoding="utf-8"?>
 <p:sld xmlns:a="http://schemas.openxmlformats.org/drawingml/2006/main" xmlns:r="http://schemas.openxmlformats.org/officeDocument/2006/relationships" xmlns:p="http://schemas.openxmlformats.org/presentationml/2006/main">
   <p:cSld>
     <p:spTree>
@@ -6955,20 +7621,15 @@
       </p:grpSpPr>
       <p:pic>
         <p:nvPicPr>
-          <p:cNvPr id="3" name="Рисунок 2" descr="Изображение выглядит как снимок экрана, Графическое программное обеспечение, Мультимедийное программное обеспечение, 3D-моделирование&#10;&#10;Содержимое, созданное искусственным интеллектом, может быть неверным.">
-            <a:extLst>
-              <a:ext uri="{FF2B5EF4-FFF2-40B4-BE49-F238E27FC236}">
-                <a16:creationId xmlns:a16="http://schemas.microsoft.com/office/drawing/2014/main" id="{1AFA6558-5773-3BD5-756B-B4D32A956C86}"/>
-              </a:ext>
-            </a:extLst>
-          </p:cNvPr>
+          <p:cNvPr id="3" name="Рисунок 2" descr="Изображение выглядит как снимок экрана, Графическое программное обеспечение, Мультимедийное программное обеспечение, 3D-моделирование&#10;&#10;Содержимое, созданное искусственным интеллектом, может быть неверным."/>
           <p:cNvPicPr>
             <a:picLocks noChangeAspect="1"/>
           </p:cNvPicPr>
           <p:nvPr/>
         </p:nvPicPr>
         <p:blipFill>
-          <a:blip r:embed="rId2"/>
+          <a:blip r:embed="rId1"/>
+          <a:srcRect/>
           <a:stretch>
             <a:fillRect/>
           </a:stretch>
@@ -6985,16 +7646,8 @@
       </p:pic>
       <p:sp>
         <p:nvSpPr>
-          <p:cNvPr id="4" name="Google Shape;78;p17">
-            <a:extLst>
-              <a:ext uri="{FF2B5EF4-FFF2-40B4-BE49-F238E27FC236}">
-                <a16:creationId xmlns:a16="http://schemas.microsoft.com/office/drawing/2014/main" id="{5BD10F1A-292B-99C2-9910-FE4545FEF8E3}"/>
-              </a:ext>
-            </a:extLst>
-          </p:cNvPr>
-          <p:cNvSpPr txBox="1">
-            <a:spLocks/>
-          </p:cNvSpPr>
+          <p:cNvPr id="4" name="Google Shape;78;p17"/>
+          <p:cNvSpPr txBox="1"/>
           <p:nvPr/>
         </p:nvSpPr>
         <p:spPr>
@@ -7007,22 +7660,11 @@
           </a:prstGeom>
         </p:spPr>
         <p:txBody>
-          <a:bodyPr spcFirstLastPara="1" wrap="square" lIns="91425" tIns="91425" rIns="91425" bIns="91425" anchor="t" anchorCtr="0">
+          <a:bodyPr wrap="square" lIns="91425" tIns="91425" rIns="91425" bIns="91425" anchor="t">
             <a:normAutofit fontScale="97500"/>
           </a:bodyPr>
           <a:lstStyle>
-            <a:defPPr marR="0" lvl="0" algn="l" rtl="0">
-              <a:lnSpc>
-                <a:spcPct val="100000"/>
-              </a:lnSpc>
-              <a:spcBef>
-                <a:spcPts val="0"/>
-              </a:spcBef>
-              <a:spcAft>
-                <a:spcPts val="0"/>
-              </a:spcAft>
-            </a:defPPr>
-            <a:lvl1pPr marR="0" lvl="0" algn="l" rtl="0">
+            <a:lvl1pPr marR="0" algn="l" rtl="0">
               <a:lnSpc>
                 <a:spcPct val="100000"/>
               </a:lnSpc>
@@ -7252,11 +7894,6 @@
         </p:txBody>
       </p:sp>
     </p:spTree>
-    <p:extLst>
-      <p:ext uri="{BB962C8B-B14F-4D97-AF65-F5344CB8AC3E}">
-        <p14:creationId xmlns:p14="http://schemas.microsoft.com/office/powerpoint/2010/main" val="365923635"/>
-      </p:ext>
-    </p:extLst>
   </p:cSld>
   <p:clrMapOvr>
     <a:masterClrMapping/>
@@ -7264,7 +7901,7 @@
 </p:sld>
 </file>
 
-<file path=ppt/slides/slide13.xml><?xml version="1.0" encoding="utf-8"?>
+<file path=ppt/slides/slide14.xml><?xml version="1.0" encoding="utf-8"?>
 <p:sld xmlns:a="http://schemas.openxmlformats.org/drawingml/2006/main" xmlns:r="http://schemas.openxmlformats.org/officeDocument/2006/relationships" xmlns:p="http://schemas.openxmlformats.org/presentationml/2006/main">
   <p:cSld>
     <p:spTree>
@@ -7283,20 +7920,15 @@
       </p:grpSpPr>
       <p:pic>
         <p:nvPicPr>
-          <p:cNvPr id="3" name="Рисунок 2" descr="Изображение выглядит как текст, снимок экрана, Шрифт, число&#10;&#10;Содержимое, созданное искусственным интеллектом, может быть неверным.">
-            <a:extLst>
-              <a:ext uri="{FF2B5EF4-FFF2-40B4-BE49-F238E27FC236}">
-                <a16:creationId xmlns:a16="http://schemas.microsoft.com/office/drawing/2014/main" id="{0AD6081F-FCC4-0F42-4411-7C294BCDE065}"/>
-              </a:ext>
-            </a:extLst>
-          </p:cNvPr>
+          <p:cNvPr id="3" name="Рисунок 2" descr="Изображение выглядит как текст, снимок экрана, Шрифт, число&#10;&#10;Содержимое, созданное искусственным интеллектом, может быть неверным."/>
           <p:cNvPicPr>
             <a:picLocks noChangeAspect="1"/>
           </p:cNvPicPr>
           <p:nvPr/>
         </p:nvPicPr>
         <p:blipFill>
-          <a:blip r:embed="rId2"/>
+          <a:blip r:embed="rId1"/>
+          <a:srcRect/>
           <a:stretch>
             <a:fillRect/>
           </a:stretch>
@@ -7313,16 +7945,8 @@
       </p:pic>
       <p:sp>
         <p:nvSpPr>
-          <p:cNvPr id="4" name="Google Shape;78;p17">
-            <a:extLst>
-              <a:ext uri="{FF2B5EF4-FFF2-40B4-BE49-F238E27FC236}">
-                <a16:creationId xmlns:a16="http://schemas.microsoft.com/office/drawing/2014/main" id="{74F4C5F5-7B0E-B140-9A2F-CA30841B5C49}"/>
-              </a:ext>
-            </a:extLst>
-          </p:cNvPr>
-          <p:cNvSpPr txBox="1">
-            <a:spLocks/>
-          </p:cNvSpPr>
+          <p:cNvPr id="4" name="Google Shape;78;p17"/>
+          <p:cNvSpPr txBox="1"/>
           <p:nvPr/>
         </p:nvSpPr>
         <p:spPr>
@@ -7335,22 +7959,11 @@
           </a:prstGeom>
         </p:spPr>
         <p:txBody>
-          <a:bodyPr spcFirstLastPara="1" wrap="square" lIns="91425" tIns="91425" rIns="91425" bIns="91425" anchor="t" anchorCtr="0">
+          <a:bodyPr wrap="square" lIns="91425" tIns="91425" rIns="91425" bIns="91425" anchor="t">
             <a:normAutofit fontScale="97500"/>
           </a:bodyPr>
           <a:lstStyle>
-            <a:defPPr marR="0" lvl="0" algn="l" rtl="0">
-              <a:lnSpc>
-                <a:spcPct val="100000"/>
-              </a:lnSpc>
-              <a:spcBef>
-                <a:spcPts val="0"/>
-              </a:spcBef>
-              <a:spcAft>
-                <a:spcPts val="0"/>
-              </a:spcAft>
-            </a:defPPr>
-            <a:lvl1pPr marR="0" lvl="0" algn="l" rtl="0">
+            <a:lvl1pPr marR="0" algn="l" rtl="0">
               <a:lnSpc>
                 <a:spcPct val="100000"/>
               </a:lnSpc>
@@ -7585,11 +8198,6 @@
         </p:txBody>
       </p:sp>
     </p:spTree>
-    <p:extLst>
-      <p:ext uri="{BB962C8B-B14F-4D97-AF65-F5344CB8AC3E}">
-        <p14:creationId xmlns:p14="http://schemas.microsoft.com/office/powerpoint/2010/main" val="3869933698"/>
-      </p:ext>
-    </p:extLst>
   </p:cSld>
   <p:clrMapOvr>
     <a:masterClrMapping/>
@@ -7602,7 +8210,7 @@
   <p:cSld>
     <p:spTree>
       <p:nvGrpSpPr>
-        <p:cNvPr id="1" name="Shape 59"/>
+        <p:cNvPr id="1" name=""/>
         <p:cNvGrpSpPr/>
         <p:nvPr/>
       </p:nvGrpSpPr>
@@ -7617,8 +8225,8 @@
       <p:sp>
         <p:nvSpPr>
           <p:cNvPr id="60" name="Google Shape;60;p14"/>
-          <p:cNvSpPr txBox="1">
-            <a:spLocks noGrp="1"/>
+          <p:cNvSpPr>
+            <a:spLocks noGrp="1" noEditPoints="1"/>
           </p:cNvSpPr>
           <p:nvPr>
             <p:ph type="title"/>
@@ -7634,12 +8242,12 @@
           </a:prstGeom>
         </p:spPr>
         <p:txBody>
-          <a:bodyPr spcFirstLastPara="1" wrap="square" lIns="91425" tIns="91425" rIns="91425" bIns="91425" anchor="t" anchorCtr="0">
+          <a:bodyPr wrap="square" lIns="91425" tIns="91425" rIns="91425" bIns="91425" anchor="t">
             <a:normAutofit fontScale="90000"/>
           </a:bodyPr>
           <a:lstStyle/>
           <a:p>
-            <a:pPr marL="0" lvl="0" indent="0" algn="l" rtl="0">
+            <a:pPr marL="0" indent="0" algn="l" rtl="0">
               <a:spcBef>
                 <a:spcPts val="0"/>
               </a:spcBef>
@@ -7652,15 +8260,14 @@
               <a:rPr lang="ru"/>
               <a:t>Целевая аудитория</a:t>
             </a:r>
-            <a:endParaRPr/>
           </a:p>
         </p:txBody>
       </p:sp>
       <p:sp>
         <p:nvSpPr>
           <p:cNvPr id="61" name="Google Shape;61;p14"/>
-          <p:cNvSpPr txBox="1">
-            <a:spLocks noGrp="1"/>
+          <p:cNvSpPr>
+            <a:spLocks noGrp="1" noEditPoints="1"/>
           </p:cNvSpPr>
           <p:nvPr>
             <p:ph type="body" idx="1"/>
@@ -7676,12 +8283,12 @@
           </a:prstGeom>
         </p:spPr>
         <p:txBody>
-          <a:bodyPr spcFirstLastPara="1" wrap="square" lIns="91425" tIns="91425" rIns="91425" bIns="91425" anchor="t" anchorCtr="0">
+          <a:bodyPr wrap="square" lIns="91425" tIns="91425" rIns="91425" bIns="91425" anchor="t">
             <a:normAutofit/>
           </a:bodyPr>
           <a:lstStyle/>
           <a:p>
-            <a:pPr marL="0" lvl="0" indent="0" algn="l" rtl="0">
+            <a:pPr marL="0" indent="0" algn="l" rtl="0">
               <a:spcBef>
                 <a:spcPts val="0"/>
               </a:spcBef>
@@ -7694,10 +8301,9 @@
               <a:rPr lang="ru"/>
               <a:t>Люди среднего возраста (35-55 лет, испытывают проблемы со сном из-за изменения биоритмов)</a:t>
             </a:r>
-            <a:endParaRPr/>
           </a:p>
           <a:p>
-            <a:pPr marL="0" lvl="0" indent="0" algn="l" rtl="0">
+            <a:pPr marL="0" indent="0" algn="l" rtl="0">
               <a:spcBef>
                 <a:spcPts val="1200"/>
               </a:spcBef>
@@ -7710,10 +8316,9 @@
               <a:rPr lang="ru"/>
               <a:t>Пожилые люди (60+ лет, качество сна ухудшается с возрастом)</a:t>
             </a:r>
-            <a:endParaRPr/>
           </a:p>
           <a:p>
-            <a:pPr marL="0" lvl="0" indent="0" algn="l" rtl="0">
+            <a:pPr marL="0" indent="0" algn="l" rtl="0">
               <a:spcBef>
                 <a:spcPts val="1200"/>
               </a:spcBef>
@@ -7726,10 +8331,9 @@
               <a:rPr lang="ru"/>
               <a:t>Спортивные люди (20-50 лет, хотят оптимизировать циклы сна для восстановления после тренировок)</a:t>
             </a:r>
-            <a:endParaRPr/>
           </a:p>
           <a:p>
-            <a:pPr marL="0" lvl="0" indent="0" algn="l" rtl="0">
+            <a:pPr marL="0" indent="0" algn="l" rtl="0">
               <a:spcBef>
                 <a:spcPts val="1200"/>
               </a:spcBef>
@@ -7738,7 +8342,6 @@
               </a:spcAft>
               <a:buNone/>
             </a:pPr>
-            <a:endParaRPr/>
           </a:p>
         </p:txBody>
       </p:sp>
@@ -7755,7 +8358,7 @@
   <p:cSld>
     <p:spTree>
       <p:nvGrpSpPr>
-        <p:cNvPr id="1" name="Shape 65"/>
+        <p:cNvPr id="1" name=""/>
         <p:cNvGrpSpPr/>
         <p:nvPr/>
       </p:nvGrpSpPr>
@@ -7770,8 +8373,8 @@
       <p:sp>
         <p:nvSpPr>
           <p:cNvPr id="66" name="Google Shape;66;p15"/>
-          <p:cNvSpPr txBox="1">
-            <a:spLocks noGrp="1"/>
+          <p:cNvSpPr>
+            <a:spLocks noGrp="1" noEditPoints="1"/>
           </p:cNvSpPr>
           <p:nvPr>
             <p:ph type="title"/>
@@ -7787,12 +8390,12 @@
           </a:prstGeom>
         </p:spPr>
         <p:txBody>
-          <a:bodyPr spcFirstLastPara="1" wrap="square" lIns="91425" tIns="91425" rIns="91425" bIns="91425" anchor="t" anchorCtr="0">
+          <a:bodyPr wrap="square" lIns="91425" tIns="91425" rIns="91425" bIns="91425" anchor="t">
             <a:normAutofit fontScale="90000"/>
           </a:bodyPr>
           <a:lstStyle/>
           <a:p>
-            <a:pPr marL="0" lvl="0" indent="0" algn="l" rtl="0">
+            <a:pPr marL="0" indent="0" algn="l" rtl="0">
               <a:spcBef>
                 <a:spcPts val="0"/>
               </a:spcBef>
@@ -7805,15 +8408,14 @@
               <a:rPr lang="ru"/>
               <a:t>Проблема, которую мы решаем</a:t>
             </a:r>
-            <a:endParaRPr/>
           </a:p>
         </p:txBody>
       </p:sp>
       <p:sp>
         <p:nvSpPr>
           <p:cNvPr id="67" name="Google Shape;67;p15"/>
-          <p:cNvSpPr txBox="1">
-            <a:spLocks noGrp="1"/>
+          <p:cNvSpPr>
+            <a:spLocks noGrp="1" noEditPoints="1"/>
           </p:cNvSpPr>
           <p:nvPr>
             <p:ph type="body" idx="1"/>
@@ -7829,12 +8431,12 @@
           </a:prstGeom>
         </p:spPr>
         <p:txBody>
-          <a:bodyPr spcFirstLastPara="1" wrap="square" lIns="91425" tIns="91425" rIns="91425" bIns="91425" anchor="t" anchorCtr="0">
+          <a:bodyPr wrap="square" lIns="91425" tIns="91425" rIns="91425" bIns="91425" anchor="t">
             <a:normAutofit/>
           </a:bodyPr>
           <a:lstStyle/>
           <a:p>
-            <a:pPr marL="0" lvl="0" indent="0" algn="l" rtl="0">
+            <a:pPr marL="0" indent="0" algn="l" rtl="0">
               <a:spcBef>
                 <a:spcPts val="0"/>
               </a:spcBef>
@@ -7847,10 +8449,9 @@
               <a:rPr lang="ru"/>
               <a:t>"40% взрослых людей по всему миру страдают от нарушений сна, но только 10% обращаются за профессиональной помощью"</a:t>
             </a:r>
-            <a:endParaRPr/>
           </a:p>
           <a:p>
-            <a:pPr marL="0" lvl="0" indent="0" algn="l" rtl="0">
+            <a:pPr marL="0" indent="0" algn="l" rtl="0">
               <a:spcBef>
                 <a:spcPts val="1200"/>
               </a:spcBef>
@@ -7863,10 +8464,9 @@
               <a:rPr lang="ru"/>
               <a:t>Люди тратят 7-9 часов в сутки на сон, но не понимают его качества</a:t>
             </a:r>
-            <a:endParaRPr/>
           </a:p>
           <a:p>
-            <a:pPr marL="0" lvl="0" indent="0" algn="l" rtl="0">
+            <a:pPr marL="0" indent="0" algn="l" rtl="0">
               <a:spcBef>
                 <a:spcPts val="1200"/>
               </a:spcBef>
@@ -7879,10 +8479,9 @@
               <a:rPr lang="ru"/>
               <a:t>Существующие трекеры показывают только "сколько", но не "насколько хорошо"</a:t>
             </a:r>
-            <a:endParaRPr/>
           </a:p>
           <a:p>
-            <a:pPr marL="0" lvl="0" indent="0" algn="l" rtl="0">
+            <a:pPr marL="0" indent="0" algn="l" rtl="0">
               <a:spcBef>
                 <a:spcPts val="1200"/>
               </a:spcBef>
@@ -7895,10 +8494,9 @@
               <a:rPr lang="ru"/>
               <a:t>Отсутствие персонализированных, научно-обоснованных рекомендаций</a:t>
             </a:r>
-            <a:endParaRPr/>
           </a:p>
           <a:p>
-            <a:pPr marL="0" lvl="0" indent="0" algn="l" rtl="0">
+            <a:pPr marL="0" indent="0" algn="l" rtl="0">
               <a:spcBef>
                 <a:spcPts val="1200"/>
               </a:spcBef>
@@ -7907,7 +8505,6 @@
               </a:spcAft>
               <a:buNone/>
             </a:pPr>
-            <a:endParaRPr/>
           </a:p>
         </p:txBody>
       </p:sp>
@@ -7924,7 +8521,7 @@
   <p:cSld>
     <p:spTree>
       <p:nvGrpSpPr>
-        <p:cNvPr id="1" name="Shape 71"/>
+        <p:cNvPr id="1" name=""/>
         <p:cNvGrpSpPr/>
         <p:nvPr/>
       </p:nvGrpSpPr>
@@ -7939,8 +8536,8 @@
       <p:sp>
         <p:nvSpPr>
           <p:cNvPr id="72" name="Google Shape;72;p16"/>
-          <p:cNvSpPr txBox="1">
-            <a:spLocks noGrp="1"/>
+          <p:cNvSpPr>
+            <a:spLocks noGrp="1" noEditPoints="1"/>
           </p:cNvSpPr>
           <p:nvPr>
             <p:ph type="title"/>
@@ -7956,12 +8553,12 @@
           </a:prstGeom>
         </p:spPr>
         <p:txBody>
-          <a:bodyPr spcFirstLastPara="1" wrap="square" lIns="91425" tIns="91425" rIns="91425" bIns="91425" anchor="t" anchorCtr="0">
+          <a:bodyPr wrap="square" lIns="91425" tIns="91425" rIns="91425" bIns="91425" anchor="t">
             <a:normAutofit fontScale="90000"/>
           </a:bodyPr>
           <a:lstStyle/>
           <a:p>
-            <a:pPr marL="0" lvl="0" indent="0" algn="l" rtl="0">
+            <a:pPr marL="0" indent="0" algn="l" rtl="0">
               <a:spcBef>
                 <a:spcPts val="0"/>
               </a:spcBef>
@@ -7974,15 +8571,14 @@
               <a:rPr lang="ru"/>
               <a:t>Наше видение</a:t>
             </a:r>
-            <a:endParaRPr/>
           </a:p>
         </p:txBody>
       </p:sp>
       <p:sp>
         <p:nvSpPr>
           <p:cNvPr id="73" name="Google Shape;73;p16"/>
-          <p:cNvSpPr txBox="1">
-            <a:spLocks noGrp="1"/>
+          <p:cNvSpPr>
+            <a:spLocks noGrp="1" noEditPoints="1"/>
           </p:cNvSpPr>
           <p:nvPr>
             <p:ph type="body" idx="1"/>
@@ -7998,12 +8594,12 @@
           </a:prstGeom>
         </p:spPr>
         <p:txBody>
-          <a:bodyPr spcFirstLastPara="1" wrap="square" lIns="91425" tIns="91425" rIns="91425" bIns="91425" anchor="t" anchorCtr="0">
+          <a:bodyPr wrap="square" lIns="91425" tIns="91425" rIns="91425" bIns="91425" anchor="t">
             <a:normAutofit/>
           </a:bodyPr>
           <a:lstStyle/>
           <a:p>
-            <a:pPr marL="0" lvl="0" indent="0" algn="l" rtl="0">
+            <a:pPr marL="0" indent="0" algn="l" rtl="0">
               <a:spcBef>
                 <a:spcPts val="0"/>
               </a:spcBef>
@@ -8016,7 +8612,6 @@
               <a:rPr lang="ru"/>
               <a:t>Персонализированная система анализа и улучшения качества сна с использованием AI. Приложение помогает отслеживать сон, анализировать его качество и получать персональные рекомендации для улучшения отдыха.</a:t>
             </a:r>
-            <a:endParaRPr/>
           </a:p>
         </p:txBody>
       </p:sp>
@@ -8033,7 +8628,7 @@
   <p:cSld>
     <p:spTree>
       <p:nvGrpSpPr>
-        <p:cNvPr id="1" name="Shape 77"/>
+        <p:cNvPr id="1" name=""/>
         <p:cNvGrpSpPr/>
         <p:nvPr/>
       </p:nvGrpSpPr>
@@ -8048,8 +8643,8 @@
       <p:sp>
         <p:nvSpPr>
           <p:cNvPr id="78" name="Google Shape;78;p17"/>
-          <p:cNvSpPr txBox="1">
-            <a:spLocks noGrp="1"/>
+          <p:cNvSpPr>
+            <a:spLocks noGrp="1" noEditPoints="1"/>
           </p:cNvSpPr>
           <p:nvPr>
             <p:ph type="title"/>
@@ -8065,12 +8660,12 @@
           </a:prstGeom>
         </p:spPr>
         <p:txBody>
-          <a:bodyPr spcFirstLastPara="1" wrap="square" lIns="91425" tIns="91425" rIns="91425" bIns="91425" anchor="t" anchorCtr="0">
+          <a:bodyPr wrap="square" lIns="91425" tIns="91425" rIns="91425" bIns="91425" anchor="t">
             <a:normAutofit fontScale="90000"/>
           </a:bodyPr>
           <a:lstStyle/>
           <a:p>
-            <a:pPr marL="0" lvl="0" indent="0" algn="l" rtl="0">
+            <a:pPr marL="0" indent="0" algn="l" rtl="0">
               <a:spcBef>
                 <a:spcPts val="0"/>
               </a:spcBef>
@@ -8090,8 +8685,8 @@
       <p:sp>
         <p:nvSpPr>
           <p:cNvPr id="79" name="Google Shape;79;p17"/>
-          <p:cNvSpPr txBox="1">
-            <a:spLocks noGrp="1"/>
+          <p:cNvSpPr>
+            <a:spLocks noGrp="1" noEditPoints="1"/>
           </p:cNvSpPr>
           <p:nvPr>
             <p:ph type="body" idx="1"/>
@@ -8107,12 +8702,12 @@
           </a:prstGeom>
         </p:spPr>
         <p:txBody>
-          <a:bodyPr spcFirstLastPara="1" wrap="square" lIns="91425" tIns="91425" rIns="91425" bIns="91425" anchor="t" anchorCtr="0">
+          <a:bodyPr wrap="square" lIns="91425" tIns="91425" rIns="91425" bIns="91425" anchor="t">
             <a:normAutofit/>
           </a:bodyPr>
           <a:lstStyle/>
           <a:p>
-            <a:pPr marL="0" lvl="0" indent="0" algn="l" rtl="0">
+            <a:pPr marL="0" indent="0" algn="l" rtl="0">
               <a:spcBef>
                 <a:spcPts val="0"/>
               </a:spcBef>
@@ -8125,7 +8720,6 @@
               <a:rPr lang="ru"/>
               <a:t>Ключевой показатель качества сна (рассчитываемый по формуле на основе продолжительности, эффективности и соотношения фаз) стабильно улучшается или остается стабильно высоким (выше персонального порога) в течение 1 недели.</a:t>
             </a:r>
-            <a:endParaRPr/>
           </a:p>
         </p:txBody>
       </p:sp>
@@ -8142,13 +8736,7 @@
   <p:cSld>
     <p:spTree>
       <p:nvGrpSpPr>
-        <p:cNvPr id="1" name="">
-          <a:extLst>
-            <a:ext uri="{FF2B5EF4-FFF2-40B4-BE49-F238E27FC236}">
-              <a16:creationId xmlns:a16="http://schemas.microsoft.com/office/drawing/2014/main" id="{5F88BEFF-AE5C-8E47-FFC6-78CD48E58F15}"/>
-            </a:ext>
-          </a:extLst>
-        </p:cNvPr>
+        <p:cNvPr id="1" name=""/>
         <p:cNvGrpSpPr/>
         <p:nvPr/>
       </p:nvGrpSpPr>
@@ -8160,30 +8748,47 @@
           <a:chExt cx="0" cy="0"/>
         </a:xfrm>
       </p:grpSpPr>
+      <p:sp>
+        <p:nvSpPr>
+          <p:cNvPr id="2" name="Название 1"/>
+          <p:cNvSpPr>
+            <a:spLocks noGrp="1" noEditPoints="1"/>
+          </p:cNvSpPr>
+          <p:nvPr>
+            <p:ph type="title"/>
+          </p:nvPr>
+        </p:nvSpPr>
+        <p:spPr/>
+        <p:txBody>
+          <a:bodyPr/>
+          <a:lstStyle/>
+          <a:p>
+            <a:r>
+              <a:rPr lang="ru-RU"/>
+              <a:t>Архитектура</a:t>
+            </a:r>
+          </a:p>
+        </p:txBody>
+      </p:sp>
       <p:pic>
         <p:nvPicPr>
-          <p:cNvPr id="3" name="Рисунок 2" descr="Изображение выглядит как текст, снимок экрана, Мультимедийное программное обеспечение, компьютер&#10;&#10;Содержимое, созданное искусственным интеллектом, может быть неверным.">
-            <a:extLst>
-              <a:ext uri="{FF2B5EF4-FFF2-40B4-BE49-F238E27FC236}">
-                <a16:creationId xmlns:a16="http://schemas.microsoft.com/office/drawing/2014/main" id="{5EF94812-A156-3961-B0F7-44E4BC6F207E}"/>
-              </a:ext>
-            </a:extLst>
-          </p:cNvPr>
+          <p:cNvPr id="4" name="Изображение 3"/>
           <p:cNvPicPr>
             <a:picLocks noChangeAspect="1"/>
           </p:cNvPicPr>
           <p:nvPr/>
         </p:nvPicPr>
         <p:blipFill>
-          <a:blip r:embed="rId2"/>
+          <a:blip r:embed="rId1"/>
+          <a:srcRect/>
           <a:stretch>
             <a:fillRect/>
           </a:stretch>
         </p:blipFill>
         <p:spPr>
           <a:xfrm>
-            <a:off x="0" y="229761"/>
-            <a:ext cx="9144000" cy="4683977"/>
+            <a:off x="0" y="1017725"/>
+            <a:ext cx="9144000" cy="3214190"/>
           </a:xfrm>
           <a:prstGeom prst="rect">
             <a:avLst/>
@@ -8191,11 +8796,6 @@
         </p:spPr>
       </p:pic>
     </p:spTree>
-    <p:extLst>
-      <p:ext uri="{BB962C8B-B14F-4D97-AF65-F5344CB8AC3E}">
-        <p14:creationId xmlns:p14="http://schemas.microsoft.com/office/powerpoint/2010/main" val="214406035"/>
-      </p:ext>
-    </p:extLst>
   </p:cSld>
   <p:clrMapOvr>
     <a:masterClrMapping/>
@@ -8222,20 +8822,65 @@
       </p:grpSpPr>
       <p:pic>
         <p:nvPicPr>
-          <p:cNvPr id="5" name="Рисунок 4" descr="Изображение выглядит как текст, снимок экрана, диаграмма, программное обеспечение&#10;&#10;Содержимое, созданное искусственным интеллектом, может быть неверным.">
-            <a:extLst>
-              <a:ext uri="{FF2B5EF4-FFF2-40B4-BE49-F238E27FC236}">
-                <a16:creationId xmlns:a16="http://schemas.microsoft.com/office/drawing/2014/main" id="{223990EE-C864-0C40-F85B-4500FA83D6CD}"/>
-              </a:ext>
-            </a:extLst>
-          </p:cNvPr>
+          <p:cNvPr id="3" name="Рисунок 2" descr="Изображение выглядит как текст, снимок экрана, Мультимедийное программное обеспечение, компьютер&#10;&#10;Содержимое, созданное искусственным интеллектом, может быть неверным."/>
           <p:cNvPicPr>
             <a:picLocks noChangeAspect="1"/>
           </p:cNvPicPr>
           <p:nvPr/>
         </p:nvPicPr>
         <p:blipFill>
-          <a:blip r:embed="rId2"/>
+          <a:blip r:embed="rId1"/>
+          <a:srcRect/>
+          <a:stretch>
+            <a:fillRect/>
+          </a:stretch>
+        </p:blipFill>
+        <p:spPr>
+          <a:xfrm>
+            <a:off x="0" y="229761"/>
+            <a:ext cx="9144000" cy="4683977"/>
+          </a:xfrm>
+          <a:prstGeom prst="rect">
+            <a:avLst/>
+          </a:prstGeom>
+        </p:spPr>
+      </p:pic>
+    </p:spTree>
+  </p:cSld>
+  <p:clrMapOvr>
+    <a:masterClrMapping/>
+  </p:clrMapOvr>
+</p:sld>
+</file>
+
+<file path=ppt/slides/slide8.xml><?xml version="1.0" encoding="utf-8"?>
+<p:sld xmlns:a="http://schemas.openxmlformats.org/drawingml/2006/main" xmlns:r="http://schemas.openxmlformats.org/officeDocument/2006/relationships" xmlns:p="http://schemas.openxmlformats.org/presentationml/2006/main">
+  <p:cSld>
+    <p:spTree>
+      <p:nvGrpSpPr>
+        <p:cNvPr id="1" name=""/>
+        <p:cNvGrpSpPr/>
+        <p:nvPr/>
+      </p:nvGrpSpPr>
+      <p:grpSpPr>
+        <a:xfrm>
+          <a:off x="0" y="0"/>
+          <a:ext cx="0" cy="0"/>
+          <a:chOff x="0" y="0"/>
+          <a:chExt cx="0" cy="0"/>
+        </a:xfrm>
+      </p:grpSpPr>
+      <p:pic>
+        <p:nvPicPr>
+          <p:cNvPr id="5" name="Рисунок 4" descr="Изображение выглядит как текст, снимок экрана, диаграмма, программное обеспечение&#10;&#10;Содержимое, созданное искусственным интеллектом, может быть неверным."/>
+          <p:cNvPicPr>
+            <a:picLocks noChangeAspect="1"/>
+          </p:cNvPicPr>
+          <p:nvPr/>
+        </p:nvPicPr>
+        <p:blipFill>
+          <a:blip r:embed="rId1"/>
+          <a:srcRect/>
           <a:stretch>
             <a:fillRect/>
           </a:stretch>
@@ -8251,11 +8896,6 @@
         </p:spPr>
       </p:pic>
     </p:spTree>
-    <p:extLst>
-      <p:ext uri="{BB962C8B-B14F-4D97-AF65-F5344CB8AC3E}">
-        <p14:creationId xmlns:p14="http://schemas.microsoft.com/office/powerpoint/2010/main" val="2451841391"/>
-      </p:ext>
-    </p:extLst>
   </p:cSld>
   <p:clrMapOvr>
     <a:masterClrMapping/>
@@ -8263,12 +8903,12 @@
 </p:sld>
 </file>
 
-<file path=ppt/slides/slide8.xml><?xml version="1.0" encoding="utf-8"?>
+<file path=ppt/slides/slide9.xml><?xml version="1.0" encoding="utf-8"?>
 <p:sld xmlns:a="http://schemas.openxmlformats.org/drawingml/2006/main" xmlns:r="http://schemas.openxmlformats.org/officeDocument/2006/relationships" xmlns:p="http://schemas.openxmlformats.org/presentationml/2006/main">
   <p:cSld>
     <p:spTree>
       <p:nvGrpSpPr>
-        <p:cNvPr id="1" name="Shape 83"/>
+        <p:cNvPr id="1" name=""/>
         <p:cNvGrpSpPr/>
         <p:nvPr/>
       </p:nvGrpSpPr>
@@ -8282,20 +8922,15 @@
       </p:grpSpPr>
       <p:pic>
         <p:nvPicPr>
-          <p:cNvPr id="3" name="Рисунок 2" descr="Изображение выглядит как текст, снимок экрана, программное обеспечение&#10;&#10;Содержимое, созданное искусственным интеллектом, может быть неверным.">
-            <a:extLst>
-              <a:ext uri="{FF2B5EF4-FFF2-40B4-BE49-F238E27FC236}">
-                <a16:creationId xmlns:a16="http://schemas.microsoft.com/office/drawing/2014/main" id="{2DA09FB7-FCC5-5A92-DEA3-95CE1CB4B44C}"/>
-              </a:ext>
-            </a:extLst>
-          </p:cNvPr>
+          <p:cNvPr id="3" name="Рисунок 2" descr="Изображение выглядит как текст, снимок экрана, программное обеспечение&#10;&#10;Содержимое, созданное искусственным интеллектом, может быть неверным."/>
           <p:cNvPicPr>
             <a:picLocks noChangeAspect="1"/>
           </p:cNvPicPr>
           <p:nvPr/>
         </p:nvPicPr>
         <p:blipFill>
-          <a:blip r:embed="rId3"/>
+          <a:blip r:embed="rId1"/>
+          <a:srcRect/>
           <a:stretch>
             <a:fillRect/>
           </a:stretch>
@@ -8312,20 +8947,15 @@
       </p:pic>
       <p:pic>
         <p:nvPicPr>
-          <p:cNvPr id="7" name="Рисунок 6" descr="Изображение выглядит как текст, снимок экрана, программное обеспечение&#10;&#10;Содержимое, созданное искусственным интеллектом, может быть неверным.">
-            <a:extLst>
-              <a:ext uri="{FF2B5EF4-FFF2-40B4-BE49-F238E27FC236}">
-                <a16:creationId xmlns:a16="http://schemas.microsoft.com/office/drawing/2014/main" id="{D28A4B07-B00D-0E6A-2CA8-F2621D186840}"/>
-              </a:ext>
-            </a:extLst>
-          </p:cNvPr>
+          <p:cNvPr id="7" name="Рисунок 6" descr="Изображение выглядит как текст, снимок экрана, программное обеспечение&#10;&#10;Содержимое, созданное искусственным интеллектом, может быть неверным."/>
           <p:cNvPicPr>
             <a:picLocks noChangeAspect="1"/>
           </p:cNvPicPr>
           <p:nvPr/>
         </p:nvPicPr>
         <p:blipFill>
-          <a:blip r:embed="rId4"/>
+          <a:blip r:embed="rId2"/>
+          <a:srcRect/>
           <a:stretch>
             <a:fillRect/>
           </a:stretch>
@@ -8342,15 +8972,9 @@
       </p:pic>
       <p:sp>
         <p:nvSpPr>
-          <p:cNvPr id="8" name="Google Shape;78;p17">
-            <a:extLst>
-              <a:ext uri="{FF2B5EF4-FFF2-40B4-BE49-F238E27FC236}">
-                <a16:creationId xmlns:a16="http://schemas.microsoft.com/office/drawing/2014/main" id="{4C88D826-D466-0C62-CF18-84F158EF2EA0}"/>
-              </a:ext>
-            </a:extLst>
-          </p:cNvPr>
-          <p:cNvSpPr txBox="1">
-            <a:spLocks noGrp="1"/>
+          <p:cNvPr id="8" name="Google Shape;78;p17"/>
+          <p:cNvSpPr>
+            <a:spLocks noGrp="1" noEditPoints="1"/>
           </p:cNvSpPr>
           <p:nvPr>
             <p:ph type="title"/>
@@ -8366,12 +8990,12 @@
           </a:prstGeom>
         </p:spPr>
         <p:txBody>
-          <a:bodyPr spcFirstLastPara="1" wrap="square" lIns="91425" tIns="91425" rIns="91425" bIns="91425" anchor="t" anchorCtr="0">
+          <a:bodyPr wrap="square" lIns="91425" tIns="91425" rIns="91425" bIns="91425" anchor="t">
             <a:normAutofit fontScale="90000"/>
           </a:bodyPr>
           <a:lstStyle/>
           <a:p>
-            <a:pPr marL="0" lvl="0" indent="0" algn="l" rtl="0">
+            <a:pPr marL="0" indent="0" algn="l" rtl="0">
               <a:spcBef>
                 <a:spcPts val="0"/>
               </a:spcBef>
@@ -8389,400 +9013,6 @@
         </p:txBody>
       </p:sp>
     </p:spTree>
-  </p:cSld>
-  <p:clrMapOvr>
-    <a:masterClrMapping/>
-  </p:clrMapOvr>
-</p:sld>
-</file>
-
-<file path=ppt/slides/slide9.xml><?xml version="1.0" encoding="utf-8"?>
-<p:sld xmlns:a="http://schemas.openxmlformats.org/drawingml/2006/main" xmlns:r="http://schemas.openxmlformats.org/officeDocument/2006/relationships" xmlns:p="http://schemas.openxmlformats.org/presentationml/2006/main">
-  <p:cSld>
-    <p:spTree>
-      <p:nvGrpSpPr>
-        <p:cNvPr id="1" name="">
-          <a:extLst>
-            <a:ext uri="{FF2B5EF4-FFF2-40B4-BE49-F238E27FC236}">
-              <a16:creationId xmlns:a16="http://schemas.microsoft.com/office/drawing/2014/main" id="{15E031FE-CD7D-C448-A1E3-DF55EE892104}"/>
-            </a:ext>
-          </a:extLst>
-        </p:cNvPr>
-        <p:cNvGrpSpPr/>
-        <p:nvPr/>
-      </p:nvGrpSpPr>
-      <p:grpSpPr>
-        <a:xfrm>
-          <a:off x="0" y="0"/>
-          <a:ext cx="0" cy="0"/>
-          <a:chOff x="0" y="0"/>
-          <a:chExt cx="0" cy="0"/>
-        </a:xfrm>
-      </p:grpSpPr>
-      <p:pic>
-        <p:nvPicPr>
-          <p:cNvPr id="3" name="Рисунок 2" descr="Изображение выглядит как текст, снимок экрана&#10;&#10;Содержимое, созданное искусственным интеллектом, может быть неверным.">
-            <a:extLst>
-              <a:ext uri="{FF2B5EF4-FFF2-40B4-BE49-F238E27FC236}">
-                <a16:creationId xmlns:a16="http://schemas.microsoft.com/office/drawing/2014/main" id="{690FAAA5-4303-A321-752E-8A048689EE4A}"/>
-              </a:ext>
-            </a:extLst>
-          </p:cNvPr>
-          <p:cNvPicPr>
-            <a:picLocks noChangeAspect="1"/>
-          </p:cNvPicPr>
-          <p:nvPr/>
-        </p:nvPicPr>
-        <p:blipFill>
-          <a:blip r:embed="rId2"/>
-          <a:stretch>
-            <a:fillRect/>
-          </a:stretch>
-        </p:blipFill>
-        <p:spPr>
-          <a:xfrm>
-            <a:off x="3877416" y="2455228"/>
-            <a:ext cx="5162674" cy="1192633"/>
-          </a:xfrm>
-          <a:prstGeom prst="rect">
-            <a:avLst/>
-          </a:prstGeom>
-        </p:spPr>
-      </p:pic>
-      <p:pic>
-        <p:nvPicPr>
-          <p:cNvPr id="5" name="Рисунок 4" descr="Изображение выглядит как снимок экрана, текст&#10;&#10;Содержимое, созданное искусственным интеллектом, может быть неверным.">
-            <a:extLst>
-              <a:ext uri="{FF2B5EF4-FFF2-40B4-BE49-F238E27FC236}">
-                <a16:creationId xmlns:a16="http://schemas.microsoft.com/office/drawing/2014/main" id="{ABBE1E54-8743-98B7-0FE1-7E3C916EB933}"/>
-              </a:ext>
-            </a:extLst>
-          </p:cNvPr>
-          <p:cNvPicPr>
-            <a:picLocks noChangeAspect="1"/>
-          </p:cNvPicPr>
-          <p:nvPr/>
-        </p:nvPicPr>
-        <p:blipFill>
-          <a:blip r:embed="rId3"/>
-          <a:stretch>
-            <a:fillRect/>
-          </a:stretch>
-        </p:blipFill>
-        <p:spPr>
-          <a:xfrm>
-            <a:off x="109681" y="3790657"/>
-            <a:ext cx="4914900" cy="1278642"/>
-          </a:xfrm>
-          <a:prstGeom prst="rect">
-            <a:avLst/>
-          </a:prstGeom>
-        </p:spPr>
-      </p:pic>
-      <p:pic>
-        <p:nvPicPr>
-          <p:cNvPr id="7" name="Рисунок 6" descr="Изображение выглядит как текст, Шрифт, линия, число&#10;&#10;Содержимое, созданное искусственным интеллектом, может быть неверным.">
-            <a:extLst>
-              <a:ext uri="{FF2B5EF4-FFF2-40B4-BE49-F238E27FC236}">
-                <a16:creationId xmlns:a16="http://schemas.microsoft.com/office/drawing/2014/main" id="{4560BB5C-F59F-C6D1-4A34-7F6D1B0A7BC0}"/>
-              </a:ext>
-            </a:extLst>
-          </p:cNvPr>
-          <p:cNvPicPr>
-            <a:picLocks noChangeAspect="1"/>
-          </p:cNvPicPr>
-          <p:nvPr/>
-        </p:nvPicPr>
-        <p:blipFill>
-          <a:blip r:embed="rId4"/>
-          <a:stretch>
-            <a:fillRect/>
-          </a:stretch>
-        </p:blipFill>
-        <p:spPr>
-          <a:xfrm>
-            <a:off x="2326673" y="480869"/>
-            <a:ext cx="5034088" cy="1831563"/>
-          </a:xfrm>
-          <a:prstGeom prst="rect">
-            <a:avLst/>
-          </a:prstGeom>
-        </p:spPr>
-      </p:pic>
-      <p:sp>
-        <p:nvSpPr>
-          <p:cNvPr id="9" name="Google Shape;78;p17">
-            <a:extLst>
-              <a:ext uri="{FF2B5EF4-FFF2-40B4-BE49-F238E27FC236}">
-                <a16:creationId xmlns:a16="http://schemas.microsoft.com/office/drawing/2014/main" id="{A124F358-C123-E052-6230-BDBE3C9DA9F4}"/>
-              </a:ext>
-            </a:extLst>
-          </p:cNvPr>
-          <p:cNvSpPr txBox="1">
-            <a:spLocks/>
-          </p:cNvSpPr>
-          <p:nvPr/>
-        </p:nvSpPr>
-        <p:spPr>
-          <a:xfrm>
-            <a:off x="117737" y="-58121"/>
-            <a:ext cx="8520600" cy="572700"/>
-          </a:xfrm>
-          <a:prstGeom prst="rect">
-            <a:avLst/>
-          </a:prstGeom>
-        </p:spPr>
-        <p:txBody>
-          <a:bodyPr spcFirstLastPara="1" wrap="square" lIns="91425" tIns="91425" rIns="91425" bIns="91425" anchor="t" anchorCtr="0">
-            <a:normAutofit fontScale="97500"/>
-          </a:bodyPr>
-          <a:lstStyle>
-            <a:defPPr marR="0" lvl="0" algn="l" rtl="0">
-              <a:lnSpc>
-                <a:spcPct val="100000"/>
-              </a:lnSpc>
-              <a:spcBef>
-                <a:spcPts val="0"/>
-              </a:spcBef>
-              <a:spcAft>
-                <a:spcPts val="0"/>
-              </a:spcAft>
-            </a:defPPr>
-            <a:lvl1pPr marR="0" lvl="0" algn="l" rtl="0">
-              <a:lnSpc>
-                <a:spcPct val="100000"/>
-              </a:lnSpc>
-              <a:spcBef>
-                <a:spcPts val="0"/>
-              </a:spcBef>
-              <a:spcAft>
-                <a:spcPts val="0"/>
-              </a:spcAft>
-              <a:buClr>
-                <a:srgbClr val="000000"/>
-              </a:buClr>
-              <a:buFont typeface="Arial"/>
-              <a:defRPr sz="1400" b="0" i="0" u="none" strike="noStrike" cap="none">
-                <a:solidFill>
-                  <a:srgbClr val="000000"/>
-                </a:solidFill>
-                <a:latin typeface="Arial"/>
-                <a:ea typeface="Arial"/>
-                <a:cs typeface="Arial"/>
-                <a:sym typeface="Arial"/>
-              </a:defRPr>
-            </a:lvl1pPr>
-            <a:lvl2pPr marR="0" lvl="1" algn="l" rtl="0">
-              <a:lnSpc>
-                <a:spcPct val="100000"/>
-              </a:lnSpc>
-              <a:spcBef>
-                <a:spcPts val="0"/>
-              </a:spcBef>
-              <a:spcAft>
-                <a:spcPts val="0"/>
-              </a:spcAft>
-              <a:buClr>
-                <a:srgbClr val="000000"/>
-              </a:buClr>
-              <a:buFont typeface="Arial"/>
-              <a:defRPr sz="1400" b="0" i="0" u="none" strike="noStrike" cap="none">
-                <a:solidFill>
-                  <a:srgbClr val="000000"/>
-                </a:solidFill>
-                <a:latin typeface="Arial"/>
-                <a:ea typeface="Arial"/>
-                <a:cs typeface="Arial"/>
-                <a:sym typeface="Arial"/>
-              </a:defRPr>
-            </a:lvl2pPr>
-            <a:lvl3pPr marR="0" lvl="2" algn="l" rtl="0">
-              <a:lnSpc>
-                <a:spcPct val="100000"/>
-              </a:lnSpc>
-              <a:spcBef>
-                <a:spcPts val="0"/>
-              </a:spcBef>
-              <a:spcAft>
-                <a:spcPts val="0"/>
-              </a:spcAft>
-              <a:buClr>
-                <a:srgbClr val="000000"/>
-              </a:buClr>
-              <a:buFont typeface="Arial"/>
-              <a:defRPr sz="1400" b="0" i="0" u="none" strike="noStrike" cap="none">
-                <a:solidFill>
-                  <a:srgbClr val="000000"/>
-                </a:solidFill>
-                <a:latin typeface="Arial"/>
-                <a:ea typeface="Arial"/>
-                <a:cs typeface="Arial"/>
-                <a:sym typeface="Arial"/>
-              </a:defRPr>
-            </a:lvl3pPr>
-            <a:lvl4pPr marR="0" lvl="3" algn="l" rtl="0">
-              <a:lnSpc>
-                <a:spcPct val="100000"/>
-              </a:lnSpc>
-              <a:spcBef>
-                <a:spcPts val="0"/>
-              </a:spcBef>
-              <a:spcAft>
-                <a:spcPts val="0"/>
-              </a:spcAft>
-              <a:buClr>
-                <a:srgbClr val="000000"/>
-              </a:buClr>
-              <a:buFont typeface="Arial"/>
-              <a:defRPr sz="1400" b="0" i="0" u="none" strike="noStrike" cap="none">
-                <a:solidFill>
-                  <a:srgbClr val="000000"/>
-                </a:solidFill>
-                <a:latin typeface="Arial"/>
-                <a:ea typeface="Arial"/>
-                <a:cs typeface="Arial"/>
-                <a:sym typeface="Arial"/>
-              </a:defRPr>
-            </a:lvl4pPr>
-            <a:lvl5pPr marR="0" lvl="4" algn="l" rtl="0">
-              <a:lnSpc>
-                <a:spcPct val="100000"/>
-              </a:lnSpc>
-              <a:spcBef>
-                <a:spcPts val="0"/>
-              </a:spcBef>
-              <a:spcAft>
-                <a:spcPts val="0"/>
-              </a:spcAft>
-              <a:buClr>
-                <a:srgbClr val="000000"/>
-              </a:buClr>
-              <a:buFont typeface="Arial"/>
-              <a:defRPr sz="1400" b="0" i="0" u="none" strike="noStrike" cap="none">
-                <a:solidFill>
-                  <a:srgbClr val="000000"/>
-                </a:solidFill>
-                <a:latin typeface="Arial"/>
-                <a:ea typeface="Arial"/>
-                <a:cs typeface="Arial"/>
-                <a:sym typeface="Arial"/>
-              </a:defRPr>
-            </a:lvl5pPr>
-            <a:lvl6pPr marR="0" lvl="5" algn="l" rtl="0">
-              <a:lnSpc>
-                <a:spcPct val="100000"/>
-              </a:lnSpc>
-              <a:spcBef>
-                <a:spcPts val="0"/>
-              </a:spcBef>
-              <a:spcAft>
-                <a:spcPts val="0"/>
-              </a:spcAft>
-              <a:buClr>
-                <a:srgbClr val="000000"/>
-              </a:buClr>
-              <a:buFont typeface="Arial"/>
-              <a:defRPr sz="1400" b="0" i="0" u="none" strike="noStrike" cap="none">
-                <a:solidFill>
-                  <a:srgbClr val="000000"/>
-                </a:solidFill>
-                <a:latin typeface="Arial"/>
-                <a:ea typeface="Arial"/>
-                <a:cs typeface="Arial"/>
-                <a:sym typeface="Arial"/>
-              </a:defRPr>
-            </a:lvl6pPr>
-            <a:lvl7pPr marR="0" lvl="6" algn="l" rtl="0">
-              <a:lnSpc>
-                <a:spcPct val="100000"/>
-              </a:lnSpc>
-              <a:spcBef>
-                <a:spcPts val="0"/>
-              </a:spcBef>
-              <a:spcAft>
-                <a:spcPts val="0"/>
-              </a:spcAft>
-              <a:buClr>
-                <a:srgbClr val="000000"/>
-              </a:buClr>
-              <a:buFont typeface="Arial"/>
-              <a:defRPr sz="1400" b="0" i="0" u="none" strike="noStrike" cap="none">
-                <a:solidFill>
-                  <a:srgbClr val="000000"/>
-                </a:solidFill>
-                <a:latin typeface="Arial"/>
-                <a:ea typeface="Arial"/>
-                <a:cs typeface="Arial"/>
-                <a:sym typeface="Arial"/>
-              </a:defRPr>
-            </a:lvl7pPr>
-            <a:lvl8pPr marR="0" lvl="7" algn="l" rtl="0">
-              <a:lnSpc>
-                <a:spcPct val="100000"/>
-              </a:lnSpc>
-              <a:spcBef>
-                <a:spcPts val="0"/>
-              </a:spcBef>
-              <a:spcAft>
-                <a:spcPts val="0"/>
-              </a:spcAft>
-              <a:buClr>
-                <a:srgbClr val="000000"/>
-              </a:buClr>
-              <a:buFont typeface="Arial"/>
-              <a:defRPr sz="1400" b="0" i="0" u="none" strike="noStrike" cap="none">
-                <a:solidFill>
-                  <a:srgbClr val="000000"/>
-                </a:solidFill>
-                <a:latin typeface="Arial"/>
-                <a:ea typeface="Arial"/>
-                <a:cs typeface="Arial"/>
-                <a:sym typeface="Arial"/>
-              </a:defRPr>
-            </a:lvl8pPr>
-            <a:lvl9pPr marR="0" lvl="8" algn="l" rtl="0">
-              <a:lnSpc>
-                <a:spcPct val="100000"/>
-              </a:lnSpc>
-              <a:spcBef>
-                <a:spcPts val="0"/>
-              </a:spcBef>
-              <a:spcAft>
-                <a:spcPts val="0"/>
-              </a:spcAft>
-              <a:buClr>
-                <a:srgbClr val="000000"/>
-              </a:buClr>
-              <a:buFont typeface="Arial"/>
-              <a:defRPr sz="1400" b="0" i="0" u="none" strike="noStrike" cap="none">
-                <a:solidFill>
-                  <a:srgbClr val="000000"/>
-                </a:solidFill>
-                <a:latin typeface="Arial"/>
-                <a:ea typeface="Arial"/>
-                <a:cs typeface="Arial"/>
-                <a:sym typeface="Arial"/>
-              </a:defRPr>
-            </a:lvl9pPr>
-          </a:lstStyle>
-          <a:p>
-            <a:r>
-              <a:rPr lang="en-US" sz="2400" dirty="0">
-                <a:solidFill>
-                  <a:schemeClr val="tx1"/>
-                </a:solidFill>
-              </a:rPr>
-              <a:t>CI/CD</a:t>
-            </a:r>
-          </a:p>
-        </p:txBody>
-      </p:sp>
-    </p:spTree>
-    <p:extLst>
-      <p:ext uri="{BB962C8B-B14F-4D97-AF65-F5344CB8AC3E}">
-        <p14:creationId xmlns:p14="http://schemas.microsoft.com/office/powerpoint/2010/main" val="1168201899"/>
-      </p:ext>
-    </p:extLst>
   </p:cSld>
   <p:clrMapOvr>
     <a:masterClrMapping/>
